--- a/Presentasjon mikrokontrollere.pptx
+++ b/Presentasjon mikrokontrollere.pptx
@@ -113,6 +113,11 @@
       </a:defRPr>
     </a:lvl9pPr>
   </p:defaultTextStyle>
+  <p:extLst>
+    <p:ext uri="{EFAFB233-063F-42B5-8137-9DF3F51BA10A}">
+      <p15:sldGuideLst xmlns:p15="http://schemas.microsoft.com/office/powerpoint/2012/main"/>
+    </p:ext>
+  </p:extLst>
 </p:presentation>
 </file>
 
@@ -2249,10 +2254,10 @@
             </a:lnSpc>
           </a:pPr>
           <a:r>
-            <a:rPr lang="nb-NO"/>
-            <a:t>To sensorer: Potensiometer og temperatursensor</a:t>
+            <a:rPr lang="nb-NO" dirty="0"/>
+            <a:t>To sensorer: Potensiometer og temperatursensor, en motorvifte.</a:t>
           </a:r>
-          <a:endParaRPr lang="en-US"/>
+          <a:endParaRPr lang="en-US" dirty="0"/>
         </a:p>
       </dgm:t>
     </dgm:pt>
@@ -2333,10 +2338,26 @@
             </a:lnSpc>
           </a:pPr>
           <a:r>
-            <a:rPr lang="nb-NO"/>
-            <a:t>Konvertering av sensorverdi til temperatur.</a:t>
+            <a:rPr lang="nb-NO" dirty="0"/>
+            <a:t>Temperatur </a:t>
           </a:r>
-          <a:endParaRPr lang="en-US"/>
+          <a:r>
+            <a:rPr lang="nb-NO" dirty="0" err="1"/>
+            <a:t>printes</a:t>
+          </a:r>
+          <a:r>
+            <a:rPr lang="nb-NO" dirty="0"/>
+            <a:t> til </a:t>
+          </a:r>
+          <a:r>
+            <a:rPr lang="nb-NO" dirty="0" err="1"/>
+            <a:t>serial</a:t>
+          </a:r>
+          <a:r>
+            <a:rPr lang="nb-NO" dirty="0"/>
+            <a:t> monitor via USART.</a:t>
+          </a:r>
+          <a:endParaRPr lang="en-US" dirty="0"/>
         </a:p>
       </dgm:t>
     </dgm:pt>
@@ -2375,10 +2396,10 @@
             </a:lnSpc>
           </a:pPr>
           <a:r>
-            <a:rPr lang="nb-NO"/>
-            <a:t>Temperatur printes til serial monitor.</a:t>
+            <a:rPr lang="nb-NO" dirty="0"/>
+            <a:t>Dersom potensiometeret går over 75% av maksverdi skrus viftemotoren seg på.</a:t>
           </a:r>
-          <a:endParaRPr lang="en-US"/>
+          <a:endParaRPr lang="en-US" dirty="0"/>
         </a:p>
       </dgm:t>
     </dgm:pt>
@@ -2417,10 +2438,10 @@
             </a:lnSpc>
           </a:pPr>
           <a:r>
-            <a:rPr lang="nb-NO"/>
-            <a:t>Interrupt dersom potensiometeret trigges. </a:t>
+            <a:rPr lang="nb-NO" dirty="0"/>
+            <a:t>Timer som styrer PWM for å drive viftemotoren.</a:t>
           </a:r>
-          <a:endParaRPr lang="en-US"/>
+          <a:endParaRPr lang="en-US" dirty="0"/>
         </a:p>
       </dgm:t>
     </dgm:pt>
@@ -2575,7 +2596,7 @@
       </dgm:spPr>
       <dgm:extLst>
         <a:ext uri="{E40237B7-FDA0-4F09-8148-C483321AD2D9}">
-          <dgm14:cNvPr xmlns:dgm14="http://schemas.microsoft.com/office/drawing/2010/diagram" id="0" name="" descr="Termometer med heldekkende fyll"/>
+          <dgm14:cNvPr xmlns:dgm14="http://schemas.microsoft.com/office/drawing/2010/diagram" id="0" name="" descr="TV med heldekkende fyll"/>
         </a:ext>
       </dgm:extLst>
     </dgm:pt>
@@ -2622,7 +2643,7 @@
       </dgm:spPr>
       <dgm:extLst>
         <a:ext uri="{E40237B7-FDA0-4F09-8148-C483321AD2D9}">
-          <dgm14:cNvPr xmlns:dgm14="http://schemas.microsoft.com/office/drawing/2010/diagram" id="0" name="" descr="TV med heldekkende fyll"/>
+          <dgm14:cNvPr xmlns:dgm14="http://schemas.microsoft.com/office/drawing/2010/diagram" id="0" name="" descr="Advarsel med heldekkende fyll"/>
         </a:ext>
       </dgm:extLst>
     </dgm:pt>
@@ -2669,7 +2690,7 @@
       </dgm:spPr>
       <dgm:extLst>
         <a:ext uri="{E40237B7-FDA0-4F09-8148-C483321AD2D9}">
-          <dgm14:cNvPr xmlns:dgm14="http://schemas.microsoft.com/office/drawing/2010/diagram" id="0" name="" descr="Advarsel med heldekkende fyll"/>
+          <dgm14:cNvPr xmlns:dgm14="http://schemas.microsoft.com/office/drawing/2010/diagram" id="0" name="" descr="Klokke med heldekkende fyll"/>
         </a:ext>
       </dgm:extLst>
     </dgm:pt>
@@ -3489,7 +3510,7 @@
         </a:bodyPr>
         <a:lstStyle/>
         <a:p>
-          <a:pPr marL="0" lvl="0" indent="0" algn="ctr" defTabSz="622300">
+          <a:pPr marL="0" lvl="0" indent="0" algn="ctr" defTabSz="577850">
             <a:lnSpc>
               <a:spcPct val="100000"/>
             </a:lnSpc>
@@ -3502,10 +3523,10 @@
             <a:buNone/>
           </a:pPr>
           <a:r>
-            <a:rPr lang="nb-NO" sz="1400" kern="1200"/>
-            <a:t>To sensorer: Potensiometer og temperatursensor</a:t>
+            <a:rPr lang="nb-NO" sz="1300" kern="1200" dirty="0"/>
+            <a:t>To sensorer: Potensiometer og temperatursensor, en motorvifte.</a:t>
           </a:r>
-          <a:endParaRPr lang="en-US" sz="1400" kern="1200"/>
+          <a:endParaRPr lang="en-US" sz="1300" kern="1200" dirty="0"/>
         </a:p>
       </dsp:txBody>
       <dsp:txXfrm>
@@ -3608,7 +3629,7 @@
         </a:bodyPr>
         <a:lstStyle/>
         <a:p>
-          <a:pPr marL="0" lvl="0" indent="0" algn="ctr" defTabSz="622300">
+          <a:pPr marL="0" lvl="0" indent="0" algn="ctr" defTabSz="577850">
             <a:lnSpc>
               <a:spcPct val="100000"/>
             </a:lnSpc>
@@ -3621,10 +3642,10 @@
             <a:buNone/>
           </a:pPr>
           <a:r>
-            <a:rPr lang="nb-NO" sz="1400" kern="1200"/>
+            <a:rPr lang="nb-NO" sz="1300" kern="1200"/>
             <a:t>ADC for måling av sensorverdier.</a:t>
           </a:r>
-          <a:endParaRPr lang="en-US" sz="1400" kern="1200"/>
+          <a:endParaRPr lang="en-US" sz="1300" kern="1200"/>
         </a:p>
       </dsp:txBody>
       <dsp:txXfrm>
@@ -3727,7 +3748,7 @@
         </a:bodyPr>
         <a:lstStyle/>
         <a:p>
-          <a:pPr marL="0" lvl="0" indent="0" algn="ctr" defTabSz="622300">
+          <a:pPr marL="0" lvl="0" indent="0" algn="ctr" defTabSz="577850">
             <a:lnSpc>
               <a:spcPct val="100000"/>
             </a:lnSpc>
@@ -3740,10 +3761,26 @@
             <a:buNone/>
           </a:pPr>
           <a:r>
-            <a:rPr lang="nb-NO" sz="1400" kern="1200"/>
-            <a:t>Konvertering av sensorverdi til temperatur.</a:t>
+            <a:rPr lang="nb-NO" sz="1300" kern="1200" dirty="0"/>
+            <a:t>Temperatur </a:t>
           </a:r>
-          <a:endParaRPr lang="en-US" sz="1400" kern="1200"/>
+          <a:r>
+            <a:rPr lang="nb-NO" sz="1300" kern="1200" dirty="0" err="1"/>
+            <a:t>printes</a:t>
+          </a:r>
+          <a:r>
+            <a:rPr lang="nb-NO" sz="1300" kern="1200" dirty="0"/>
+            <a:t> til </a:t>
+          </a:r>
+          <a:r>
+            <a:rPr lang="nb-NO" sz="1300" kern="1200" dirty="0" err="1"/>
+            <a:t>serial</a:t>
+          </a:r>
+          <a:r>
+            <a:rPr lang="nb-NO" sz="1300" kern="1200" dirty="0"/>
+            <a:t> monitor via USART.</a:t>
+          </a:r>
+          <a:endParaRPr lang="en-US" sz="1300" kern="1200" dirty="0"/>
         </a:p>
       </dsp:txBody>
       <dsp:txXfrm>
@@ -3846,7 +3883,7 @@
         </a:bodyPr>
         <a:lstStyle/>
         <a:p>
-          <a:pPr marL="0" lvl="0" indent="0" algn="ctr" defTabSz="622300">
+          <a:pPr marL="0" lvl="0" indent="0" algn="ctr" defTabSz="577850">
             <a:lnSpc>
               <a:spcPct val="100000"/>
             </a:lnSpc>
@@ -3859,10 +3896,10 @@
             <a:buNone/>
           </a:pPr>
           <a:r>
-            <a:rPr lang="nb-NO" sz="1400" kern="1200"/>
-            <a:t>Temperatur printes til serial monitor.</a:t>
+            <a:rPr lang="nb-NO" sz="1300" kern="1200" dirty="0"/>
+            <a:t>Dersom potensiometeret går over 75% av maksverdi skrus viftemotoren seg på.</a:t>
           </a:r>
-          <a:endParaRPr lang="en-US" sz="1400" kern="1200"/>
+          <a:endParaRPr lang="en-US" sz="1300" kern="1200" dirty="0"/>
         </a:p>
       </dsp:txBody>
       <dsp:txXfrm>
@@ -3965,7 +4002,7 @@
         </a:bodyPr>
         <a:lstStyle/>
         <a:p>
-          <a:pPr marL="0" lvl="0" indent="0" algn="ctr" defTabSz="622300">
+          <a:pPr marL="0" lvl="0" indent="0" algn="ctr" defTabSz="577850">
             <a:lnSpc>
               <a:spcPct val="100000"/>
             </a:lnSpc>
@@ -3978,10 +4015,10 @@
             <a:buNone/>
           </a:pPr>
           <a:r>
-            <a:rPr lang="nb-NO" sz="1400" kern="1200"/>
-            <a:t>Interrupt dersom potensiometeret trigges. </a:t>
+            <a:rPr lang="nb-NO" sz="1300" kern="1200" dirty="0"/>
+            <a:t>Timer som styrer PWM for å drive viftemotoren.</a:t>
           </a:r>
-          <a:endParaRPr lang="en-US" sz="1400" kern="1200"/>
+          <a:endParaRPr lang="en-US" sz="1300" kern="1200" dirty="0"/>
         </a:p>
       </dsp:txBody>
       <dsp:txXfrm>
@@ -6630,7 +6667,7 @@
           <a:p>
             <a:fld id="{11EAACC7-3B3F-47D1-959A-EF58926E955E}" type="datetimeFigureOut">
               <a:rPr lang="en-US" smtClean="0"/>
-              <a:t>4/26/2021</a:t>
+              <a:t>5/3/2021</a:t>
             </a:fld>
             <a:endParaRPr lang="en-US"/>
           </a:p>
@@ -6828,7 +6865,7 @@
           <a:p>
             <a:fld id="{11EAACC7-3B3F-47D1-959A-EF58926E955E}" type="datetimeFigureOut">
               <a:rPr lang="en-US" smtClean="0"/>
-              <a:t>4/26/2021</a:t>
+              <a:t>5/3/2021</a:t>
             </a:fld>
             <a:endParaRPr lang="en-US"/>
           </a:p>
@@ -7036,7 +7073,7 @@
           <a:p>
             <a:fld id="{11EAACC7-3B3F-47D1-959A-EF58926E955E}" type="datetimeFigureOut">
               <a:rPr lang="en-US" smtClean="0"/>
-              <a:t>4/26/2021</a:t>
+              <a:t>5/3/2021</a:t>
             </a:fld>
             <a:endParaRPr lang="en-US"/>
           </a:p>
@@ -7265,7 +7302,7 @@
           <a:p>
             <a:fld id="{11EAACC7-3B3F-47D1-959A-EF58926E955E}" type="datetimeFigureOut">
               <a:rPr lang="en-US" smtClean="0"/>
-              <a:t>4/26/2021</a:t>
+              <a:t>5/3/2021</a:t>
             </a:fld>
             <a:endParaRPr lang="en-US" dirty="0"/>
           </a:p>
@@ -7540,7 +7577,7 @@
           <a:p>
             <a:fld id="{11EAACC7-3B3F-47D1-959A-EF58926E955E}" type="datetimeFigureOut">
               <a:rPr lang="en-US" smtClean="0"/>
-              <a:t>4/26/2021</a:t>
+              <a:t>5/3/2021</a:t>
             </a:fld>
             <a:endParaRPr lang="en-US"/>
           </a:p>
@@ -7806,7 +7843,7 @@
           <a:p>
             <a:fld id="{11EAACC7-3B3F-47D1-959A-EF58926E955E}" type="datetimeFigureOut">
               <a:rPr lang="en-US" smtClean="0"/>
-              <a:t>4/26/2021</a:t>
+              <a:t>5/3/2021</a:t>
             </a:fld>
             <a:endParaRPr lang="en-US"/>
           </a:p>
@@ -8223,7 +8260,7 @@
           <a:p>
             <a:fld id="{11EAACC7-3B3F-47D1-959A-EF58926E955E}" type="datetimeFigureOut">
               <a:rPr lang="en-US" smtClean="0"/>
-              <a:t>4/26/2021</a:t>
+              <a:t>5/3/2021</a:t>
             </a:fld>
             <a:endParaRPr lang="en-US"/>
           </a:p>
@@ -8364,7 +8401,7 @@
           <a:p>
             <a:fld id="{11EAACC7-3B3F-47D1-959A-EF58926E955E}" type="datetimeFigureOut">
               <a:rPr lang="en-US" smtClean="0"/>
-              <a:t>4/26/2021</a:t>
+              <a:t>5/3/2021</a:t>
             </a:fld>
             <a:endParaRPr lang="en-US"/>
           </a:p>
@@ -8477,7 +8514,7 @@
           <a:p>
             <a:fld id="{11EAACC7-3B3F-47D1-959A-EF58926E955E}" type="datetimeFigureOut">
               <a:rPr lang="en-US" smtClean="0"/>
-              <a:t>4/26/2021</a:t>
+              <a:t>5/3/2021</a:t>
             </a:fld>
             <a:endParaRPr lang="en-US"/>
           </a:p>
@@ -8788,7 +8825,7 @@
           <a:p>
             <a:fld id="{11EAACC7-3B3F-47D1-959A-EF58926E955E}" type="datetimeFigureOut">
               <a:rPr lang="en-US" smtClean="0"/>
-              <a:t>4/26/2021</a:t>
+              <a:t>5/3/2021</a:t>
             </a:fld>
             <a:endParaRPr lang="en-US"/>
           </a:p>
@@ -9079,7 +9116,7 @@
           <a:p>
             <a:fld id="{11EAACC7-3B3F-47D1-959A-EF58926E955E}" type="datetimeFigureOut">
               <a:rPr lang="en-US" smtClean="0"/>
-              <a:t>4/26/2021</a:t>
+              <a:t>5/3/2021</a:t>
             </a:fld>
             <a:endParaRPr lang="en-US"/>
           </a:p>
@@ -9636,7 +9673,7 @@
           <a:p>
             <a:fld id="{11EAACC7-3B3F-47D1-959A-EF58926E955E}" type="datetimeFigureOut">
               <a:rPr lang="en-US" smtClean="0"/>
-              <a:t>4/26/2021</a:t>
+              <a:t>5/3/2021</a:t>
             </a:fld>
             <a:endParaRPr lang="en-US"/>
           </a:p>
@@ -10652,7 +10689,10 @@
           <a:bodyPr/>
           <a:lstStyle/>
           <a:p>
-            <a:endParaRPr lang="nb-NO" dirty="0"/>
+            <a:r>
+              <a:rPr lang="nb-NO" dirty="0"/>
+              <a:t>Dette er et avkjølingsprogram. Programmet overvåker både temperatur, og mekanisk endring som resultat av økt temperatur. Dette fungerer som en ekstra sikkerhetsfunksjon dersom temperatursensoren er for dårlig eller blir ødelagt. </a:t>
+            </a:r>
           </a:p>
         </p:txBody>
       </p:sp>
@@ -11398,7 +11438,7 @@
         <p:spPr>
           <a:xfrm>
             <a:off x="664431" y="1102360"/>
-            <a:ext cx="3812717" cy="4724400"/>
+            <a:ext cx="3640441" cy="4724400"/>
           </a:xfrm>
         </p:spPr>
         <p:txBody>
@@ -11409,7 +11449,11 @@
           <a:p>
             <a:r>
               <a:rPr lang="nb-NO" dirty="0"/>
-              <a:t>Generelt oppsett</a:t>
+              <a:t>Generelt oppsett: </a:t>
+            </a:r>
+            <a:r>
+              <a:rPr lang="nb-NO" sz="2800" dirty="0"/>
+              <a:t>kjøleprogram</a:t>
             </a:r>
           </a:p>
         </p:txBody>
@@ -11484,7 +11528,7 @@
             <p:ph idx="1"/>
             <p:extLst>
               <p:ext uri="{D42A27DB-BD31-4B8C-83A1-F6EECF244321}">
-                <p14:modId xmlns:p14="http://schemas.microsoft.com/office/powerpoint/2010/main" val="2374616203"/>
+                <p14:modId xmlns:p14="http://schemas.microsoft.com/office/powerpoint/2010/main" val="3492289192"/>
               </p:ext>
             </p:extLst>
           </p:nvPr>
@@ -11581,7 +11625,7 @@
         <p:spPr/>
         <p:txBody>
           <a:bodyPr>
-            <a:normAutofit fontScale="92500" lnSpcReduction="10000"/>
+            <a:normAutofit/>
           </a:bodyPr>
           <a:lstStyle/>
           <a:p>
@@ -11628,16 +11672,12 @@
           </a:p>
           <a:p>
             <a:r>
-              <a:rPr lang="nb-NO" dirty="0"/>
-              <a:t>Lengre </a:t>
-            </a:r>
-            <a:r>
               <a:rPr lang="nb-NO" dirty="0" err="1"/>
-              <a:t>interrupt</a:t>
+              <a:t>Interruptfunksjon</a:t>
             </a:r>
             <a:r>
               <a:rPr lang="nb-NO" dirty="0"/>
-              <a:t> funksjon. Trigges med </a:t>
+              <a:t> trigges med </a:t>
             </a:r>
             <a:r>
               <a:rPr lang="nb-NO" dirty="0" err="1"/>
@@ -11659,29 +11699,15 @@
             </a:r>
             <a:r>
               <a:rPr lang="nb-NO" dirty="0"/>
-              <a:t>-funksjonen. Sjekker hvilken pin som er blitt lest av. Dersom det er temperatursensoren, går programmet videre. Dersom det er potensiometeret, stopper programmet.</a:t>
-            </a:r>
-          </a:p>
-          <a:p>
-            <a:r>
-              <a:rPr lang="nb-NO" dirty="0"/>
-              <a:t>Trigger ny ADC-konvertering etter </a:t>
+              <a:t>-funksjonen. Sjekker hvilken pin som er blitt lest av. </a:t>
             </a:r>
             <a:r>
               <a:rPr lang="nb-NO" dirty="0" err="1"/>
-              <a:t>switch</a:t>
+              <a:t>Toggler</a:t>
             </a:r>
             <a:r>
               <a:rPr lang="nb-NO" dirty="0"/>
-              <a:t>-casen. Dvs. programmet looper inne i </a:t>
-            </a:r>
-            <a:r>
-              <a:rPr lang="nb-NO" dirty="0" err="1"/>
-              <a:t>interrupt</a:t>
-            </a:r>
-            <a:r>
-              <a:rPr lang="nb-NO" dirty="0"/>
-              <a:t>-funksjonen, ikke inne i main-funksjonen.</a:t>
+              <a:t> inngangspinne før neste avlesning. </a:t>
             </a:r>
           </a:p>
         </p:txBody>

--- a/Presentasjon mikrokontrollere.pptx
+++ b/Presentasjon mikrokontrollere.pptx
@@ -113,6 +113,11 @@
       </a:defRPr>
     </a:lvl9pPr>
   </p:defaultTextStyle>
+  <p:extLst>
+    <p:ext uri="{EFAFB233-063F-42B5-8137-9DF3F51BA10A}">
+      <p15:sldGuideLst xmlns:p15="http://schemas.microsoft.com/office/powerpoint/2012/main"/>
+    </p:ext>
+  </p:extLst>
 </p:presentation>
 </file>
 
@@ -2249,10 +2254,10 @@
             </a:lnSpc>
           </a:pPr>
           <a:r>
-            <a:rPr lang="nb-NO"/>
-            <a:t>To sensorer: Potensiometer og temperatursensor</a:t>
+            <a:rPr lang="nb-NO" dirty="0"/>
+            <a:t>To sensorer: Potensiometer og temperatursensor, en motorvifte.</a:t>
           </a:r>
-          <a:endParaRPr lang="en-US"/>
+          <a:endParaRPr lang="en-US" dirty="0"/>
         </a:p>
       </dgm:t>
     </dgm:pt>
@@ -2333,10 +2338,26 @@
             </a:lnSpc>
           </a:pPr>
           <a:r>
-            <a:rPr lang="nb-NO"/>
-            <a:t>Konvertering av sensorverdi til temperatur.</a:t>
+            <a:rPr lang="nb-NO" dirty="0"/>
+            <a:t>Temperatur </a:t>
           </a:r>
-          <a:endParaRPr lang="en-US"/>
+          <a:r>
+            <a:rPr lang="nb-NO" dirty="0" err="1"/>
+            <a:t>printes</a:t>
+          </a:r>
+          <a:r>
+            <a:rPr lang="nb-NO" dirty="0"/>
+            <a:t> til </a:t>
+          </a:r>
+          <a:r>
+            <a:rPr lang="nb-NO" dirty="0" err="1"/>
+            <a:t>serial</a:t>
+          </a:r>
+          <a:r>
+            <a:rPr lang="nb-NO" dirty="0"/>
+            <a:t> monitor via USART.</a:t>
+          </a:r>
+          <a:endParaRPr lang="en-US" dirty="0"/>
         </a:p>
       </dgm:t>
     </dgm:pt>
@@ -2375,10 +2396,10 @@
             </a:lnSpc>
           </a:pPr>
           <a:r>
-            <a:rPr lang="nb-NO"/>
-            <a:t>Temperatur printes til serial monitor.</a:t>
+            <a:rPr lang="nb-NO" dirty="0"/>
+            <a:t>Dersom potensiometeret går over 30% av maksverdi skrus viftemotoren seg på.</a:t>
           </a:r>
-          <a:endParaRPr lang="en-US"/>
+          <a:endParaRPr lang="en-US" dirty="0"/>
         </a:p>
       </dgm:t>
     </dgm:pt>
@@ -2417,10 +2438,10 @@
             </a:lnSpc>
           </a:pPr>
           <a:r>
-            <a:rPr lang="nb-NO"/>
-            <a:t>Interrupt dersom potensiometeret trigges. </a:t>
+            <a:rPr lang="nb-NO" dirty="0"/>
+            <a:t>Timer som styrer PWM for å drive viftemotoren.</a:t>
           </a:r>
-          <a:endParaRPr lang="en-US"/>
+          <a:endParaRPr lang="en-US" dirty="0"/>
         </a:p>
       </dgm:t>
     </dgm:pt>
@@ -2446,6 +2467,47 @@
         </a:p>
       </dgm:t>
     </dgm:pt>
+    <dgm:pt modelId="{C8DDD2D6-5587-4F98-954B-5EC34EA049FD}">
+      <dgm:prSet/>
+      <dgm:spPr/>
+      <dgm:t>
+        <a:bodyPr/>
+        <a:lstStyle/>
+        <a:p>
+          <a:pPr>
+            <a:lnSpc>
+              <a:spcPct val="100000"/>
+            </a:lnSpc>
+          </a:pPr>
+          <a:r>
+            <a:rPr lang="nb-NO" dirty="0"/>
+            <a:t>Verdien på temperatursensoren styrer hastigheten på viften.</a:t>
+          </a:r>
+        </a:p>
+      </dgm:t>
+    </dgm:pt>
+    <dgm:pt modelId="{6416B632-1395-4BFA-8DB3-60A60158E5FF}" type="parTrans" cxnId="{F91A74AB-93A3-4838-A130-7C5D7B2003FE}">
+      <dgm:prSet/>
+      <dgm:spPr/>
+      <dgm:t>
+        <a:bodyPr/>
+        <a:lstStyle/>
+        <a:p>
+          <a:endParaRPr lang="nb-NO"/>
+        </a:p>
+      </dgm:t>
+    </dgm:pt>
+    <dgm:pt modelId="{F954E754-E8C6-424C-98E1-595BA3315317}" type="sibTrans" cxnId="{F91A74AB-93A3-4838-A130-7C5D7B2003FE}">
+      <dgm:prSet/>
+      <dgm:spPr/>
+      <dgm:t>
+        <a:bodyPr/>
+        <a:lstStyle/>
+        <a:p>
+          <a:endParaRPr lang="nb-NO"/>
+        </a:p>
+      </dgm:t>
+    </dgm:pt>
     <dgm:pt modelId="{1E4F4770-0214-4367-8076-1C8ECA3B779A}" type="pres">
       <dgm:prSet presAssocID="{6FBCB7C7-9D7A-4B91-9A47-08A16B31FA49}" presName="root" presStyleCnt="0">
         <dgm:presLayoutVars>
@@ -2460,7 +2522,7 @@
       <dgm:spPr/>
     </dgm:pt>
     <dgm:pt modelId="{63952E9F-6368-4E2F-8BF9-60484A08FCEB}" type="pres">
-      <dgm:prSet presAssocID="{116C2F98-BD9B-47FA-9BD4-9DB5809BCE51}" presName="iconRect" presStyleLbl="node1" presStyleIdx="0" presStyleCnt="5"/>
+      <dgm:prSet presAssocID="{116C2F98-BD9B-47FA-9BD4-9DB5809BCE51}" presName="iconRect" presStyleLbl="node1" presStyleIdx="0" presStyleCnt="6"/>
       <dgm:spPr>
         <a:blipFill>
           <a:blip xmlns:r="http://schemas.openxmlformats.org/officeDocument/2006/relationships" r:embed="rId1">
@@ -2490,7 +2552,7 @@
       <dgm:spPr/>
     </dgm:pt>
     <dgm:pt modelId="{F87ED836-AEC9-4765-829A-BC03827A84A9}" type="pres">
-      <dgm:prSet presAssocID="{116C2F98-BD9B-47FA-9BD4-9DB5809BCE51}" presName="textRect" presStyleLbl="revTx" presStyleIdx="0" presStyleCnt="5">
+      <dgm:prSet presAssocID="{116C2F98-BD9B-47FA-9BD4-9DB5809BCE51}" presName="textRect" presStyleLbl="revTx" presStyleIdx="0" presStyleCnt="6">
         <dgm:presLayoutVars>
           <dgm:chMax val="1"/>
           <dgm:chPref val="1"/>
@@ -2507,7 +2569,7 @@
       <dgm:spPr/>
     </dgm:pt>
     <dgm:pt modelId="{C69F332D-1B2D-4E9B-9B9B-BFCC8AD593BC}" type="pres">
-      <dgm:prSet presAssocID="{E49452C4-6CA5-472F-9564-D7953627AB41}" presName="iconRect" presStyleLbl="node1" presStyleIdx="1" presStyleCnt="5"/>
+      <dgm:prSet presAssocID="{E49452C4-6CA5-472F-9564-D7953627AB41}" presName="iconRect" presStyleLbl="node1" presStyleIdx="1" presStyleCnt="6"/>
       <dgm:spPr>
         <a:blipFill>
           <a:blip xmlns:r="http://schemas.openxmlformats.org/officeDocument/2006/relationships" r:embed="rId3">
@@ -2537,7 +2599,7 @@
       <dgm:spPr/>
     </dgm:pt>
     <dgm:pt modelId="{63683878-75BD-4171-B1EB-C8FBA85BABD5}" type="pres">
-      <dgm:prSet presAssocID="{E49452C4-6CA5-472F-9564-D7953627AB41}" presName="textRect" presStyleLbl="revTx" presStyleIdx="1" presStyleCnt="5">
+      <dgm:prSet presAssocID="{E49452C4-6CA5-472F-9564-D7953627AB41}" presName="textRect" presStyleLbl="revTx" presStyleIdx="1" presStyleCnt="6">
         <dgm:presLayoutVars>
           <dgm:chMax val="1"/>
           <dgm:chPref val="1"/>
@@ -2554,7 +2616,7 @@
       <dgm:spPr/>
     </dgm:pt>
     <dgm:pt modelId="{7E49A597-7207-4BE4-8C91-F258E308EB07}" type="pres">
-      <dgm:prSet presAssocID="{F690E143-9675-42F2-B6FA-8C587885BA24}" presName="iconRect" presStyleLbl="node1" presStyleIdx="2" presStyleCnt="5"/>
+      <dgm:prSet presAssocID="{F690E143-9675-42F2-B6FA-8C587885BA24}" presName="iconRect" presStyleLbl="node1" presStyleIdx="2" presStyleCnt="6"/>
       <dgm:spPr>
         <a:blipFill>
           <a:blip xmlns:r="http://schemas.openxmlformats.org/officeDocument/2006/relationships" r:embed="rId5">
@@ -2575,7 +2637,7 @@
       </dgm:spPr>
       <dgm:extLst>
         <a:ext uri="{E40237B7-FDA0-4F09-8148-C483321AD2D9}">
-          <dgm14:cNvPr xmlns:dgm14="http://schemas.microsoft.com/office/drawing/2010/diagram" id="0" name="" descr="Termometer med heldekkende fyll"/>
+          <dgm14:cNvPr xmlns:dgm14="http://schemas.microsoft.com/office/drawing/2010/diagram" id="0" name="" descr="TV med heldekkende fyll"/>
         </a:ext>
       </dgm:extLst>
     </dgm:pt>
@@ -2584,7 +2646,7 @@
       <dgm:spPr/>
     </dgm:pt>
     <dgm:pt modelId="{79A743F9-18DE-4882-8E4B-94B2C09036F6}" type="pres">
-      <dgm:prSet presAssocID="{F690E143-9675-42F2-B6FA-8C587885BA24}" presName="textRect" presStyleLbl="revTx" presStyleIdx="2" presStyleCnt="5">
+      <dgm:prSet presAssocID="{F690E143-9675-42F2-B6FA-8C587885BA24}" presName="textRect" presStyleLbl="revTx" presStyleIdx="2" presStyleCnt="6">
         <dgm:presLayoutVars>
           <dgm:chMax val="1"/>
           <dgm:chPref val="1"/>
@@ -2601,7 +2663,7 @@
       <dgm:spPr/>
     </dgm:pt>
     <dgm:pt modelId="{3117BE02-2BD2-4042-BEAE-061E518B5839}" type="pres">
-      <dgm:prSet presAssocID="{A5C0CD43-C3BB-4A83-8F96-ED64C3473ED9}" presName="iconRect" presStyleLbl="node1" presStyleIdx="3" presStyleCnt="5"/>
+      <dgm:prSet presAssocID="{A5C0CD43-C3BB-4A83-8F96-ED64C3473ED9}" presName="iconRect" presStyleLbl="node1" presStyleIdx="3" presStyleCnt="6"/>
       <dgm:spPr>
         <a:blipFill>
           <a:blip xmlns:r="http://schemas.openxmlformats.org/officeDocument/2006/relationships" r:embed="rId7">
@@ -2622,7 +2684,7 @@
       </dgm:spPr>
       <dgm:extLst>
         <a:ext uri="{E40237B7-FDA0-4F09-8148-C483321AD2D9}">
-          <dgm14:cNvPr xmlns:dgm14="http://schemas.microsoft.com/office/drawing/2010/diagram" id="0" name="" descr="TV med heldekkende fyll"/>
+          <dgm14:cNvPr xmlns:dgm14="http://schemas.microsoft.com/office/drawing/2010/diagram" id="0" name="" descr="Advarsel med heldekkende fyll"/>
         </a:ext>
       </dgm:extLst>
     </dgm:pt>
@@ -2631,7 +2693,7 @@
       <dgm:spPr/>
     </dgm:pt>
     <dgm:pt modelId="{E9C14CC2-B08C-444F-8F71-E10662452CDB}" type="pres">
-      <dgm:prSet presAssocID="{A5C0CD43-C3BB-4A83-8F96-ED64C3473ED9}" presName="textRect" presStyleLbl="revTx" presStyleIdx="3" presStyleCnt="5">
+      <dgm:prSet presAssocID="{A5C0CD43-C3BB-4A83-8F96-ED64C3473ED9}" presName="textRect" presStyleLbl="revTx" presStyleIdx="3" presStyleCnt="6">
         <dgm:presLayoutVars>
           <dgm:chMax val="1"/>
           <dgm:chPref val="1"/>
@@ -2648,7 +2710,7 @@
       <dgm:spPr/>
     </dgm:pt>
     <dgm:pt modelId="{272445EA-711A-4D70-9B65-2C07B6CF9747}" type="pres">
-      <dgm:prSet presAssocID="{908E52F1-287B-4FCE-9317-CA95DDC41FFC}" presName="iconRect" presStyleLbl="node1" presStyleIdx="4" presStyleCnt="5"/>
+      <dgm:prSet presAssocID="{908E52F1-287B-4FCE-9317-CA95DDC41FFC}" presName="iconRect" presStyleLbl="node1" presStyleIdx="4" presStyleCnt="6"/>
       <dgm:spPr>
         <a:blipFill>
           <a:blip xmlns:r="http://schemas.openxmlformats.org/officeDocument/2006/relationships" r:embed="rId9">
@@ -2669,7 +2731,7 @@
       </dgm:spPr>
       <dgm:extLst>
         <a:ext uri="{E40237B7-FDA0-4F09-8148-C483321AD2D9}">
-          <dgm14:cNvPr xmlns:dgm14="http://schemas.microsoft.com/office/drawing/2010/diagram" id="0" name="" descr="Advarsel med heldekkende fyll"/>
+          <dgm14:cNvPr xmlns:dgm14="http://schemas.microsoft.com/office/drawing/2010/diagram" id="0" name="" descr="Klokke med heldekkende fyll"/>
         </a:ext>
       </dgm:extLst>
     </dgm:pt>
@@ -2678,7 +2740,54 @@
       <dgm:spPr/>
     </dgm:pt>
     <dgm:pt modelId="{9F3280A7-FBF0-4AC2-BBE1-2200A34538E1}" type="pres">
-      <dgm:prSet presAssocID="{908E52F1-287B-4FCE-9317-CA95DDC41FFC}" presName="textRect" presStyleLbl="revTx" presStyleIdx="4" presStyleCnt="5">
+      <dgm:prSet presAssocID="{908E52F1-287B-4FCE-9317-CA95DDC41FFC}" presName="textRect" presStyleLbl="revTx" presStyleIdx="4" presStyleCnt="6">
+        <dgm:presLayoutVars>
+          <dgm:chMax val="1"/>
+          <dgm:chPref val="1"/>
+        </dgm:presLayoutVars>
+      </dgm:prSet>
+      <dgm:spPr/>
+    </dgm:pt>
+    <dgm:pt modelId="{D293C3B1-79DC-480B-B914-83CAC9926649}" type="pres">
+      <dgm:prSet presAssocID="{7BBF2BA6-EF92-4FC8-84D0-91FE84F1995B}" presName="sibTrans" presStyleCnt="0"/>
+      <dgm:spPr/>
+    </dgm:pt>
+    <dgm:pt modelId="{20783943-55C5-48B0-A91D-46660B5A663E}" type="pres">
+      <dgm:prSet presAssocID="{C8DDD2D6-5587-4F98-954B-5EC34EA049FD}" presName="compNode" presStyleCnt="0"/>
+      <dgm:spPr/>
+    </dgm:pt>
+    <dgm:pt modelId="{4CBA5E0C-E557-43E5-B4E0-6FB6C437D624}" type="pres">
+      <dgm:prSet presAssocID="{C8DDD2D6-5587-4F98-954B-5EC34EA049FD}" presName="iconRect" presStyleLbl="node1" presStyleIdx="5" presStyleCnt="6"/>
+      <dgm:spPr>
+        <a:blipFill>
+          <a:blip xmlns:r="http://schemas.openxmlformats.org/officeDocument/2006/relationships" r:embed="rId11">
+            <a:extLst>
+              <a:ext uri="{28A0092B-C50C-407E-A947-70E740481C1C}">
+                <a14:useLocalDpi xmlns:a14="http://schemas.microsoft.com/office/drawing/2010/main" val="0"/>
+              </a:ext>
+              <a:ext uri="{96DAC541-7B7A-43D3-8B79-37D633B846F1}">
+                <asvg:svgBlip xmlns:asvg="http://schemas.microsoft.com/office/drawing/2016/SVG/main" r:embed="rId12"/>
+              </a:ext>
+            </a:extLst>
+          </a:blip>
+          <a:srcRect/>
+          <a:stretch>
+            <a:fillRect/>
+          </a:stretch>
+        </a:blipFill>
+      </dgm:spPr>
+      <dgm:extLst>
+        <a:ext uri="{E40237B7-FDA0-4F09-8148-C483321AD2D9}">
+          <dgm14:cNvPr xmlns:dgm14="http://schemas.microsoft.com/office/drawing/2010/diagram" id="0" name="" descr="Termometer med heldekkende fyll"/>
+        </a:ext>
+      </dgm:extLst>
+    </dgm:pt>
+    <dgm:pt modelId="{51749618-3ADA-4B2B-9D0B-724FE8282097}" type="pres">
+      <dgm:prSet presAssocID="{C8DDD2D6-5587-4F98-954B-5EC34EA049FD}" presName="spaceRect" presStyleCnt="0"/>
+      <dgm:spPr/>
+    </dgm:pt>
+    <dgm:pt modelId="{C3EF24FE-59D1-42CA-B0BC-B80C601BB47D}" type="pres">
+      <dgm:prSet presAssocID="{C8DDD2D6-5587-4F98-954B-5EC34EA049FD}" presName="textRect" presStyleLbl="revTx" presStyleIdx="5" presStyleCnt="6">
         <dgm:presLayoutVars>
           <dgm:chMax val="1"/>
           <dgm:chPref val="1"/>
@@ -2695,7 +2804,9 @@
     <dgm:cxn modelId="{A2698349-E36F-4F45-A60C-ED60A322E7B1}" srcId="{6FBCB7C7-9D7A-4B91-9A47-08A16B31FA49}" destId="{A5C0CD43-C3BB-4A83-8F96-ED64C3473ED9}" srcOrd="3" destOrd="0" parTransId="{236A9BAE-5E0F-41E0-86CD-950B496B4F92}" sibTransId="{5181878A-5C23-4BF3-8236-489733362826}"/>
     <dgm:cxn modelId="{ECC3DB95-BBFA-4449-98F1-9F20D077C3D3}" type="presOf" srcId="{6FBCB7C7-9D7A-4B91-9A47-08A16B31FA49}" destId="{1E4F4770-0214-4367-8076-1C8ECA3B779A}" srcOrd="0" destOrd="0" presId="urn:microsoft.com/office/officeart/2018/2/layout/IconLabelList"/>
     <dgm:cxn modelId="{9A0B24A8-7068-4E0A-AAFE-AADF39BD3260}" type="presOf" srcId="{E49452C4-6CA5-472F-9564-D7953627AB41}" destId="{63683878-75BD-4171-B1EB-C8FBA85BABD5}" srcOrd="0" destOrd="0" presId="urn:microsoft.com/office/officeart/2018/2/layout/IconLabelList"/>
+    <dgm:cxn modelId="{F91A74AB-93A3-4838-A130-7C5D7B2003FE}" srcId="{6FBCB7C7-9D7A-4B91-9A47-08A16B31FA49}" destId="{C8DDD2D6-5587-4F98-954B-5EC34EA049FD}" srcOrd="5" destOrd="0" parTransId="{6416B632-1395-4BFA-8DB3-60A60158E5FF}" sibTransId="{F954E754-E8C6-424C-98E1-595BA3315317}"/>
     <dgm:cxn modelId="{4683ECB3-F5C0-4EA5-AC33-159DDB799903}" type="presOf" srcId="{116C2F98-BD9B-47FA-9BD4-9DB5809BCE51}" destId="{F87ED836-AEC9-4765-829A-BC03827A84A9}" srcOrd="0" destOrd="0" presId="urn:microsoft.com/office/officeart/2018/2/layout/IconLabelList"/>
+    <dgm:cxn modelId="{66A7B6B7-EC2F-4413-B4DE-D20F433C5719}" type="presOf" srcId="{C8DDD2D6-5587-4F98-954B-5EC34EA049FD}" destId="{C3EF24FE-59D1-42CA-B0BC-B80C601BB47D}" srcOrd="0" destOrd="0" presId="urn:microsoft.com/office/officeart/2018/2/layout/IconLabelList"/>
     <dgm:cxn modelId="{D2DF30D7-259C-4633-AB54-51A74F37DEC3}" type="presOf" srcId="{F690E143-9675-42F2-B6FA-8C587885BA24}" destId="{79A743F9-18DE-4882-8E4B-94B2C09036F6}" srcOrd="0" destOrd="0" presId="urn:microsoft.com/office/officeart/2018/2/layout/IconLabelList"/>
     <dgm:cxn modelId="{376806E0-FD41-4743-A8EE-5669046EE9EF}" srcId="{6FBCB7C7-9D7A-4B91-9A47-08A16B31FA49}" destId="{908E52F1-287B-4FCE-9317-CA95DDC41FFC}" srcOrd="4" destOrd="0" parTransId="{1D645EFD-50AD-408F-AADB-B38ECA82A646}" sibTransId="{7BBF2BA6-EF92-4FC8-84D0-91FE84F1995B}"/>
     <dgm:cxn modelId="{E62FB2FB-82C9-4440-9FB8-392B21423B05}" type="presOf" srcId="{908E52F1-287B-4FCE-9317-CA95DDC41FFC}" destId="{9F3280A7-FBF0-4AC2-BBE1-2200A34538E1}" srcOrd="0" destOrd="0" presId="urn:microsoft.com/office/officeart/2018/2/layout/IconLabelList"/>
@@ -2723,6 +2834,11 @@
     <dgm:cxn modelId="{D0C6FB94-12BB-4B94-8236-2F2507A4FAF9}" type="presParOf" srcId="{5C37F6F0-F9A5-4590-BDFB-A167A314929E}" destId="{272445EA-711A-4D70-9B65-2C07B6CF9747}" srcOrd="0" destOrd="0" presId="urn:microsoft.com/office/officeart/2018/2/layout/IconLabelList"/>
     <dgm:cxn modelId="{698FB393-A922-4D12-8147-1C118BFB0417}" type="presParOf" srcId="{5C37F6F0-F9A5-4590-BDFB-A167A314929E}" destId="{113B861E-3511-4375-BB30-47F6B5E93132}" srcOrd="1" destOrd="0" presId="urn:microsoft.com/office/officeart/2018/2/layout/IconLabelList"/>
     <dgm:cxn modelId="{3B43AF93-5CA2-4E08-B945-31025CC5E8DE}" type="presParOf" srcId="{5C37F6F0-F9A5-4590-BDFB-A167A314929E}" destId="{9F3280A7-FBF0-4AC2-BBE1-2200A34538E1}" srcOrd="2" destOrd="0" presId="urn:microsoft.com/office/officeart/2018/2/layout/IconLabelList"/>
+    <dgm:cxn modelId="{AED9F8F3-7E2A-4B50-BBAD-02800607D72B}" type="presParOf" srcId="{1E4F4770-0214-4367-8076-1C8ECA3B779A}" destId="{D293C3B1-79DC-480B-B914-83CAC9926649}" srcOrd="9" destOrd="0" presId="urn:microsoft.com/office/officeart/2018/2/layout/IconLabelList"/>
+    <dgm:cxn modelId="{90FA25BB-1ED2-471F-B32D-1B2D5EAA3A78}" type="presParOf" srcId="{1E4F4770-0214-4367-8076-1C8ECA3B779A}" destId="{20783943-55C5-48B0-A91D-46660B5A663E}" srcOrd="10" destOrd="0" presId="urn:microsoft.com/office/officeart/2018/2/layout/IconLabelList"/>
+    <dgm:cxn modelId="{CCC5783C-DF71-4B03-913F-5267DC954BF4}" type="presParOf" srcId="{20783943-55C5-48B0-A91D-46660B5A663E}" destId="{4CBA5E0C-E557-43E5-B4E0-6FB6C437D624}" srcOrd="0" destOrd="0" presId="urn:microsoft.com/office/officeart/2018/2/layout/IconLabelList"/>
+    <dgm:cxn modelId="{774C8880-CF71-49C6-8143-1974A0D82CBF}" type="presParOf" srcId="{20783943-55C5-48B0-A91D-46660B5A663E}" destId="{51749618-3ADA-4B2B-9D0B-724FE8282097}" srcOrd="1" destOrd="0" presId="urn:microsoft.com/office/officeart/2018/2/layout/IconLabelList"/>
+    <dgm:cxn modelId="{6D5B404A-5227-45E4-8033-D833A31E339F}" type="presParOf" srcId="{20783943-55C5-48B0-A91D-46660B5A663E}" destId="{C3EF24FE-59D1-42CA-B0BC-B80C601BB47D}" srcOrd="2" destOrd="0" presId="urn:microsoft.com/office/officeart/2018/2/layout/IconLabelList"/>
   </dgm:cxnLst>
   <dgm:bg/>
   <dgm:whole/>
@@ -3489,7 +3605,7 @@
         </a:bodyPr>
         <a:lstStyle/>
         <a:p>
-          <a:pPr marL="0" lvl="0" indent="0" algn="ctr" defTabSz="622300">
+          <a:pPr marL="0" lvl="0" indent="0" algn="ctr" defTabSz="577850">
             <a:lnSpc>
               <a:spcPct val="100000"/>
             </a:lnSpc>
@@ -3502,10 +3618,10 @@
             <a:buNone/>
           </a:pPr>
           <a:r>
-            <a:rPr lang="nb-NO" sz="1400" kern="1200"/>
-            <a:t>To sensorer: Potensiometer og temperatursensor</a:t>
+            <a:rPr lang="nb-NO" sz="1300" kern="1200" dirty="0"/>
+            <a:t>To sensorer: Potensiometer og temperatursensor, en motorvifte.</a:t>
           </a:r>
-          <a:endParaRPr lang="en-US" sz="1400" kern="1200"/>
+          <a:endParaRPr lang="en-US" sz="1300" kern="1200" dirty="0"/>
         </a:p>
       </dsp:txBody>
       <dsp:txXfrm>
@@ -3608,7 +3724,7 @@
         </a:bodyPr>
         <a:lstStyle/>
         <a:p>
-          <a:pPr marL="0" lvl="0" indent="0" algn="ctr" defTabSz="622300">
+          <a:pPr marL="0" lvl="0" indent="0" algn="ctr" defTabSz="577850">
             <a:lnSpc>
               <a:spcPct val="100000"/>
             </a:lnSpc>
@@ -3621,10 +3737,10 @@
             <a:buNone/>
           </a:pPr>
           <a:r>
-            <a:rPr lang="nb-NO" sz="1400" kern="1200"/>
+            <a:rPr lang="nb-NO" sz="1300" kern="1200"/>
             <a:t>ADC for måling av sensorverdier.</a:t>
           </a:r>
-          <a:endParaRPr lang="en-US" sz="1400" kern="1200"/>
+          <a:endParaRPr lang="en-US" sz="1300" kern="1200"/>
         </a:p>
       </dsp:txBody>
       <dsp:txXfrm>
@@ -3727,7 +3843,7 @@
         </a:bodyPr>
         <a:lstStyle/>
         <a:p>
-          <a:pPr marL="0" lvl="0" indent="0" algn="ctr" defTabSz="622300">
+          <a:pPr marL="0" lvl="0" indent="0" algn="ctr" defTabSz="577850">
             <a:lnSpc>
               <a:spcPct val="100000"/>
             </a:lnSpc>
@@ -3740,10 +3856,26 @@
             <a:buNone/>
           </a:pPr>
           <a:r>
-            <a:rPr lang="nb-NO" sz="1400" kern="1200"/>
-            <a:t>Konvertering av sensorverdi til temperatur.</a:t>
+            <a:rPr lang="nb-NO" sz="1300" kern="1200" dirty="0"/>
+            <a:t>Temperatur </a:t>
           </a:r>
-          <a:endParaRPr lang="en-US" sz="1400" kern="1200"/>
+          <a:r>
+            <a:rPr lang="nb-NO" sz="1300" kern="1200" dirty="0" err="1"/>
+            <a:t>printes</a:t>
+          </a:r>
+          <a:r>
+            <a:rPr lang="nb-NO" sz="1300" kern="1200" dirty="0"/>
+            <a:t> til </a:t>
+          </a:r>
+          <a:r>
+            <a:rPr lang="nb-NO" sz="1300" kern="1200" dirty="0" err="1"/>
+            <a:t>serial</a:t>
+          </a:r>
+          <a:r>
+            <a:rPr lang="nb-NO" sz="1300" kern="1200" dirty="0"/>
+            <a:t> monitor via USART.</a:t>
+          </a:r>
+          <a:endParaRPr lang="en-US" sz="1300" kern="1200" dirty="0"/>
         </a:p>
       </dsp:txBody>
       <dsp:txXfrm>
@@ -3758,7 +3890,7 @@
       </dsp:nvSpPr>
       <dsp:spPr>
         <a:xfrm>
-          <a:off x="1463322" y="3097776"/>
+          <a:off x="466752" y="3097776"/>
           <a:ext cx="763330" cy="763330"/>
         </a:xfrm>
         <a:prstGeom prst="rect">
@@ -3816,7 +3948,7 @@
       </dsp:nvSpPr>
       <dsp:spPr>
         <a:xfrm>
-          <a:off x="996842" y="4159174"/>
+          <a:off x="272" y="4159174"/>
           <a:ext cx="1696289" cy="678515"/>
         </a:xfrm>
         <a:prstGeom prst="rect">
@@ -3846,7 +3978,7 @@
         </a:bodyPr>
         <a:lstStyle/>
         <a:p>
-          <a:pPr marL="0" lvl="0" indent="0" algn="ctr" defTabSz="622300">
+          <a:pPr marL="0" lvl="0" indent="0" algn="ctr" defTabSz="577850">
             <a:lnSpc>
               <a:spcPct val="100000"/>
             </a:lnSpc>
@@ -3859,14 +3991,14 @@
             <a:buNone/>
           </a:pPr>
           <a:r>
-            <a:rPr lang="nb-NO" sz="1400" kern="1200"/>
-            <a:t>Temperatur printes til serial monitor.</a:t>
+            <a:rPr lang="nb-NO" sz="1300" kern="1200" dirty="0"/>
+            <a:t>Dersom potensiometeret går over 30% av maksverdi skrus viftemotoren seg på.</a:t>
           </a:r>
-          <a:endParaRPr lang="en-US" sz="1400" kern="1200"/>
+          <a:endParaRPr lang="en-US" sz="1300" kern="1200" dirty="0"/>
         </a:p>
       </dsp:txBody>
       <dsp:txXfrm>
-        <a:off x="996842" y="4159174"/>
+        <a:off x="272" y="4159174"/>
         <a:ext cx="1696289" cy="678515"/>
       </dsp:txXfrm>
     </dsp:sp>
@@ -3877,7 +4009,7 @@
       </dsp:nvSpPr>
       <dsp:spPr>
         <a:xfrm>
-          <a:off x="3456461" y="3097776"/>
+          <a:off x="2459891" y="3097776"/>
           <a:ext cx="763330" cy="763330"/>
         </a:xfrm>
         <a:prstGeom prst="rect">
@@ -3935,7 +4067,7 @@
       </dsp:nvSpPr>
       <dsp:spPr>
         <a:xfrm>
-          <a:off x="2989982" y="4159174"/>
+          <a:off x="1993412" y="4159174"/>
           <a:ext cx="1696289" cy="678515"/>
         </a:xfrm>
         <a:prstGeom prst="rect">
@@ -3965,7 +4097,7 @@
         </a:bodyPr>
         <a:lstStyle/>
         <a:p>
-          <a:pPr marL="0" lvl="0" indent="0" algn="ctr" defTabSz="622300">
+          <a:pPr marL="0" lvl="0" indent="0" algn="ctr" defTabSz="577850">
             <a:lnSpc>
               <a:spcPct val="100000"/>
             </a:lnSpc>
@@ -3978,14 +4110,132 @@
             <a:buNone/>
           </a:pPr>
           <a:r>
-            <a:rPr lang="nb-NO" sz="1400" kern="1200"/>
-            <a:t>Interrupt dersom potensiometeret trigges. </a:t>
+            <a:rPr lang="nb-NO" sz="1300" kern="1200" dirty="0"/>
+            <a:t>Timer som styrer PWM for å drive viftemotoren.</a:t>
           </a:r>
-          <a:endParaRPr lang="en-US" sz="1400" kern="1200"/>
+          <a:endParaRPr lang="en-US" sz="1300" kern="1200" dirty="0"/>
         </a:p>
       </dsp:txBody>
       <dsp:txXfrm>
-        <a:off x="2989982" y="4159174"/>
+        <a:off x="1993412" y="4159174"/>
+        <a:ext cx="1696289" cy="678515"/>
+      </dsp:txXfrm>
+    </dsp:sp>
+    <dsp:sp modelId="{4CBA5E0C-E557-43E5-B4E0-6FB6C437D624}">
+      <dsp:nvSpPr>
+        <dsp:cNvPr id="0" name=""/>
+        <dsp:cNvSpPr/>
+      </dsp:nvSpPr>
+      <dsp:spPr>
+        <a:xfrm>
+          <a:off x="4453031" y="3097776"/>
+          <a:ext cx="763330" cy="763330"/>
+        </a:xfrm>
+        <a:prstGeom prst="rect">
+          <a:avLst/>
+        </a:prstGeom>
+        <a:blipFill>
+          <a:blip xmlns:r="http://schemas.openxmlformats.org/officeDocument/2006/relationships" r:embed="rId11">
+            <a:extLst>
+              <a:ext uri="{28A0092B-C50C-407E-A947-70E740481C1C}">
+                <a14:useLocalDpi xmlns:a14="http://schemas.microsoft.com/office/drawing/2010/main" val="0"/>
+              </a:ext>
+              <a:ext uri="{96DAC541-7B7A-43D3-8B79-37D633B846F1}">
+                <asvg:svgBlip xmlns:asvg="http://schemas.microsoft.com/office/drawing/2016/SVG/main" r:embed="rId12"/>
+              </a:ext>
+            </a:extLst>
+          </a:blip>
+          <a:srcRect/>
+          <a:stretch>
+            <a:fillRect/>
+          </a:stretch>
+        </a:blipFill>
+        <a:ln w="12700" cap="flat" cmpd="sng" algn="ctr">
+          <a:solidFill>
+            <a:schemeClr val="lt1">
+              <a:hueOff val="0"/>
+              <a:satOff val="0"/>
+              <a:lumOff val="0"/>
+              <a:alphaOff val="0"/>
+            </a:schemeClr>
+          </a:solidFill>
+          <a:prstDash val="solid"/>
+          <a:miter lim="800000"/>
+        </a:ln>
+        <a:effectLst/>
+      </dsp:spPr>
+      <dsp:style>
+        <a:lnRef idx="2">
+          <a:scrgbClr r="0" g="0" b="0"/>
+        </a:lnRef>
+        <a:fillRef idx="1">
+          <a:scrgbClr r="0" g="0" b="0"/>
+        </a:fillRef>
+        <a:effectRef idx="0">
+          <a:scrgbClr r="0" g="0" b="0"/>
+        </a:effectRef>
+        <a:fontRef idx="minor">
+          <a:schemeClr val="lt1"/>
+        </a:fontRef>
+      </dsp:style>
+    </dsp:sp>
+    <dsp:sp modelId="{C3EF24FE-59D1-42CA-B0BC-B80C601BB47D}">
+      <dsp:nvSpPr>
+        <dsp:cNvPr id="0" name=""/>
+        <dsp:cNvSpPr/>
+      </dsp:nvSpPr>
+      <dsp:spPr>
+        <a:xfrm>
+          <a:off x="3986552" y="4159174"/>
+          <a:ext cx="1696289" cy="678515"/>
+        </a:xfrm>
+        <a:prstGeom prst="rect">
+          <a:avLst/>
+        </a:prstGeom>
+        <a:noFill/>
+        <a:ln>
+          <a:noFill/>
+        </a:ln>
+        <a:effectLst/>
+      </dsp:spPr>
+      <dsp:style>
+        <a:lnRef idx="0">
+          <a:scrgbClr r="0" g="0" b="0"/>
+        </a:lnRef>
+        <a:fillRef idx="0">
+          <a:scrgbClr r="0" g="0" b="0"/>
+        </a:fillRef>
+        <a:effectRef idx="0">
+          <a:scrgbClr r="0" g="0" b="0"/>
+        </a:effectRef>
+        <a:fontRef idx="minor"/>
+      </dsp:style>
+      <dsp:txBody>
+        <a:bodyPr spcFirstLastPara="0" vert="horz" wrap="square" lIns="0" tIns="0" rIns="0" bIns="0" numCol="1" spcCol="1270" anchor="t" anchorCtr="0">
+          <a:noAutofit/>
+        </a:bodyPr>
+        <a:lstStyle/>
+        <a:p>
+          <a:pPr marL="0" lvl="0" indent="0" algn="ctr" defTabSz="577850">
+            <a:lnSpc>
+              <a:spcPct val="100000"/>
+            </a:lnSpc>
+            <a:spcBef>
+              <a:spcPct val="0"/>
+            </a:spcBef>
+            <a:spcAft>
+              <a:spcPct val="35000"/>
+            </a:spcAft>
+            <a:buNone/>
+          </a:pPr>
+          <a:r>
+            <a:rPr lang="nb-NO" sz="1300" kern="1200" dirty="0"/>
+            <a:t>Verdien på temperatursensoren styrer hastigheten på viften.</a:t>
+          </a:r>
+        </a:p>
+      </dsp:txBody>
+      <dsp:txXfrm>
+        <a:off x="3986552" y="4159174"/>
         <a:ext cx="1696289" cy="678515"/>
       </dsp:txXfrm>
     </dsp:sp>
@@ -6630,7 +6880,7 @@
           <a:p>
             <a:fld id="{11EAACC7-3B3F-47D1-959A-EF58926E955E}" type="datetimeFigureOut">
               <a:rPr lang="en-US" smtClean="0"/>
-              <a:t>4/26/2021</a:t>
+              <a:t>5/3/2021</a:t>
             </a:fld>
             <a:endParaRPr lang="en-US"/>
           </a:p>
@@ -6828,7 +7078,7 @@
           <a:p>
             <a:fld id="{11EAACC7-3B3F-47D1-959A-EF58926E955E}" type="datetimeFigureOut">
               <a:rPr lang="en-US" smtClean="0"/>
-              <a:t>4/26/2021</a:t>
+              <a:t>5/3/2021</a:t>
             </a:fld>
             <a:endParaRPr lang="en-US"/>
           </a:p>
@@ -7036,7 +7286,7 @@
           <a:p>
             <a:fld id="{11EAACC7-3B3F-47D1-959A-EF58926E955E}" type="datetimeFigureOut">
               <a:rPr lang="en-US" smtClean="0"/>
-              <a:t>4/26/2021</a:t>
+              <a:t>5/3/2021</a:t>
             </a:fld>
             <a:endParaRPr lang="en-US"/>
           </a:p>
@@ -7265,7 +7515,7 @@
           <a:p>
             <a:fld id="{11EAACC7-3B3F-47D1-959A-EF58926E955E}" type="datetimeFigureOut">
               <a:rPr lang="en-US" smtClean="0"/>
-              <a:t>4/26/2021</a:t>
+              <a:t>5/3/2021</a:t>
             </a:fld>
             <a:endParaRPr lang="en-US" dirty="0"/>
           </a:p>
@@ -7540,7 +7790,7 @@
           <a:p>
             <a:fld id="{11EAACC7-3B3F-47D1-959A-EF58926E955E}" type="datetimeFigureOut">
               <a:rPr lang="en-US" smtClean="0"/>
-              <a:t>4/26/2021</a:t>
+              <a:t>5/3/2021</a:t>
             </a:fld>
             <a:endParaRPr lang="en-US"/>
           </a:p>
@@ -7806,7 +8056,7 @@
           <a:p>
             <a:fld id="{11EAACC7-3B3F-47D1-959A-EF58926E955E}" type="datetimeFigureOut">
               <a:rPr lang="en-US" smtClean="0"/>
-              <a:t>4/26/2021</a:t>
+              <a:t>5/3/2021</a:t>
             </a:fld>
             <a:endParaRPr lang="en-US"/>
           </a:p>
@@ -8223,7 +8473,7 @@
           <a:p>
             <a:fld id="{11EAACC7-3B3F-47D1-959A-EF58926E955E}" type="datetimeFigureOut">
               <a:rPr lang="en-US" smtClean="0"/>
-              <a:t>4/26/2021</a:t>
+              <a:t>5/3/2021</a:t>
             </a:fld>
             <a:endParaRPr lang="en-US"/>
           </a:p>
@@ -8364,7 +8614,7 @@
           <a:p>
             <a:fld id="{11EAACC7-3B3F-47D1-959A-EF58926E955E}" type="datetimeFigureOut">
               <a:rPr lang="en-US" smtClean="0"/>
-              <a:t>4/26/2021</a:t>
+              <a:t>5/3/2021</a:t>
             </a:fld>
             <a:endParaRPr lang="en-US"/>
           </a:p>
@@ -8477,7 +8727,7 @@
           <a:p>
             <a:fld id="{11EAACC7-3B3F-47D1-959A-EF58926E955E}" type="datetimeFigureOut">
               <a:rPr lang="en-US" smtClean="0"/>
-              <a:t>4/26/2021</a:t>
+              <a:t>5/3/2021</a:t>
             </a:fld>
             <a:endParaRPr lang="en-US"/>
           </a:p>
@@ -8788,7 +9038,7 @@
           <a:p>
             <a:fld id="{11EAACC7-3B3F-47D1-959A-EF58926E955E}" type="datetimeFigureOut">
               <a:rPr lang="en-US" smtClean="0"/>
-              <a:t>4/26/2021</a:t>
+              <a:t>5/3/2021</a:t>
             </a:fld>
             <a:endParaRPr lang="en-US"/>
           </a:p>
@@ -9079,7 +9329,7 @@
           <a:p>
             <a:fld id="{11EAACC7-3B3F-47D1-959A-EF58926E955E}" type="datetimeFigureOut">
               <a:rPr lang="en-US" smtClean="0"/>
-              <a:t>4/26/2021</a:t>
+              <a:t>5/3/2021</a:t>
             </a:fld>
             <a:endParaRPr lang="en-US"/>
           </a:p>
@@ -9636,7 +9886,7 @@
           <a:p>
             <a:fld id="{11EAACC7-3B3F-47D1-959A-EF58926E955E}" type="datetimeFigureOut">
               <a:rPr lang="en-US" smtClean="0"/>
-              <a:t>4/26/2021</a:t>
+              <a:t>5/3/2021</a:t>
             </a:fld>
             <a:endParaRPr lang="en-US"/>
           </a:p>
@@ -10652,7 +10902,10 @@
           <a:bodyPr/>
           <a:lstStyle/>
           <a:p>
-            <a:endParaRPr lang="nb-NO" dirty="0"/>
+            <a:r>
+              <a:rPr lang="nb-NO" dirty="0"/>
+              <a:t>Dette er et avkjølingsprogram. Programmet overvåker både temperatur, og mekanisk endring som resultat av økt temperatur. Dette fungerer som en ekstra sikkerhetsfunksjon dersom temperatursensoren er for dårlig eller blir ødelagt. </a:t>
+            </a:r>
           </a:p>
         </p:txBody>
       </p:sp>
@@ -11398,7 +11651,7 @@
         <p:spPr>
           <a:xfrm>
             <a:off x="664431" y="1102360"/>
-            <a:ext cx="3812717" cy="4724400"/>
+            <a:ext cx="3640441" cy="4724400"/>
           </a:xfrm>
         </p:spPr>
         <p:txBody>
@@ -11409,7 +11662,11 @@
           <a:p>
             <a:r>
               <a:rPr lang="nb-NO" dirty="0"/>
-              <a:t>Generelt oppsett</a:t>
+              <a:t>Generelt oppsett: </a:t>
+            </a:r>
+            <a:r>
+              <a:rPr lang="nb-NO" sz="2800" dirty="0"/>
+              <a:t>kjøleprogram</a:t>
             </a:r>
           </a:p>
         </p:txBody>
@@ -11484,7 +11741,7 @@
             <p:ph idx="1"/>
             <p:extLst>
               <p:ext uri="{D42A27DB-BD31-4B8C-83A1-F6EECF244321}">
-                <p14:modId xmlns:p14="http://schemas.microsoft.com/office/powerpoint/2010/main" val="2374616203"/>
+                <p14:modId xmlns:p14="http://schemas.microsoft.com/office/powerpoint/2010/main" val="2189908832"/>
               </p:ext>
             </p:extLst>
           </p:nvPr>
@@ -11581,7 +11838,7 @@
         <p:spPr/>
         <p:txBody>
           <a:bodyPr>
-            <a:normAutofit fontScale="92500" lnSpcReduction="10000"/>
+            <a:normAutofit/>
           </a:bodyPr>
           <a:lstStyle/>
           <a:p>
@@ -11628,16 +11885,12 @@
           </a:p>
           <a:p>
             <a:r>
-              <a:rPr lang="nb-NO" dirty="0"/>
-              <a:t>Lengre </a:t>
-            </a:r>
-            <a:r>
               <a:rPr lang="nb-NO" dirty="0" err="1"/>
-              <a:t>interrupt</a:t>
+              <a:t>Interruptfunksjon</a:t>
             </a:r>
             <a:r>
               <a:rPr lang="nb-NO" dirty="0"/>
-              <a:t> funksjon. Trigges med </a:t>
+              <a:t> trigges med </a:t>
             </a:r>
             <a:r>
               <a:rPr lang="nb-NO" dirty="0" err="1"/>
@@ -11659,29 +11912,15 @@
             </a:r>
             <a:r>
               <a:rPr lang="nb-NO" dirty="0"/>
-              <a:t>-funksjonen. Sjekker hvilken pin som er blitt lest av. Dersom det er temperatursensoren, går programmet videre. Dersom det er potensiometeret, stopper programmet.</a:t>
-            </a:r>
-          </a:p>
-          <a:p>
-            <a:r>
-              <a:rPr lang="nb-NO" dirty="0"/>
-              <a:t>Trigger ny ADC-konvertering etter </a:t>
+              <a:t>-funksjonen. Sjekker hvilken pin som er blitt lest av. </a:t>
             </a:r>
             <a:r>
               <a:rPr lang="nb-NO" dirty="0" err="1"/>
-              <a:t>switch</a:t>
+              <a:t>Toggler</a:t>
             </a:r>
             <a:r>
               <a:rPr lang="nb-NO" dirty="0"/>
-              <a:t>-casen. Dvs. programmet looper inne i </a:t>
-            </a:r>
-            <a:r>
-              <a:rPr lang="nb-NO" dirty="0" err="1"/>
-              <a:t>interrupt</a:t>
-            </a:r>
-            <a:r>
-              <a:rPr lang="nb-NO" dirty="0"/>
-              <a:t>-funksjonen, ikke inne i main-funksjonen.</a:t>
+              <a:t> inngangspinne før neste avlesning. </a:t>
             </a:r>
           </a:p>
         </p:txBody>

--- a/Presentasjon mikrokontrollere.pptx
+++ b/Presentasjon mikrokontrollere.pptx
@@ -133,6 +133,445 @@
 </p:cmAuthorLst>
 </file>
 
+<file path=ppt/revisionInfo.xml><?xml version="1.0" encoding="utf-8"?>
+<p1510:revInfo xmlns:a="http://schemas.openxmlformats.org/drawingml/2006/main" xmlns:r="http://schemas.openxmlformats.org/officeDocument/2006/relationships" xmlns:p1510="http://schemas.microsoft.com/office/powerpoint/2015/10/main">
+  <p1510:revLst>
+    <p1510:client id="{A6A3D343-4156-ED3F-9EDF-836CEC9D97A5}" v="413" dt="2021-05-04T11:21:55.700"/>
+    <p1510:client id="{EFB90E76-E090-F73D-349F-DA9053CD6857}" v="1757" dt="2021-05-04T11:25:26.312"/>
+    <p1510:client id="{F60C6535-0B72-434D-BD9E-3A1125392E13}" v="864" dt="2021-05-04T11:36:56.118"/>
+  </p1510:revLst>
+</p1510:revInfo>
+</file>
+
+<file path=ppt/changesInfos/changesInfo1.xml><?xml version="1.0" encoding="utf-8"?>
+<pc:chgInfo xmlns:a="http://schemas.openxmlformats.org/drawingml/2006/main" xmlns:r="http://schemas.openxmlformats.org/officeDocument/2006/relationships" xmlns:ac="http://schemas.microsoft.com/office/drawing/2013/main/command" xmlns:pc="http://schemas.microsoft.com/office/powerpoint/2013/main/command">
+  <pc:docChgLst>
+    <pc:chgData name="Guest User" userId="S::urn:spo:anon#7c8e4cf8e93fe43d3307c0dc61dfe8ac4d617c24fabc9891901cc96888555fa6::" providerId="AD" clId="Web-{EFB90E76-E090-F73D-349F-DA9053CD6857}"/>
+    <pc:docChg chg="modSld">
+      <pc:chgData name="Guest User" userId="S::urn:spo:anon#7c8e4cf8e93fe43d3307c0dc61dfe8ac4d617c24fabc9891901cc96888555fa6::" providerId="AD" clId="Web-{EFB90E76-E090-F73D-349F-DA9053CD6857}" dt="2021-05-04T11:38:52.018" v="851"/>
+      <pc:docMkLst>
+        <pc:docMk/>
+      </pc:docMkLst>
+      <pc:sldChg chg="modSp">
+        <pc:chgData name="Guest User" userId="S::urn:spo:anon#7c8e4cf8e93fe43d3307c0dc61dfe8ac4d617c24fabc9891901cc96888555fa6::" providerId="AD" clId="Web-{EFB90E76-E090-F73D-349F-DA9053CD6857}" dt="2021-05-04T11:10:25.634" v="665" actId="20577"/>
+        <pc:sldMkLst>
+          <pc:docMk/>
+          <pc:sldMk cId="3294013524" sldId="256"/>
+        </pc:sldMkLst>
+        <pc:spChg chg="mod">
+          <ac:chgData name="Guest User" userId="S::urn:spo:anon#7c8e4cf8e93fe43d3307c0dc61dfe8ac4d617c24fabc9891901cc96888555fa6::" providerId="AD" clId="Web-{EFB90E76-E090-F73D-349F-DA9053CD6857}" dt="2021-05-04T11:10:25.634" v="665" actId="20577"/>
+          <ac:spMkLst>
+            <pc:docMk/>
+            <pc:sldMk cId="3294013524" sldId="256"/>
+            <ac:spMk id="3" creationId="{758CE592-BF55-4DC0-9AA7-ADE6D04F14A6}"/>
+          </ac:spMkLst>
+        </pc:spChg>
+      </pc:sldChg>
+      <pc:sldChg chg="modSp">
+        <pc:chgData name="Guest User" userId="S::urn:spo:anon#7c8e4cf8e93fe43d3307c0dc61dfe8ac4d617c24fabc9891901cc96888555fa6::" providerId="AD" clId="Web-{EFB90E76-E090-F73D-349F-DA9053CD6857}" dt="2021-05-04T11:11:00.432" v="669" actId="20577"/>
+        <pc:sldMkLst>
+          <pc:docMk/>
+          <pc:sldMk cId="1209310734" sldId="258"/>
+        </pc:sldMkLst>
+        <pc:graphicFrameChg chg="modGraphic">
+          <ac:chgData name="Guest User" userId="S::urn:spo:anon#7c8e4cf8e93fe43d3307c0dc61dfe8ac4d617c24fabc9891901cc96888555fa6::" providerId="AD" clId="Web-{EFB90E76-E090-F73D-349F-DA9053CD6857}" dt="2021-05-04T11:11:00.432" v="669" actId="20577"/>
+          <ac:graphicFrameMkLst>
+            <pc:docMk/>
+            <pc:sldMk cId="1209310734" sldId="258"/>
+            <ac:graphicFrameMk id="40" creationId="{BE55562A-7414-4811-A67E-B80724EC5255}"/>
+          </ac:graphicFrameMkLst>
+        </pc:graphicFrameChg>
+      </pc:sldChg>
+      <pc:sldChg chg="modSp">
+        <pc:chgData name="Guest User" userId="S::urn:spo:anon#7c8e4cf8e93fe43d3307c0dc61dfe8ac4d617c24fabc9891901cc96888555fa6::" providerId="AD" clId="Web-{EFB90E76-E090-F73D-349F-DA9053CD6857}" dt="2021-05-04T10:54:29.674" v="250" actId="20577"/>
+        <pc:sldMkLst>
+          <pc:docMk/>
+          <pc:sldMk cId="2164567038" sldId="259"/>
+        </pc:sldMkLst>
+        <pc:spChg chg="mod">
+          <ac:chgData name="Guest User" userId="S::urn:spo:anon#7c8e4cf8e93fe43d3307c0dc61dfe8ac4d617c24fabc9891901cc96888555fa6::" providerId="AD" clId="Web-{EFB90E76-E090-F73D-349F-DA9053CD6857}" dt="2021-05-04T10:54:29.674" v="250" actId="20577"/>
+          <ac:spMkLst>
+            <pc:docMk/>
+            <pc:sldMk cId="2164567038" sldId="259"/>
+            <ac:spMk id="3" creationId="{8A12E423-1881-4902-A353-AB0D62996A28}"/>
+          </ac:spMkLst>
+        </pc:spChg>
+      </pc:sldChg>
+      <pc:sldChg chg="addSp delSp modSp">
+        <pc:chgData name="Guest User" userId="S::urn:spo:anon#7c8e4cf8e93fe43d3307c0dc61dfe8ac4d617c24fabc9891901cc96888555fa6::" providerId="AD" clId="Web-{EFB90E76-E090-F73D-349F-DA9053CD6857}" dt="2021-05-04T11:38:52.018" v="851"/>
+        <pc:sldMkLst>
+          <pc:docMk/>
+          <pc:sldMk cId="280590761" sldId="260"/>
+        </pc:sldMkLst>
+        <pc:spChg chg="mod">
+          <ac:chgData name="Guest User" userId="S::urn:spo:anon#7c8e4cf8e93fe43d3307c0dc61dfe8ac4d617c24fabc9891901cc96888555fa6::" providerId="AD" clId="Web-{EFB90E76-E090-F73D-349F-DA9053CD6857}" dt="2021-05-04T11:38:52.018" v="851"/>
+          <ac:spMkLst>
+            <pc:docMk/>
+            <pc:sldMk cId="280590761" sldId="260"/>
+            <ac:spMk id="2" creationId="{B9805D4F-0FDB-430E-8B79-BB20F59F636A}"/>
+          </ac:spMkLst>
+        </pc:spChg>
+        <pc:spChg chg="mod">
+          <ac:chgData name="Guest User" userId="S::urn:spo:anon#7c8e4cf8e93fe43d3307c0dc61dfe8ac4d617c24fabc9891901cc96888555fa6::" providerId="AD" clId="Web-{EFB90E76-E090-F73D-349F-DA9053CD6857}" dt="2021-05-04T11:38:52.018" v="851"/>
+          <ac:spMkLst>
+            <pc:docMk/>
+            <pc:sldMk cId="280590761" sldId="260"/>
+            <ac:spMk id="3" creationId="{7D5758FC-06D9-4F02-8836-94C424FF4911}"/>
+          </ac:spMkLst>
+        </pc:spChg>
+        <pc:spChg chg="del">
+          <ac:chgData name="Guest User" userId="S::urn:spo:anon#7c8e4cf8e93fe43d3307c0dc61dfe8ac4d617c24fabc9891901cc96888555fa6::" providerId="AD" clId="Web-{EFB90E76-E090-F73D-349F-DA9053CD6857}" dt="2021-05-04T11:38:52.018" v="851"/>
+          <ac:spMkLst>
+            <pc:docMk/>
+            <pc:sldMk cId="280590761" sldId="260"/>
+            <ac:spMk id="9" creationId="{15F0A9D0-BB35-4CAB-B92D-E061B9D8E3BD}"/>
+          </ac:spMkLst>
+        </pc:spChg>
+        <pc:spChg chg="add">
+          <ac:chgData name="Guest User" userId="S::urn:spo:anon#7c8e4cf8e93fe43d3307c0dc61dfe8ac4d617c24fabc9891901cc96888555fa6::" providerId="AD" clId="Web-{EFB90E76-E090-F73D-349F-DA9053CD6857}" dt="2021-05-04T11:38:52.018" v="851"/>
+          <ac:spMkLst>
+            <pc:docMk/>
+            <pc:sldMk cId="280590761" sldId="260"/>
+            <ac:spMk id="24" creationId="{22171661-0838-4942-A149-8C1B789266A2}"/>
+          </ac:spMkLst>
+        </pc:spChg>
+        <pc:picChg chg="mod">
+          <ac:chgData name="Guest User" userId="S::urn:spo:anon#7c8e4cf8e93fe43d3307c0dc61dfe8ac4d617c24fabc9891901cc96888555fa6::" providerId="AD" clId="Web-{EFB90E76-E090-F73D-349F-DA9053CD6857}" dt="2021-05-04T11:38:52.018" v="851"/>
+          <ac:picMkLst>
+            <pc:docMk/>
+            <pc:sldMk cId="280590761" sldId="260"/>
+            <ac:picMk id="4" creationId="{D51E0B00-5BDE-4BC0-845F-E7CCD11FE009}"/>
+          </ac:picMkLst>
+        </pc:picChg>
+        <pc:cxnChg chg="del">
+          <ac:chgData name="Guest User" userId="S::urn:spo:anon#7c8e4cf8e93fe43d3307c0dc61dfe8ac4d617c24fabc9891901cc96888555fa6::" providerId="AD" clId="Web-{EFB90E76-E090-F73D-349F-DA9053CD6857}" dt="2021-05-04T11:38:52.018" v="851"/>
+          <ac:cxnSpMkLst>
+            <pc:docMk/>
+            <pc:sldMk cId="280590761" sldId="260"/>
+            <ac:cxnSpMk id="11" creationId="{52F5DE35-776B-4C7D-AF2E-514E68BDD2F6}"/>
+          </ac:cxnSpMkLst>
+        </pc:cxnChg>
+        <pc:cxnChg chg="del">
+          <ac:chgData name="Guest User" userId="S::urn:spo:anon#7c8e4cf8e93fe43d3307c0dc61dfe8ac4d617c24fabc9891901cc96888555fa6::" providerId="AD" clId="Web-{EFB90E76-E090-F73D-349F-DA9053CD6857}" dt="2021-05-04T11:38:52.018" v="851"/>
+          <ac:cxnSpMkLst>
+            <pc:docMk/>
+            <pc:sldMk cId="280590761" sldId="260"/>
+            <ac:cxnSpMk id="13" creationId="{4A65E4E8-1272-4386-BDFE-0129D7A7E2D4}"/>
+          </ac:cxnSpMkLst>
+        </pc:cxnChg>
+        <pc:cxnChg chg="del">
+          <ac:chgData name="Guest User" userId="S::urn:spo:anon#7c8e4cf8e93fe43d3307c0dc61dfe8ac4d617c24fabc9891901cc96888555fa6::" providerId="AD" clId="Web-{EFB90E76-E090-F73D-349F-DA9053CD6857}" dt="2021-05-04T11:38:52.018" v="851"/>
+          <ac:cxnSpMkLst>
+            <pc:docMk/>
+            <pc:sldMk cId="280590761" sldId="260"/>
+            <ac:cxnSpMk id="15" creationId="{A6515F51-DBC6-42B8-9C34-749F69BB6561}"/>
+          </ac:cxnSpMkLst>
+        </pc:cxnChg>
+        <pc:cxnChg chg="del">
+          <ac:chgData name="Guest User" userId="S::urn:spo:anon#7c8e4cf8e93fe43d3307c0dc61dfe8ac4d617c24fabc9891901cc96888555fa6::" providerId="AD" clId="Web-{EFB90E76-E090-F73D-349F-DA9053CD6857}" dt="2021-05-04T11:38:52.018" v="851"/>
+          <ac:cxnSpMkLst>
+            <pc:docMk/>
+            <pc:sldMk cId="280590761" sldId="260"/>
+            <ac:cxnSpMk id="17" creationId="{873F5967-4993-405D-A3E6-84DCEFF44C2A}"/>
+          </ac:cxnSpMkLst>
+        </pc:cxnChg>
+        <pc:cxnChg chg="del">
+          <ac:chgData name="Guest User" userId="S::urn:spo:anon#7c8e4cf8e93fe43d3307c0dc61dfe8ac4d617c24fabc9891901cc96888555fa6::" providerId="AD" clId="Web-{EFB90E76-E090-F73D-349F-DA9053CD6857}" dt="2021-05-04T11:38:52.018" v="851"/>
+          <ac:cxnSpMkLst>
+            <pc:docMk/>
+            <pc:sldMk cId="280590761" sldId="260"/>
+            <ac:cxnSpMk id="19" creationId="{A3A523CC-BD6C-4A0D-B9DB-1DC2CE1E22F0}"/>
+          </ac:cxnSpMkLst>
+        </pc:cxnChg>
+        <pc:cxnChg chg="add">
+          <ac:chgData name="Guest User" userId="S::urn:spo:anon#7c8e4cf8e93fe43d3307c0dc61dfe8ac4d617c24fabc9891901cc96888555fa6::" providerId="AD" clId="Web-{EFB90E76-E090-F73D-349F-DA9053CD6857}" dt="2021-05-04T11:38:52.018" v="851"/>
+          <ac:cxnSpMkLst>
+            <pc:docMk/>
+            <pc:sldMk cId="280590761" sldId="260"/>
+            <ac:cxnSpMk id="26" creationId="{BB04A404-AF1E-4EC9-AF7D-46C68BFCEBB6}"/>
+          </ac:cxnSpMkLst>
+        </pc:cxnChg>
+        <pc:cxnChg chg="add">
+          <ac:chgData name="Guest User" userId="S::urn:spo:anon#7c8e4cf8e93fe43d3307c0dc61dfe8ac4d617c24fabc9891901cc96888555fa6::" providerId="AD" clId="Web-{EFB90E76-E090-F73D-349F-DA9053CD6857}" dt="2021-05-04T11:38:52.018" v="851"/>
+          <ac:cxnSpMkLst>
+            <pc:docMk/>
+            <pc:sldMk cId="280590761" sldId="260"/>
+            <ac:cxnSpMk id="28" creationId="{B1874503-FE8B-408C-ABAF-2B72BAC29666}"/>
+          </ac:cxnSpMkLst>
+        </pc:cxnChg>
+      </pc:sldChg>
+      <pc:sldChg chg="modSp">
+        <pc:chgData name="Guest User" userId="S::urn:spo:anon#7c8e4cf8e93fe43d3307c0dc61dfe8ac4d617c24fabc9891901cc96888555fa6::" providerId="AD" clId="Web-{EFB90E76-E090-F73D-349F-DA9053CD6857}" dt="2021-05-04T11:09:59.884" v="651" actId="20577"/>
+        <pc:sldMkLst>
+          <pc:docMk/>
+          <pc:sldMk cId="869984933" sldId="262"/>
+        </pc:sldMkLst>
+        <pc:graphicFrameChg chg="modGraphic">
+          <ac:chgData name="Guest User" userId="S::urn:spo:anon#7c8e4cf8e93fe43d3307c0dc61dfe8ac4d617c24fabc9891901cc96888555fa6::" providerId="AD" clId="Web-{EFB90E76-E090-F73D-349F-DA9053CD6857}" dt="2021-05-04T11:09:59.884" v="651" actId="20577"/>
+          <ac:graphicFrameMkLst>
+            <pc:docMk/>
+            <pc:sldMk cId="869984933" sldId="262"/>
+            <ac:graphicFrameMk id="4" creationId="{2A71FB93-D4BF-4BA9-B6A5-56AA6273A1EF}"/>
+          </ac:graphicFrameMkLst>
+        </pc:graphicFrameChg>
+      </pc:sldChg>
+      <pc:sldChg chg="addSp modSp mod setBg">
+        <pc:chgData name="Guest User" userId="S::urn:spo:anon#7c8e4cf8e93fe43d3307c0dc61dfe8ac4d617c24fabc9891901cc96888555fa6::" providerId="AD" clId="Web-{EFB90E76-E090-F73D-349F-DA9053CD6857}" dt="2021-05-04T11:25:26.312" v="850" actId="20577"/>
+        <pc:sldMkLst>
+          <pc:docMk/>
+          <pc:sldMk cId="3868211684" sldId="263"/>
+        </pc:sldMkLst>
+        <pc:spChg chg="mod">
+          <ac:chgData name="Guest User" userId="S::urn:spo:anon#7c8e4cf8e93fe43d3307c0dc61dfe8ac4d617c24fabc9891901cc96888555fa6::" providerId="AD" clId="Web-{EFB90E76-E090-F73D-349F-DA9053CD6857}" dt="2021-05-04T11:12:27.715" v="670"/>
+          <ac:spMkLst>
+            <pc:docMk/>
+            <pc:sldMk cId="3868211684" sldId="263"/>
+            <ac:spMk id="2" creationId="{FB7CE765-A5EA-4AA8-8133-03DF7956D203}"/>
+          </ac:spMkLst>
+        </pc:spChg>
+        <pc:spChg chg="mod">
+          <ac:chgData name="Guest User" userId="S::urn:spo:anon#7c8e4cf8e93fe43d3307c0dc61dfe8ac4d617c24fabc9891901cc96888555fa6::" providerId="AD" clId="Web-{EFB90E76-E090-F73D-349F-DA9053CD6857}" dt="2021-05-04T11:25:26.312" v="850" actId="20577"/>
+          <ac:spMkLst>
+            <pc:docMk/>
+            <pc:sldMk cId="3868211684" sldId="263"/>
+            <ac:spMk id="3" creationId="{0B106F76-9E45-459C-98A4-8EFEA7779F1A}"/>
+          </ac:spMkLst>
+        </pc:spChg>
+        <pc:spChg chg="add">
+          <ac:chgData name="Guest User" userId="S::urn:spo:anon#7c8e4cf8e93fe43d3307c0dc61dfe8ac4d617c24fabc9891901cc96888555fa6::" providerId="AD" clId="Web-{EFB90E76-E090-F73D-349F-DA9053CD6857}" dt="2021-05-04T11:12:27.715" v="670"/>
+          <ac:spMkLst>
+            <pc:docMk/>
+            <pc:sldMk cId="3868211684" sldId="263"/>
+            <ac:spMk id="8" creationId="{81775E6C-9FE7-4AE4-ABE7-2568D95DEAE0}"/>
+          </ac:spMkLst>
+        </pc:spChg>
+        <pc:spChg chg="add">
+          <ac:chgData name="Guest User" userId="S::urn:spo:anon#7c8e4cf8e93fe43d3307c0dc61dfe8ac4d617c24fabc9891901cc96888555fa6::" providerId="AD" clId="Web-{EFB90E76-E090-F73D-349F-DA9053CD6857}" dt="2021-05-04T11:12:27.715" v="670"/>
+          <ac:spMkLst>
+            <pc:docMk/>
+            <pc:sldMk cId="3868211684" sldId="263"/>
+            <ac:spMk id="10" creationId="{6F1D8699-067D-4768-9F87-3E302B3797BC}"/>
+          </ac:spMkLst>
+        </pc:spChg>
+        <pc:cxnChg chg="add">
+          <ac:chgData name="Guest User" userId="S::urn:spo:anon#7c8e4cf8e93fe43d3307c0dc61dfe8ac4d617c24fabc9891901cc96888555fa6::" providerId="AD" clId="Web-{EFB90E76-E090-F73D-349F-DA9053CD6857}" dt="2021-05-04T11:12:27.715" v="670"/>
+          <ac:cxnSpMkLst>
+            <pc:docMk/>
+            <pc:sldMk cId="3868211684" sldId="263"/>
+            <ac:cxnSpMk id="12" creationId="{E8A66062-E0FE-4EE7-9840-EC05B87ACF47}"/>
+          </ac:cxnSpMkLst>
+        </pc:cxnChg>
+        <pc:cxnChg chg="add">
+          <ac:chgData name="Guest User" userId="S::urn:spo:anon#7c8e4cf8e93fe43d3307c0dc61dfe8ac4d617c24fabc9891901cc96888555fa6::" providerId="AD" clId="Web-{EFB90E76-E090-F73D-349F-DA9053CD6857}" dt="2021-05-04T11:12:27.715" v="670"/>
+          <ac:cxnSpMkLst>
+            <pc:docMk/>
+            <pc:sldMk cId="3868211684" sldId="263"/>
+            <ac:cxnSpMk id="14" creationId="{7A364443-B44B-44C9-B8C4-AED23CB62151}"/>
+          </ac:cxnSpMkLst>
+        </pc:cxnChg>
+        <pc:cxnChg chg="add">
+          <ac:chgData name="Guest User" userId="S::urn:spo:anon#7c8e4cf8e93fe43d3307c0dc61dfe8ac4d617c24fabc9891901cc96888555fa6::" providerId="AD" clId="Web-{EFB90E76-E090-F73D-349F-DA9053CD6857}" dt="2021-05-04T11:12:27.715" v="670"/>
+          <ac:cxnSpMkLst>
+            <pc:docMk/>
+            <pc:sldMk cId="3868211684" sldId="263"/>
+            <ac:cxnSpMk id="16" creationId="{B3087726-EFA7-48B6-8527-80902BB5587C}"/>
+          </ac:cxnSpMkLst>
+        </pc:cxnChg>
+        <pc:cxnChg chg="add">
+          <ac:chgData name="Guest User" userId="S::urn:spo:anon#7c8e4cf8e93fe43d3307c0dc61dfe8ac4d617c24fabc9891901cc96888555fa6::" providerId="AD" clId="Web-{EFB90E76-E090-F73D-349F-DA9053CD6857}" dt="2021-05-04T11:12:27.715" v="670"/>
+          <ac:cxnSpMkLst>
+            <pc:docMk/>
+            <pc:sldMk cId="3868211684" sldId="263"/>
+            <ac:cxnSpMk id="18" creationId="{384CA14D-52DC-4F3C-A1CE-235B99A179A8}"/>
+          </ac:cxnSpMkLst>
+        </pc:cxnChg>
+        <pc:cxnChg chg="add">
+          <ac:chgData name="Guest User" userId="S::urn:spo:anon#7c8e4cf8e93fe43d3307c0dc61dfe8ac4d617c24fabc9891901cc96888555fa6::" providerId="AD" clId="Web-{EFB90E76-E090-F73D-349F-DA9053CD6857}" dt="2021-05-04T11:12:27.715" v="670"/>
+          <ac:cxnSpMkLst>
+            <pc:docMk/>
+            <pc:sldMk cId="3868211684" sldId="263"/>
+            <ac:cxnSpMk id="20" creationId="{A3B4C179-2540-4304-9C9C-2AAAA53EFDC7}"/>
+          </ac:cxnSpMkLst>
+        </pc:cxnChg>
+        <pc:cxnChg chg="add">
+          <ac:chgData name="Guest User" userId="S::urn:spo:anon#7c8e4cf8e93fe43d3307c0dc61dfe8ac4d617c24fabc9891901cc96888555fa6::" providerId="AD" clId="Web-{EFB90E76-E090-F73D-349F-DA9053CD6857}" dt="2021-05-04T11:12:27.715" v="670"/>
+          <ac:cxnSpMkLst>
+            <pc:docMk/>
+            <pc:sldMk cId="3868211684" sldId="263"/>
+            <ac:cxnSpMk id="22" creationId="{C5950BAB-F521-4A52-A263-D105789771E6}"/>
+          </ac:cxnSpMkLst>
+        </pc:cxnChg>
+      </pc:sldChg>
+      <pc:sldChg chg="modSp">
+        <pc:chgData name="Guest User" userId="S::urn:spo:anon#7c8e4cf8e93fe43d3307c0dc61dfe8ac4d617c24fabc9891901cc96888555fa6::" providerId="AD" clId="Web-{EFB90E76-E090-F73D-349F-DA9053CD6857}" dt="2021-05-04T11:02:42.092" v="345" actId="20577"/>
+        <pc:sldMkLst>
+          <pc:docMk/>
+          <pc:sldMk cId="453881686" sldId="264"/>
+        </pc:sldMkLst>
+        <pc:spChg chg="mod">
+          <ac:chgData name="Guest User" userId="S::urn:spo:anon#7c8e4cf8e93fe43d3307c0dc61dfe8ac4d617c24fabc9891901cc96888555fa6::" providerId="AD" clId="Web-{EFB90E76-E090-F73D-349F-DA9053CD6857}" dt="2021-05-04T11:02:42.092" v="345" actId="20577"/>
+          <ac:spMkLst>
+            <pc:docMk/>
+            <pc:sldMk cId="453881686" sldId="264"/>
+            <ac:spMk id="3" creationId="{2EEB95D4-62D9-4E18-9474-00BE442D1FB6}"/>
+          </ac:spMkLst>
+        </pc:spChg>
+      </pc:sldChg>
+    </pc:docChg>
+  </pc:docChgLst>
+  <pc:docChgLst>
+    <pc:chgData name="Espen Holsen" userId="dd65bb7a-419e-491b-84e5-794023f8ba36" providerId="ADAL" clId="{F60C6535-0B72-434D-BD9E-3A1125392E13}"/>
+    <pc:docChg chg="undo custSel modSld">
+      <pc:chgData name="Espen Holsen" userId="dd65bb7a-419e-491b-84e5-794023f8ba36" providerId="ADAL" clId="{F60C6535-0B72-434D-BD9E-3A1125392E13}" dt="2021-05-04T11:36:56.118" v="863" actId="20577"/>
+      <pc:docMkLst>
+        <pc:docMk/>
+      </pc:docMkLst>
+      <pc:sldChg chg="modSp mod">
+        <pc:chgData name="Espen Holsen" userId="dd65bb7a-419e-491b-84e5-794023f8ba36" providerId="ADAL" clId="{F60C6535-0B72-434D-BD9E-3A1125392E13}" dt="2021-05-04T10:43:32.019" v="6" actId="20577"/>
+        <pc:sldMkLst>
+          <pc:docMk/>
+          <pc:sldMk cId="280590761" sldId="260"/>
+        </pc:sldMkLst>
+        <pc:spChg chg="mod">
+          <ac:chgData name="Espen Holsen" userId="dd65bb7a-419e-491b-84e5-794023f8ba36" providerId="ADAL" clId="{F60C6535-0B72-434D-BD9E-3A1125392E13}" dt="2021-05-04T10:43:32.019" v="6" actId="20577"/>
+          <ac:spMkLst>
+            <pc:docMk/>
+            <pc:sldMk cId="280590761" sldId="260"/>
+            <ac:spMk id="2" creationId="{B9805D4F-0FDB-430E-8B79-BB20F59F636A}"/>
+          </ac:spMkLst>
+        </pc:spChg>
+      </pc:sldChg>
+      <pc:sldChg chg="modSp mod">
+        <pc:chgData name="Espen Holsen" userId="dd65bb7a-419e-491b-84e5-794023f8ba36" providerId="ADAL" clId="{F60C6535-0B72-434D-BD9E-3A1125392E13}" dt="2021-05-04T11:28:06.640" v="860" actId="20577"/>
+        <pc:sldMkLst>
+          <pc:docMk/>
+          <pc:sldMk cId="3460958261" sldId="261"/>
+        </pc:sldMkLst>
+        <pc:spChg chg="mod">
+          <ac:chgData name="Espen Holsen" userId="dd65bb7a-419e-491b-84e5-794023f8ba36" providerId="ADAL" clId="{F60C6535-0B72-434D-BD9E-3A1125392E13}" dt="2021-05-04T10:43:46.232" v="27" actId="20577"/>
+          <ac:spMkLst>
+            <pc:docMk/>
+            <pc:sldMk cId="3460958261" sldId="261"/>
+            <ac:spMk id="2" creationId="{42CD69A4-AABA-4EF5-98CA-DACD27339CA8}"/>
+          </ac:spMkLst>
+        </pc:spChg>
+        <pc:spChg chg="mod">
+          <ac:chgData name="Espen Holsen" userId="dd65bb7a-419e-491b-84e5-794023f8ba36" providerId="ADAL" clId="{F60C6535-0B72-434D-BD9E-3A1125392E13}" dt="2021-05-04T11:28:06.640" v="860" actId="20577"/>
+          <ac:spMkLst>
+            <pc:docMk/>
+            <pc:sldMk cId="3460958261" sldId="261"/>
+            <ac:spMk id="3" creationId="{74C71632-6011-4D81-B652-C48A65E89F94}"/>
+          </ac:spMkLst>
+        </pc:spChg>
+      </pc:sldChg>
+      <pc:sldChg chg="modSp mod">
+        <pc:chgData name="Espen Holsen" userId="dd65bb7a-419e-491b-84e5-794023f8ba36" providerId="ADAL" clId="{F60C6535-0B72-434D-BD9E-3A1125392E13}" dt="2021-05-04T11:36:56.118" v="863" actId="20577"/>
+        <pc:sldMkLst>
+          <pc:docMk/>
+          <pc:sldMk cId="1748631428" sldId="266"/>
+        </pc:sldMkLst>
+        <pc:spChg chg="mod">
+          <ac:chgData name="Espen Holsen" userId="dd65bb7a-419e-491b-84e5-794023f8ba36" providerId="ADAL" clId="{F60C6535-0B72-434D-BD9E-3A1125392E13}" dt="2021-05-04T11:36:56.118" v="863" actId="20577"/>
+          <ac:spMkLst>
+            <pc:docMk/>
+            <pc:sldMk cId="1748631428" sldId="266"/>
+            <ac:spMk id="3" creationId="{3A592D94-7354-4E6C-A7F7-417AA1A3BDF7}"/>
+          </ac:spMkLst>
+        </pc:spChg>
+      </pc:sldChg>
+    </pc:docChg>
+  </pc:docChgLst>
+  <pc:docChgLst>
+    <pc:chgData name="Guest User" userId="S::urn:spo:anon#7c8e4cf8e93fe43d3307c0dc61dfe8ac4d617c24fabc9891901cc96888555fa6::" providerId="AD" clId="Web-{A6A3D343-4156-ED3F-9EDF-836CEC9D97A5}"/>
+    <pc:docChg chg="modSld">
+      <pc:chgData name="Guest User" userId="S::urn:spo:anon#7c8e4cf8e93fe43d3307c0dc61dfe8ac4d617c24fabc9891901cc96888555fa6::" providerId="AD" clId="Web-{A6A3D343-4156-ED3F-9EDF-836CEC9D97A5}" dt="2021-05-04T11:21:55.700" v="193" actId="20577"/>
+      <pc:docMkLst>
+        <pc:docMk/>
+      </pc:docMkLst>
+      <pc:sldChg chg="addSp modSp mod setBg">
+        <pc:chgData name="Guest User" userId="S::urn:spo:anon#7c8e4cf8e93fe43d3307c0dc61dfe8ac4d617c24fabc9891901cc96888555fa6::" providerId="AD" clId="Web-{A6A3D343-4156-ED3F-9EDF-836CEC9D97A5}" dt="2021-05-04T11:21:55.700" v="193" actId="20577"/>
+        <pc:sldMkLst>
+          <pc:docMk/>
+          <pc:sldMk cId="280590761" sldId="260"/>
+        </pc:sldMkLst>
+        <pc:spChg chg="mod">
+          <ac:chgData name="Guest User" userId="S::urn:spo:anon#7c8e4cf8e93fe43d3307c0dc61dfe8ac4d617c24fabc9891901cc96888555fa6::" providerId="AD" clId="Web-{A6A3D343-4156-ED3F-9EDF-836CEC9D97A5}" dt="2021-05-04T11:21:18.324" v="184"/>
+          <ac:spMkLst>
+            <pc:docMk/>
+            <pc:sldMk cId="280590761" sldId="260"/>
+            <ac:spMk id="2" creationId="{B9805D4F-0FDB-430E-8B79-BB20F59F636A}"/>
+          </ac:spMkLst>
+        </pc:spChg>
+        <pc:spChg chg="mod">
+          <ac:chgData name="Guest User" userId="S::urn:spo:anon#7c8e4cf8e93fe43d3307c0dc61dfe8ac4d617c24fabc9891901cc96888555fa6::" providerId="AD" clId="Web-{A6A3D343-4156-ED3F-9EDF-836CEC9D97A5}" dt="2021-05-04T11:21:55.700" v="193" actId="20577"/>
+          <ac:spMkLst>
+            <pc:docMk/>
+            <pc:sldMk cId="280590761" sldId="260"/>
+            <ac:spMk id="3" creationId="{7D5758FC-06D9-4F02-8836-94C424FF4911}"/>
+          </ac:spMkLst>
+        </pc:spChg>
+        <pc:spChg chg="add">
+          <ac:chgData name="Guest User" userId="S::urn:spo:anon#7c8e4cf8e93fe43d3307c0dc61dfe8ac4d617c24fabc9891901cc96888555fa6::" providerId="AD" clId="Web-{A6A3D343-4156-ED3F-9EDF-836CEC9D97A5}" dt="2021-05-04T11:21:18.324" v="184"/>
+          <ac:spMkLst>
+            <pc:docMk/>
+            <pc:sldMk cId="280590761" sldId="260"/>
+            <ac:spMk id="9" creationId="{15F0A9D0-BB35-4CAB-B92D-E061B9D8E3BD}"/>
+          </ac:spMkLst>
+        </pc:spChg>
+        <pc:picChg chg="add mod">
+          <ac:chgData name="Guest User" userId="S::urn:spo:anon#7c8e4cf8e93fe43d3307c0dc61dfe8ac4d617c24fabc9891901cc96888555fa6::" providerId="AD" clId="Web-{A6A3D343-4156-ED3F-9EDF-836CEC9D97A5}" dt="2021-05-04T11:21:18.324" v="184"/>
+          <ac:picMkLst>
+            <pc:docMk/>
+            <pc:sldMk cId="280590761" sldId="260"/>
+            <ac:picMk id="4" creationId="{D51E0B00-5BDE-4BC0-845F-E7CCD11FE009}"/>
+          </ac:picMkLst>
+        </pc:picChg>
+        <pc:cxnChg chg="add">
+          <ac:chgData name="Guest User" userId="S::urn:spo:anon#7c8e4cf8e93fe43d3307c0dc61dfe8ac4d617c24fabc9891901cc96888555fa6::" providerId="AD" clId="Web-{A6A3D343-4156-ED3F-9EDF-836CEC9D97A5}" dt="2021-05-04T11:21:18.324" v="184"/>
+          <ac:cxnSpMkLst>
+            <pc:docMk/>
+            <pc:sldMk cId="280590761" sldId="260"/>
+            <ac:cxnSpMk id="11" creationId="{52F5DE35-776B-4C7D-AF2E-514E68BDD2F6}"/>
+          </ac:cxnSpMkLst>
+        </pc:cxnChg>
+        <pc:cxnChg chg="add">
+          <ac:chgData name="Guest User" userId="S::urn:spo:anon#7c8e4cf8e93fe43d3307c0dc61dfe8ac4d617c24fabc9891901cc96888555fa6::" providerId="AD" clId="Web-{A6A3D343-4156-ED3F-9EDF-836CEC9D97A5}" dt="2021-05-04T11:21:18.324" v="184"/>
+          <ac:cxnSpMkLst>
+            <pc:docMk/>
+            <pc:sldMk cId="280590761" sldId="260"/>
+            <ac:cxnSpMk id="13" creationId="{4A65E4E8-1272-4386-BDFE-0129D7A7E2D4}"/>
+          </ac:cxnSpMkLst>
+        </pc:cxnChg>
+        <pc:cxnChg chg="add">
+          <ac:chgData name="Guest User" userId="S::urn:spo:anon#7c8e4cf8e93fe43d3307c0dc61dfe8ac4d617c24fabc9891901cc96888555fa6::" providerId="AD" clId="Web-{A6A3D343-4156-ED3F-9EDF-836CEC9D97A5}" dt="2021-05-04T11:21:18.324" v="184"/>
+          <ac:cxnSpMkLst>
+            <pc:docMk/>
+            <pc:sldMk cId="280590761" sldId="260"/>
+            <ac:cxnSpMk id="15" creationId="{A6515F51-DBC6-42B8-9C34-749F69BB6561}"/>
+          </ac:cxnSpMkLst>
+        </pc:cxnChg>
+        <pc:cxnChg chg="add">
+          <ac:chgData name="Guest User" userId="S::urn:spo:anon#7c8e4cf8e93fe43d3307c0dc61dfe8ac4d617c24fabc9891901cc96888555fa6::" providerId="AD" clId="Web-{A6A3D343-4156-ED3F-9EDF-836CEC9D97A5}" dt="2021-05-04T11:21:18.324" v="184"/>
+          <ac:cxnSpMkLst>
+            <pc:docMk/>
+            <pc:sldMk cId="280590761" sldId="260"/>
+            <ac:cxnSpMk id="17" creationId="{873F5967-4993-405D-A3E6-84DCEFF44C2A}"/>
+          </ac:cxnSpMkLst>
+        </pc:cxnChg>
+        <pc:cxnChg chg="add">
+          <ac:chgData name="Guest User" userId="S::urn:spo:anon#7c8e4cf8e93fe43d3307c0dc61dfe8ac4d617c24fabc9891901cc96888555fa6::" providerId="AD" clId="Web-{A6A3D343-4156-ED3F-9EDF-836CEC9D97A5}" dt="2021-05-04T11:21:18.324" v="184"/>
+          <ac:cxnSpMkLst>
+            <pc:docMk/>
+            <pc:sldMk cId="280590761" sldId="260"/>
+            <ac:cxnSpMk id="19" creationId="{A3A523CC-BD6C-4A0D-B9DB-1DC2CE1E22F0}"/>
+          </ac:cxnSpMkLst>
+        </pc:cxnChg>
+      </pc:sldChg>
+    </pc:docChg>
+  </pc:docChgLst>
+</pc:chgInfo>
+</file>
+
 <file path=ppt/diagrams/colors1.xml><?xml version="1.0" encoding="utf-8"?>
 <dgm:colorsDef xmlns:dgm="http://schemas.openxmlformats.org/drawingml/2006/diagram" xmlns:a="http://schemas.openxmlformats.org/drawingml/2006/main" uniqueId="urn:microsoft.com/office/officeart/2005/8/colors/colorful1">
   <dgm:title val=""/>
@@ -1803,7 +2242,7 @@
 <dgm:dataModel xmlns:dgm="http://schemas.openxmlformats.org/drawingml/2006/diagram" xmlns:a="http://schemas.openxmlformats.org/drawingml/2006/main">
   <dgm:ptLst>
     <dgm:pt modelId="{3FCD7C59-72C5-41B2-8B52-07A717513006}" type="doc">
-      <dgm:prSet loTypeId="urn:microsoft.com/office/officeart/2005/8/layout/list1" loCatId="list" qsTypeId="urn:microsoft.com/office/officeart/2005/8/quickstyle/simple1" qsCatId="simple" csTypeId="urn:microsoft.com/office/officeart/2005/8/colors/colorful1" csCatId="colorful"/>
+      <dgm:prSet loTypeId="urn:microsoft.com/office/officeart/2005/8/layout/list1" loCatId="list" qsTypeId="urn:microsoft.com/office/officeart/2005/8/quickstyle/simple1" qsCatId="simple" csTypeId="urn:microsoft.com/office/officeart/2005/8/colors/colorful1" csCatId="colorful" phldr="1"/>
       <dgm:spPr/>
       <dgm:t>
         <a:bodyPr/>
@@ -1857,14 +2296,14 @@
         <a:lstStyle/>
         <a:p>
           <a:r>
-            <a:rPr lang="nb-NO" dirty="0"/>
+            <a:rPr lang="nb-NO"/>
             <a:t>ADC og </a:t>
           </a:r>
           <a:r>
-            <a:rPr lang="nb-NO" dirty="0" err="1"/>
+            <a:rPr lang="nb-NO" err="1"/>
             <a:t>interrupt</a:t>
           </a:r>
-          <a:endParaRPr lang="nb-NO" dirty="0"/>
+          <a:endParaRPr lang="nb-NO"/>
         </a:p>
       </dgm:t>
     </dgm:pt>
@@ -1897,9 +2336,16 @@
         <a:bodyPr/>
         <a:lstStyle/>
         <a:p>
+          <a:pPr rtl="0"/>
           <a:r>
             <a:rPr lang="nb-NO"/>
             <a:t>Timere</a:t>
+          </a:r>
+          <a:r>
+            <a:rPr lang="nb-NO">
+              <a:latin typeface="Univers Condensed Light"/>
+            </a:rPr>
+            <a:t> og PWM</a:t>
           </a:r>
         </a:p>
       </dgm:t>
@@ -1927,16 +2373,20 @@
       </dgm:t>
     </dgm:pt>
     <dgm:pt modelId="{3736C82A-F212-4A2E-865D-45A927126F61}">
-      <dgm:prSet/>
+      <dgm:prSet phldr="0"/>
       <dgm:spPr/>
       <dgm:t>
         <a:bodyPr/>
         <a:lstStyle/>
         <a:p>
+          <a:pPr rtl="0"/>
           <a:r>
-            <a:rPr lang="nb-NO"/>
-            <a:t>SPI</a:t>
+            <a:rPr lang="nb-NO">
+              <a:latin typeface="Univers Condensed Light"/>
+            </a:rPr>
+            <a:t>Seriell kommunikasjon</a:t>
           </a:r>
+          <a:endParaRPr lang="nb-NO"/>
         </a:p>
       </dgm:t>
     </dgm:pt>
@@ -2171,51 +2621,51 @@
     </dgm:pt>
   </dgm:ptLst>
   <dgm:cxnLst>
-    <dgm:cxn modelId="{0407F80F-A3CA-4C4C-A3E5-138586CF7790}" type="presOf" srcId="{3736C82A-F212-4A2E-865D-45A927126F61}" destId="{6BEBCB5F-65E3-4D3E-B3FE-3EEB75867381}" srcOrd="0" destOrd="0" presId="urn:microsoft.com/office/officeart/2005/8/layout/list1"/>
-    <dgm:cxn modelId="{457FA129-1C75-42D7-9274-2B9CE032B564}" type="presOf" srcId="{3736C82A-F212-4A2E-865D-45A927126F61}" destId="{891ACDFB-1E17-43BF-9A33-B1C5D9F739FC}" srcOrd="1" destOrd="0" presId="urn:microsoft.com/office/officeart/2005/8/layout/list1"/>
-    <dgm:cxn modelId="{523FAA36-94B2-4D74-94A0-AF9A8F6203D7}" type="presOf" srcId="{9937F0AB-7A88-4D4B-8EBC-8BCF86DC3686}" destId="{B4FC50C9-F537-4008-B462-05BF52497AA2}" srcOrd="1" destOrd="0" presId="urn:microsoft.com/office/officeart/2005/8/layout/list1"/>
+    <dgm:cxn modelId="{6653BF04-FEDD-4604-8563-17C5C3B98AE6}" type="presOf" srcId="{9937F0AB-7A88-4D4B-8EBC-8BCF86DC3686}" destId="{B4FC50C9-F537-4008-B462-05BF52497AA2}" srcOrd="1" destOrd="0" presId="urn:microsoft.com/office/officeart/2005/8/layout/list1"/>
+    <dgm:cxn modelId="{A365F10E-0D76-4C0D-ADE4-48053A7031C5}" type="presOf" srcId="{6A0AC477-E43A-4F43-9DA6-6FAB57732AD9}" destId="{A7437473-2ECD-45F4-9701-54E6BBCC2FDA}" srcOrd="1" destOrd="0" presId="urn:microsoft.com/office/officeart/2005/8/layout/list1"/>
     <dgm:cxn modelId="{4BE8093D-06CA-4317-8185-D43B21A6E5D2}" type="presOf" srcId="{3FCD7C59-72C5-41B2-8B52-07A717513006}" destId="{DB0FB1D1-517B-4108-A802-46254BDBC6FF}" srcOrd="0" destOrd="0" presId="urn:microsoft.com/office/officeart/2005/8/layout/list1"/>
-    <dgm:cxn modelId="{9CB9E763-A6C7-415F-A474-0653F33E93AE}" type="presOf" srcId="{D13C2F7B-4380-41D7-BC68-746FEC69A984}" destId="{37949C2B-032D-4D29-8CF1-C5CC88847104}" srcOrd="1" destOrd="0" presId="urn:microsoft.com/office/officeart/2005/8/layout/list1"/>
-    <dgm:cxn modelId="{13118546-EAA4-4273-8405-567921BF88E8}" type="presOf" srcId="{9937F0AB-7A88-4D4B-8EBC-8BCF86DC3686}" destId="{9B21FC8A-EC83-462E-ADE9-F9E81DF4E1D5}" srcOrd="0" destOrd="0" presId="urn:microsoft.com/office/officeart/2005/8/layout/list1"/>
-    <dgm:cxn modelId="{B88BA66E-D70A-4CAC-8F61-85C245BE5F7D}" type="presOf" srcId="{D13C2F7B-4380-41D7-BC68-746FEC69A984}" destId="{3427C68F-1978-4733-A43B-5E292738C589}" srcOrd="0" destOrd="0" presId="urn:microsoft.com/office/officeart/2005/8/layout/list1"/>
+    <dgm:cxn modelId="{F1997A3E-FBCD-445C-AF3C-ED057EE6159A}" type="presOf" srcId="{9937F0AB-7A88-4D4B-8EBC-8BCF86DC3686}" destId="{9B21FC8A-EC83-462E-ADE9-F9E81DF4E1D5}" srcOrd="0" destOrd="0" presId="urn:microsoft.com/office/officeart/2005/8/layout/list1"/>
+    <dgm:cxn modelId="{55EAD674-2B0B-4216-B4D7-83456FF3FF7A}" type="presOf" srcId="{1852EB94-E955-441C-80F0-AEC51A049AFC}" destId="{30F48C64-2A62-4295-87FE-15C61A4DF2C3}" srcOrd="0" destOrd="0" presId="urn:microsoft.com/office/officeart/2005/8/layout/list1"/>
+    <dgm:cxn modelId="{920ADA81-CDC9-4D5A-844B-0F9E4B52A49F}" type="presOf" srcId="{1852EB94-E955-441C-80F0-AEC51A049AFC}" destId="{DE6C0871-8F7E-4E35-A6CD-84DBC5ADABA0}" srcOrd="1" destOrd="0" presId="urn:microsoft.com/office/officeart/2005/8/layout/list1"/>
     <dgm:cxn modelId="{2F325E8B-B8FF-4727-80A8-36F2A9A684E7}" srcId="{3FCD7C59-72C5-41B2-8B52-07A717513006}" destId="{D13C2F7B-4380-41D7-BC68-746FEC69A984}" srcOrd="0" destOrd="0" parTransId="{2A30D52F-3242-48ED-8D6E-A8BDC5F0FE1E}" sibTransId="{5E45D759-98F7-4E2F-B3BA-DB9713D7EB73}"/>
     <dgm:cxn modelId="{7DCF0590-141A-428D-BD12-C887040B1CC6}" srcId="{3FCD7C59-72C5-41B2-8B52-07A717513006}" destId="{9937F0AB-7A88-4D4B-8EBC-8BCF86DC3686}" srcOrd="2" destOrd="0" parTransId="{B1CDEED1-0A94-413B-B959-AADB84209FDD}" sibTransId="{813EA9CA-704B-42B5-86BE-318F60A0594F}"/>
-    <dgm:cxn modelId="{BADF6792-7829-402B-BE95-928B0D350160}" type="presOf" srcId="{6A0AC477-E43A-4F43-9DA6-6FAB57732AD9}" destId="{5A0C3BF1-47A2-4681-9983-8100D274F11E}" srcOrd="0" destOrd="0" presId="urn:microsoft.com/office/officeart/2005/8/layout/list1"/>
-    <dgm:cxn modelId="{1E6A779A-B02B-4686-86C3-E072DE9AFB62}" type="presOf" srcId="{1852EB94-E955-441C-80F0-AEC51A049AFC}" destId="{DE6C0871-8F7E-4E35-A6CD-84DBC5ADABA0}" srcOrd="1" destOrd="0" presId="urn:microsoft.com/office/officeart/2005/8/layout/list1"/>
+    <dgm:cxn modelId="{2DD011A6-2101-4FAD-84C2-17A995B9D179}" type="presOf" srcId="{D13C2F7B-4380-41D7-BC68-746FEC69A984}" destId="{37949C2B-032D-4D29-8CF1-C5CC88847104}" srcOrd="1" destOrd="0" presId="urn:microsoft.com/office/officeart/2005/8/layout/list1"/>
+    <dgm:cxn modelId="{A95762AF-3B6C-462A-AFAA-FE8AB4B276EA}" type="presOf" srcId="{6A0AC477-E43A-4F43-9DA6-6FAB57732AD9}" destId="{5A0C3BF1-47A2-4681-9983-8100D274F11E}" srcOrd="0" destOrd="0" presId="urn:microsoft.com/office/officeart/2005/8/layout/list1"/>
     <dgm:cxn modelId="{E02AD2B6-0F78-4EDB-B955-2378B38E3D88}" srcId="{3FCD7C59-72C5-41B2-8B52-07A717513006}" destId="{1852EB94-E955-441C-80F0-AEC51A049AFC}" srcOrd="4" destOrd="0" parTransId="{FBACB29B-DB73-49ED-B3C5-6B7D517DDAA7}" sibTransId="{BDB088B4-E138-4A7F-8F42-FE420D974D7D}"/>
-    <dgm:cxn modelId="{76A50AC9-CBE0-49F0-8DDF-9BA9B40FECA8}" type="presOf" srcId="{1852EB94-E955-441C-80F0-AEC51A049AFC}" destId="{30F48C64-2A62-4295-87FE-15C61A4DF2C3}" srcOrd="0" destOrd="0" presId="urn:microsoft.com/office/officeart/2005/8/layout/list1"/>
+    <dgm:cxn modelId="{22008CCB-909B-4866-8C40-A56A9B2CB100}" type="presOf" srcId="{3736C82A-F212-4A2E-865D-45A927126F61}" destId="{6BEBCB5F-65E3-4D3E-B3FE-3EEB75867381}" srcOrd="0" destOrd="0" presId="urn:microsoft.com/office/officeart/2005/8/layout/list1"/>
     <dgm:cxn modelId="{AEB7A3CE-CE38-4456-B15A-38313705FE1F}" srcId="{3FCD7C59-72C5-41B2-8B52-07A717513006}" destId="{3736C82A-F212-4A2E-865D-45A927126F61}" srcOrd="3" destOrd="0" parTransId="{9C188C82-C831-4C94-AA1B-A068F277A464}" sibTransId="{A9FDBA63-D371-4B83-BE76-B9AFD2E49ABA}"/>
+    <dgm:cxn modelId="{55EE24E5-C121-4B84-99ED-523CE414FAD8}" type="presOf" srcId="{3736C82A-F212-4A2E-865D-45A927126F61}" destId="{891ACDFB-1E17-43BF-9A33-B1C5D9F739FC}" srcOrd="1" destOrd="0" presId="urn:microsoft.com/office/officeart/2005/8/layout/list1"/>
+    <dgm:cxn modelId="{B8DB78E5-4CBE-41AF-A800-B5C6C32E8F77}" type="presOf" srcId="{D13C2F7B-4380-41D7-BC68-746FEC69A984}" destId="{3427C68F-1978-4733-A43B-5E292738C589}" srcOrd="0" destOrd="0" presId="urn:microsoft.com/office/officeart/2005/8/layout/list1"/>
     <dgm:cxn modelId="{F99A82ED-C2B5-4B9B-B5B1-9D5A31F9E828}" srcId="{3FCD7C59-72C5-41B2-8B52-07A717513006}" destId="{6A0AC477-E43A-4F43-9DA6-6FAB57732AD9}" srcOrd="1" destOrd="0" parTransId="{B1CFF129-066C-4078-8F8D-4B1A37A5BED9}" sibTransId="{25EFE54A-5E1C-4750-9EC0-78C120F2C323}"/>
-    <dgm:cxn modelId="{07D5DCF2-324E-4835-A876-70C4B2C8439C}" type="presOf" srcId="{6A0AC477-E43A-4F43-9DA6-6FAB57732AD9}" destId="{A7437473-2ECD-45F4-9701-54E6BBCC2FDA}" srcOrd="1" destOrd="0" presId="urn:microsoft.com/office/officeart/2005/8/layout/list1"/>
-    <dgm:cxn modelId="{3D1C0918-0307-4C43-91D1-99A8DEE20208}" type="presParOf" srcId="{DB0FB1D1-517B-4108-A802-46254BDBC6FF}" destId="{E455890B-F44C-44CC-BD90-2F04979CA5B7}" srcOrd="0" destOrd="0" presId="urn:microsoft.com/office/officeart/2005/8/layout/list1"/>
-    <dgm:cxn modelId="{20883454-1A54-46D4-A6CF-9A3F0D88D88F}" type="presParOf" srcId="{E455890B-F44C-44CC-BD90-2F04979CA5B7}" destId="{3427C68F-1978-4733-A43B-5E292738C589}" srcOrd="0" destOrd="0" presId="urn:microsoft.com/office/officeart/2005/8/layout/list1"/>
-    <dgm:cxn modelId="{9FF95CA9-17FD-4C7F-B1F5-908D5B29E63D}" type="presParOf" srcId="{E455890B-F44C-44CC-BD90-2F04979CA5B7}" destId="{37949C2B-032D-4D29-8CF1-C5CC88847104}" srcOrd="1" destOrd="0" presId="urn:microsoft.com/office/officeart/2005/8/layout/list1"/>
-    <dgm:cxn modelId="{25101924-560D-476D-9F9E-B556953A9771}" type="presParOf" srcId="{DB0FB1D1-517B-4108-A802-46254BDBC6FF}" destId="{23ACEF19-19D3-4DAE-A7D6-7D36117E75CD}" srcOrd="1" destOrd="0" presId="urn:microsoft.com/office/officeart/2005/8/layout/list1"/>
-    <dgm:cxn modelId="{3768D60D-CBA9-4F5D-9196-4104021AF318}" type="presParOf" srcId="{DB0FB1D1-517B-4108-A802-46254BDBC6FF}" destId="{1A6F6E5D-4091-4958-B63D-5C9C2524F4C6}" srcOrd="2" destOrd="0" presId="urn:microsoft.com/office/officeart/2005/8/layout/list1"/>
-    <dgm:cxn modelId="{A4918911-FC2D-4C86-BD3F-847D0AC447A4}" type="presParOf" srcId="{DB0FB1D1-517B-4108-A802-46254BDBC6FF}" destId="{3A26E819-4EDE-45CB-B4A3-004780D42CF4}" srcOrd="3" destOrd="0" presId="urn:microsoft.com/office/officeart/2005/8/layout/list1"/>
-    <dgm:cxn modelId="{466E5FB7-A23B-4909-8BB3-B91849ED8829}" type="presParOf" srcId="{DB0FB1D1-517B-4108-A802-46254BDBC6FF}" destId="{75A8D94B-C6E5-412D-B539-7741C9890C4E}" srcOrd="4" destOrd="0" presId="urn:microsoft.com/office/officeart/2005/8/layout/list1"/>
-    <dgm:cxn modelId="{F9A1F018-9ACB-481E-B72C-E4D2627FE3F4}" type="presParOf" srcId="{75A8D94B-C6E5-412D-B539-7741C9890C4E}" destId="{5A0C3BF1-47A2-4681-9983-8100D274F11E}" srcOrd="0" destOrd="0" presId="urn:microsoft.com/office/officeart/2005/8/layout/list1"/>
-    <dgm:cxn modelId="{44E9A295-0925-49C7-9A46-6FB62A7EA5C4}" type="presParOf" srcId="{75A8D94B-C6E5-412D-B539-7741C9890C4E}" destId="{A7437473-2ECD-45F4-9701-54E6BBCC2FDA}" srcOrd="1" destOrd="0" presId="urn:microsoft.com/office/officeart/2005/8/layout/list1"/>
-    <dgm:cxn modelId="{ED4CAE33-AEB0-4561-A2B2-A00025135882}" type="presParOf" srcId="{DB0FB1D1-517B-4108-A802-46254BDBC6FF}" destId="{2A7F03B5-1844-40CE-96A0-31EFF8FCBC9D}" srcOrd="5" destOrd="0" presId="urn:microsoft.com/office/officeart/2005/8/layout/list1"/>
-    <dgm:cxn modelId="{E08398B8-E6B6-49F0-B09D-C35F064B3AE0}" type="presParOf" srcId="{DB0FB1D1-517B-4108-A802-46254BDBC6FF}" destId="{9B828F14-4A48-4525-A221-61B652E73AF8}" srcOrd="6" destOrd="0" presId="urn:microsoft.com/office/officeart/2005/8/layout/list1"/>
-    <dgm:cxn modelId="{E42C9138-8E18-4689-B22F-7E00AF113522}" type="presParOf" srcId="{DB0FB1D1-517B-4108-A802-46254BDBC6FF}" destId="{09E10A92-7862-4476-8497-5645289645C6}" srcOrd="7" destOrd="0" presId="urn:microsoft.com/office/officeart/2005/8/layout/list1"/>
-    <dgm:cxn modelId="{B44753B6-7BCE-4597-A924-62C566C85AB6}" type="presParOf" srcId="{DB0FB1D1-517B-4108-A802-46254BDBC6FF}" destId="{73FAFD07-E757-4BDA-A29E-DA1950A0ABC2}" srcOrd="8" destOrd="0" presId="urn:microsoft.com/office/officeart/2005/8/layout/list1"/>
-    <dgm:cxn modelId="{6CB99C03-D1EF-454D-ABC6-1C7478B648B2}" type="presParOf" srcId="{73FAFD07-E757-4BDA-A29E-DA1950A0ABC2}" destId="{9B21FC8A-EC83-462E-ADE9-F9E81DF4E1D5}" srcOrd="0" destOrd="0" presId="urn:microsoft.com/office/officeart/2005/8/layout/list1"/>
-    <dgm:cxn modelId="{A34DE9AA-9359-4CDB-AE89-4179028E4E2F}" type="presParOf" srcId="{73FAFD07-E757-4BDA-A29E-DA1950A0ABC2}" destId="{B4FC50C9-F537-4008-B462-05BF52497AA2}" srcOrd="1" destOrd="0" presId="urn:microsoft.com/office/officeart/2005/8/layout/list1"/>
-    <dgm:cxn modelId="{8E378260-E8DF-478B-8A0E-7BCED6201538}" type="presParOf" srcId="{DB0FB1D1-517B-4108-A802-46254BDBC6FF}" destId="{B88B74D2-BFA7-42A7-AE10-D564260544B1}" srcOrd="9" destOrd="0" presId="urn:microsoft.com/office/officeart/2005/8/layout/list1"/>
-    <dgm:cxn modelId="{712EF78A-E763-4A4B-A6B7-F9AF5996EC88}" type="presParOf" srcId="{DB0FB1D1-517B-4108-A802-46254BDBC6FF}" destId="{ED6E0634-2285-48F6-BA15-EC83296FB29C}" srcOrd="10" destOrd="0" presId="urn:microsoft.com/office/officeart/2005/8/layout/list1"/>
-    <dgm:cxn modelId="{1CDBBBF3-90D8-4A16-98A8-1329C2855DE9}" type="presParOf" srcId="{DB0FB1D1-517B-4108-A802-46254BDBC6FF}" destId="{9EF10B64-1557-43D7-8C2F-A9408A908B74}" srcOrd="11" destOrd="0" presId="urn:microsoft.com/office/officeart/2005/8/layout/list1"/>
-    <dgm:cxn modelId="{D59E38C8-F739-45BC-AA9C-6983A5168F08}" type="presParOf" srcId="{DB0FB1D1-517B-4108-A802-46254BDBC6FF}" destId="{9F8D11F3-0B98-40A8-B405-A157E49C18D2}" srcOrd="12" destOrd="0" presId="urn:microsoft.com/office/officeart/2005/8/layout/list1"/>
-    <dgm:cxn modelId="{842A26D1-C218-4CD1-86BC-5B6CA608BC2D}" type="presParOf" srcId="{9F8D11F3-0B98-40A8-B405-A157E49C18D2}" destId="{6BEBCB5F-65E3-4D3E-B3FE-3EEB75867381}" srcOrd="0" destOrd="0" presId="urn:microsoft.com/office/officeart/2005/8/layout/list1"/>
-    <dgm:cxn modelId="{AA6D88D2-547A-480F-908B-FE64DFEAB1B8}" type="presParOf" srcId="{9F8D11F3-0B98-40A8-B405-A157E49C18D2}" destId="{891ACDFB-1E17-43BF-9A33-B1C5D9F739FC}" srcOrd="1" destOrd="0" presId="urn:microsoft.com/office/officeart/2005/8/layout/list1"/>
-    <dgm:cxn modelId="{FBB169A4-426D-43AC-92CE-7F47396C8557}" type="presParOf" srcId="{DB0FB1D1-517B-4108-A802-46254BDBC6FF}" destId="{EC74EB0D-AB9D-4328-974C-8BC5320E52FB}" srcOrd="13" destOrd="0" presId="urn:microsoft.com/office/officeart/2005/8/layout/list1"/>
-    <dgm:cxn modelId="{C7A3E517-07BA-4381-88AF-C2133CE85A85}" type="presParOf" srcId="{DB0FB1D1-517B-4108-A802-46254BDBC6FF}" destId="{6F733612-54F2-44AE-985A-0B29015B4287}" srcOrd="14" destOrd="0" presId="urn:microsoft.com/office/officeart/2005/8/layout/list1"/>
-    <dgm:cxn modelId="{713C12E4-459C-4695-8914-0FD4D769D88E}" type="presParOf" srcId="{DB0FB1D1-517B-4108-A802-46254BDBC6FF}" destId="{000D7F0A-24E1-48D6-94AC-D2AC17FFA2E0}" srcOrd="15" destOrd="0" presId="urn:microsoft.com/office/officeart/2005/8/layout/list1"/>
-    <dgm:cxn modelId="{8FD787E5-D491-4873-B19B-743FD314E31E}" type="presParOf" srcId="{DB0FB1D1-517B-4108-A802-46254BDBC6FF}" destId="{D3646C10-13E3-4E44-825B-CBBDABAD0D20}" srcOrd="16" destOrd="0" presId="urn:microsoft.com/office/officeart/2005/8/layout/list1"/>
-    <dgm:cxn modelId="{731717CB-8A0A-482A-B8F4-2D6F480BE15A}" type="presParOf" srcId="{D3646C10-13E3-4E44-825B-CBBDABAD0D20}" destId="{30F48C64-2A62-4295-87FE-15C61A4DF2C3}" srcOrd="0" destOrd="0" presId="urn:microsoft.com/office/officeart/2005/8/layout/list1"/>
-    <dgm:cxn modelId="{C733748F-A2E8-4B78-AF42-BBAC50AD48FA}" type="presParOf" srcId="{D3646C10-13E3-4E44-825B-CBBDABAD0D20}" destId="{DE6C0871-8F7E-4E35-A6CD-84DBC5ADABA0}" srcOrd="1" destOrd="0" presId="urn:microsoft.com/office/officeart/2005/8/layout/list1"/>
-    <dgm:cxn modelId="{E719EBC0-6CB9-4AF2-8A45-644F595E03C2}" type="presParOf" srcId="{DB0FB1D1-517B-4108-A802-46254BDBC6FF}" destId="{835490DA-2205-4192-A885-707AFB7A7792}" srcOrd="17" destOrd="0" presId="urn:microsoft.com/office/officeart/2005/8/layout/list1"/>
-    <dgm:cxn modelId="{1A35ECBE-9DAA-427E-BF00-31DC76C072DB}" type="presParOf" srcId="{DB0FB1D1-517B-4108-A802-46254BDBC6FF}" destId="{9BA2B860-21A9-4BE7-B238-57460F6F7219}" srcOrd="18" destOrd="0" presId="urn:microsoft.com/office/officeart/2005/8/layout/list1"/>
+    <dgm:cxn modelId="{EBE4CE27-337F-4F7A-938F-DEBFF57B9B03}" type="presParOf" srcId="{DB0FB1D1-517B-4108-A802-46254BDBC6FF}" destId="{E455890B-F44C-44CC-BD90-2F04979CA5B7}" srcOrd="0" destOrd="0" presId="urn:microsoft.com/office/officeart/2005/8/layout/list1"/>
+    <dgm:cxn modelId="{ECD3F127-8BA5-4B37-8667-86223903EE07}" type="presParOf" srcId="{E455890B-F44C-44CC-BD90-2F04979CA5B7}" destId="{3427C68F-1978-4733-A43B-5E292738C589}" srcOrd="0" destOrd="0" presId="urn:microsoft.com/office/officeart/2005/8/layout/list1"/>
+    <dgm:cxn modelId="{0D6873C3-682C-4C99-9DAB-11457662B4B0}" type="presParOf" srcId="{E455890B-F44C-44CC-BD90-2F04979CA5B7}" destId="{37949C2B-032D-4D29-8CF1-C5CC88847104}" srcOrd="1" destOrd="0" presId="urn:microsoft.com/office/officeart/2005/8/layout/list1"/>
+    <dgm:cxn modelId="{957A0661-2EE3-4EDC-B37C-4486CDC9C052}" type="presParOf" srcId="{DB0FB1D1-517B-4108-A802-46254BDBC6FF}" destId="{23ACEF19-19D3-4DAE-A7D6-7D36117E75CD}" srcOrd="1" destOrd="0" presId="urn:microsoft.com/office/officeart/2005/8/layout/list1"/>
+    <dgm:cxn modelId="{023165DF-7896-4090-8833-C57917691980}" type="presParOf" srcId="{DB0FB1D1-517B-4108-A802-46254BDBC6FF}" destId="{1A6F6E5D-4091-4958-B63D-5C9C2524F4C6}" srcOrd="2" destOrd="0" presId="urn:microsoft.com/office/officeart/2005/8/layout/list1"/>
+    <dgm:cxn modelId="{A8A6678A-A664-48C9-86DE-B7058D856ACE}" type="presParOf" srcId="{DB0FB1D1-517B-4108-A802-46254BDBC6FF}" destId="{3A26E819-4EDE-45CB-B4A3-004780D42CF4}" srcOrd="3" destOrd="0" presId="urn:microsoft.com/office/officeart/2005/8/layout/list1"/>
+    <dgm:cxn modelId="{4D808BA6-0011-430F-9113-36665D4A5583}" type="presParOf" srcId="{DB0FB1D1-517B-4108-A802-46254BDBC6FF}" destId="{75A8D94B-C6E5-412D-B539-7741C9890C4E}" srcOrd="4" destOrd="0" presId="urn:microsoft.com/office/officeart/2005/8/layout/list1"/>
+    <dgm:cxn modelId="{84ED821B-E71F-4F84-968F-D119804136D3}" type="presParOf" srcId="{75A8D94B-C6E5-412D-B539-7741C9890C4E}" destId="{5A0C3BF1-47A2-4681-9983-8100D274F11E}" srcOrd="0" destOrd="0" presId="urn:microsoft.com/office/officeart/2005/8/layout/list1"/>
+    <dgm:cxn modelId="{37782BBA-7E1D-4F14-9E3D-304B02C66BCB}" type="presParOf" srcId="{75A8D94B-C6E5-412D-B539-7741C9890C4E}" destId="{A7437473-2ECD-45F4-9701-54E6BBCC2FDA}" srcOrd="1" destOrd="0" presId="urn:microsoft.com/office/officeart/2005/8/layout/list1"/>
+    <dgm:cxn modelId="{D2C18C8B-B3D6-4B6C-A5F5-D7ADF6751F76}" type="presParOf" srcId="{DB0FB1D1-517B-4108-A802-46254BDBC6FF}" destId="{2A7F03B5-1844-40CE-96A0-31EFF8FCBC9D}" srcOrd="5" destOrd="0" presId="urn:microsoft.com/office/officeart/2005/8/layout/list1"/>
+    <dgm:cxn modelId="{5AF4F6D8-D339-4E80-B35D-4DFEF7108BE6}" type="presParOf" srcId="{DB0FB1D1-517B-4108-A802-46254BDBC6FF}" destId="{9B828F14-4A48-4525-A221-61B652E73AF8}" srcOrd="6" destOrd="0" presId="urn:microsoft.com/office/officeart/2005/8/layout/list1"/>
+    <dgm:cxn modelId="{4FAD8E4B-3443-4BBA-A993-7D8E833CCFC3}" type="presParOf" srcId="{DB0FB1D1-517B-4108-A802-46254BDBC6FF}" destId="{09E10A92-7862-4476-8497-5645289645C6}" srcOrd="7" destOrd="0" presId="urn:microsoft.com/office/officeart/2005/8/layout/list1"/>
+    <dgm:cxn modelId="{A601BB26-7D0E-420B-A9D6-6CEE813782A9}" type="presParOf" srcId="{DB0FB1D1-517B-4108-A802-46254BDBC6FF}" destId="{73FAFD07-E757-4BDA-A29E-DA1950A0ABC2}" srcOrd="8" destOrd="0" presId="urn:microsoft.com/office/officeart/2005/8/layout/list1"/>
+    <dgm:cxn modelId="{73938F3C-8EEC-499F-9271-B9F068DEB817}" type="presParOf" srcId="{73FAFD07-E757-4BDA-A29E-DA1950A0ABC2}" destId="{9B21FC8A-EC83-462E-ADE9-F9E81DF4E1D5}" srcOrd="0" destOrd="0" presId="urn:microsoft.com/office/officeart/2005/8/layout/list1"/>
+    <dgm:cxn modelId="{2B73D883-44C5-4016-9317-C82269B32360}" type="presParOf" srcId="{73FAFD07-E757-4BDA-A29E-DA1950A0ABC2}" destId="{B4FC50C9-F537-4008-B462-05BF52497AA2}" srcOrd="1" destOrd="0" presId="urn:microsoft.com/office/officeart/2005/8/layout/list1"/>
+    <dgm:cxn modelId="{D018A04C-0093-440E-AD83-FC4D011EA63F}" type="presParOf" srcId="{DB0FB1D1-517B-4108-A802-46254BDBC6FF}" destId="{B88B74D2-BFA7-42A7-AE10-D564260544B1}" srcOrd="9" destOrd="0" presId="urn:microsoft.com/office/officeart/2005/8/layout/list1"/>
+    <dgm:cxn modelId="{3854B2E2-94D2-4DBE-ADF3-CB6DAD46A823}" type="presParOf" srcId="{DB0FB1D1-517B-4108-A802-46254BDBC6FF}" destId="{ED6E0634-2285-48F6-BA15-EC83296FB29C}" srcOrd="10" destOrd="0" presId="urn:microsoft.com/office/officeart/2005/8/layout/list1"/>
+    <dgm:cxn modelId="{167154F4-BC83-46F9-A32D-577497A28B9A}" type="presParOf" srcId="{DB0FB1D1-517B-4108-A802-46254BDBC6FF}" destId="{9EF10B64-1557-43D7-8C2F-A9408A908B74}" srcOrd="11" destOrd="0" presId="urn:microsoft.com/office/officeart/2005/8/layout/list1"/>
+    <dgm:cxn modelId="{7DBB781E-70FB-48E1-94FE-FB63C67CCC49}" type="presParOf" srcId="{DB0FB1D1-517B-4108-A802-46254BDBC6FF}" destId="{9F8D11F3-0B98-40A8-B405-A157E49C18D2}" srcOrd="12" destOrd="0" presId="urn:microsoft.com/office/officeart/2005/8/layout/list1"/>
+    <dgm:cxn modelId="{7826DB9F-8694-4689-9D75-1C54934F7775}" type="presParOf" srcId="{9F8D11F3-0B98-40A8-B405-A157E49C18D2}" destId="{6BEBCB5F-65E3-4D3E-B3FE-3EEB75867381}" srcOrd="0" destOrd="0" presId="urn:microsoft.com/office/officeart/2005/8/layout/list1"/>
+    <dgm:cxn modelId="{C3A3FF47-085D-4398-BF58-7B26ED270A14}" type="presParOf" srcId="{9F8D11F3-0B98-40A8-B405-A157E49C18D2}" destId="{891ACDFB-1E17-43BF-9A33-B1C5D9F739FC}" srcOrd="1" destOrd="0" presId="urn:microsoft.com/office/officeart/2005/8/layout/list1"/>
+    <dgm:cxn modelId="{28A2FAB9-358A-4E3E-A861-50BEE6D17D8A}" type="presParOf" srcId="{DB0FB1D1-517B-4108-A802-46254BDBC6FF}" destId="{EC74EB0D-AB9D-4328-974C-8BC5320E52FB}" srcOrd="13" destOrd="0" presId="urn:microsoft.com/office/officeart/2005/8/layout/list1"/>
+    <dgm:cxn modelId="{6035E48D-C8C5-4CB2-8AAE-8C9245A7EDA5}" type="presParOf" srcId="{DB0FB1D1-517B-4108-A802-46254BDBC6FF}" destId="{6F733612-54F2-44AE-985A-0B29015B4287}" srcOrd="14" destOrd="0" presId="urn:microsoft.com/office/officeart/2005/8/layout/list1"/>
+    <dgm:cxn modelId="{6EC753AA-FAF2-4A47-B9DE-3AFA703893BB}" type="presParOf" srcId="{DB0FB1D1-517B-4108-A802-46254BDBC6FF}" destId="{000D7F0A-24E1-48D6-94AC-D2AC17FFA2E0}" srcOrd="15" destOrd="0" presId="urn:microsoft.com/office/officeart/2005/8/layout/list1"/>
+    <dgm:cxn modelId="{8AABC03D-29D4-44CE-B411-4EA2F96E485C}" type="presParOf" srcId="{DB0FB1D1-517B-4108-A802-46254BDBC6FF}" destId="{D3646C10-13E3-4E44-825B-CBBDABAD0D20}" srcOrd="16" destOrd="0" presId="urn:microsoft.com/office/officeart/2005/8/layout/list1"/>
+    <dgm:cxn modelId="{7A8D0DB1-7814-44CB-A167-B14264AF7802}" type="presParOf" srcId="{D3646C10-13E3-4E44-825B-CBBDABAD0D20}" destId="{30F48C64-2A62-4295-87FE-15C61A4DF2C3}" srcOrd="0" destOrd="0" presId="urn:microsoft.com/office/officeart/2005/8/layout/list1"/>
+    <dgm:cxn modelId="{00F20E4C-4FCA-40E0-BB06-AE013D1B3A5D}" type="presParOf" srcId="{D3646C10-13E3-4E44-825B-CBBDABAD0D20}" destId="{DE6C0871-8F7E-4E35-A6CD-84DBC5ADABA0}" srcOrd="1" destOrd="0" presId="urn:microsoft.com/office/officeart/2005/8/layout/list1"/>
+    <dgm:cxn modelId="{0A4F4492-A7E9-45C2-903F-2590BA0689F0}" type="presParOf" srcId="{DB0FB1D1-517B-4108-A802-46254BDBC6FF}" destId="{835490DA-2205-4192-A885-707AFB7A7792}" srcOrd="17" destOrd="0" presId="urn:microsoft.com/office/officeart/2005/8/layout/list1"/>
+    <dgm:cxn modelId="{491BDAE3-BEF2-462D-9460-E5536FC0B8F3}" type="presParOf" srcId="{DB0FB1D1-517B-4108-A802-46254BDBC6FF}" destId="{9BA2B860-21A9-4BE7-B238-57460F6F7219}" srcOrd="18" destOrd="0" presId="urn:microsoft.com/office/officeart/2005/8/layout/list1"/>
   </dgm:cxnLst>
   <dgm:bg/>
   <dgm:whole/>
@@ -2254,10 +2704,14 @@
             </a:lnSpc>
           </a:pPr>
           <a:r>
-            <a:rPr lang="nb-NO" dirty="0"/>
+            <a:rPr lang="nb-NO">
+              <a:latin typeface="Univers Condensed Light"/>
+            </a:rPr>
             <a:t>To sensorer: Potensiometer og temperatursensor, en motorvifte.</a:t>
           </a:r>
-          <a:endParaRPr lang="en-US" dirty="0"/>
+          <a:endParaRPr lang="en-US">
+            <a:latin typeface="Univers Condensed Light"/>
+          </a:endParaRPr>
         </a:p>
       </dgm:t>
     </dgm:pt>
@@ -2296,10 +2750,14 @@
             </a:lnSpc>
           </a:pPr>
           <a:r>
-            <a:rPr lang="nb-NO"/>
+            <a:rPr lang="nb-NO">
+              <a:latin typeface="Univers Condensed Light"/>
+            </a:rPr>
             <a:t>ADC for måling av sensorverdier.</a:t>
           </a:r>
-          <a:endParaRPr lang="en-US"/>
+          <a:endParaRPr lang="en-US">
+            <a:latin typeface="Univers Condensed Light"/>
+          </a:endParaRPr>
         </a:p>
       </dgm:t>
     </dgm:pt>
@@ -2338,26 +2796,14 @@
             </a:lnSpc>
           </a:pPr>
           <a:r>
-            <a:rPr lang="nb-NO" dirty="0"/>
-            <a:t>Temperatur </a:t>
+            <a:rPr lang="nb-NO">
+              <a:latin typeface="Univers Condensed Light"/>
+            </a:rPr>
+            <a:t>Temperatur printes til serial monitor via USART.</a:t>
           </a:r>
-          <a:r>
-            <a:rPr lang="nb-NO" dirty="0" err="1"/>
-            <a:t>printes</a:t>
-          </a:r>
-          <a:r>
-            <a:rPr lang="nb-NO" dirty="0"/>
-            <a:t> til </a:t>
-          </a:r>
-          <a:r>
-            <a:rPr lang="nb-NO" dirty="0" err="1"/>
-            <a:t>serial</a:t>
-          </a:r>
-          <a:r>
-            <a:rPr lang="nb-NO" dirty="0"/>
-            <a:t> monitor via USART.</a:t>
-          </a:r>
-          <a:endParaRPr lang="en-US" dirty="0"/>
+          <a:endParaRPr lang="en-US">
+            <a:latin typeface="Univers Condensed Light"/>
+          </a:endParaRPr>
         </a:p>
       </dgm:t>
     </dgm:pt>
@@ -2396,10 +2842,14 @@
             </a:lnSpc>
           </a:pPr>
           <a:r>
-            <a:rPr lang="nb-NO" dirty="0"/>
+            <a:rPr lang="nb-NO">
+              <a:latin typeface="Univers Condensed Light"/>
+            </a:rPr>
             <a:t>Dersom potensiometeret går over 30% av maksverdi skrus viftemotoren seg på.</a:t>
           </a:r>
-          <a:endParaRPr lang="en-US" dirty="0"/>
+          <a:endParaRPr lang="en-US">
+            <a:latin typeface="Univers Condensed Light"/>
+          </a:endParaRPr>
         </a:p>
       </dgm:t>
     </dgm:pt>
@@ -2438,10 +2888,14 @@
             </a:lnSpc>
           </a:pPr>
           <a:r>
-            <a:rPr lang="nb-NO" dirty="0"/>
+            <a:rPr lang="nb-NO">
+              <a:latin typeface="Univers Condensed Light"/>
+            </a:rPr>
             <a:t>Timer som styrer PWM for å drive viftemotoren.</a:t>
           </a:r>
-          <a:endParaRPr lang="en-US" dirty="0"/>
+          <a:endParaRPr lang="en-US">
+            <a:latin typeface="Univers Condensed Light"/>
+          </a:endParaRPr>
         </a:p>
       </dgm:t>
     </dgm:pt>
@@ -2480,7 +2934,9 @@
             </a:lnSpc>
           </a:pPr>
           <a:r>
-            <a:rPr lang="nb-NO" dirty="0"/>
+            <a:rPr lang="nb-NO">
+              <a:latin typeface="Univers Condensed Light"/>
+            </a:rPr>
             <a:t>Verdien på temperatursensoren styrer hastigheten på viften.</a:t>
           </a:r>
         </a:p>
@@ -3102,14 +3558,14 @@
             <a:buNone/>
           </a:pPr>
           <a:r>
-            <a:rPr lang="nb-NO" sz="2300" kern="1200" dirty="0"/>
+            <a:rPr lang="nb-NO" sz="2300" kern="1200"/>
             <a:t>ADC og </a:t>
           </a:r>
           <a:r>
-            <a:rPr lang="nb-NO" sz="2300" kern="1200" dirty="0" err="1"/>
+            <a:rPr lang="nb-NO" sz="2300" kern="1200" err="1"/>
             <a:t>interrupt</a:t>
           </a:r>
-          <a:endParaRPr lang="nb-NO" sz="2300" kern="1200" dirty="0"/>
+          <a:endParaRPr lang="nb-NO" sz="2300" kern="1200"/>
         </a:p>
       </dsp:txBody>
       <dsp:txXfrm>
@@ -3221,7 +3677,7 @@
         </a:bodyPr>
         <a:lstStyle/>
         <a:p>
-          <a:pPr marL="0" lvl="0" indent="0" algn="l" defTabSz="1022350">
+          <a:pPr marL="0" lvl="0" indent="0" algn="l" defTabSz="1022350" rtl="0">
             <a:lnSpc>
               <a:spcPct val="90000"/>
             </a:lnSpc>
@@ -3236,6 +3692,12 @@
           <a:r>
             <a:rPr lang="nb-NO" sz="2300" kern="1200"/>
             <a:t>Timere</a:t>
+          </a:r>
+          <a:r>
+            <a:rPr lang="nb-NO" sz="2300" kern="1200">
+              <a:latin typeface="Univers Condensed Light"/>
+            </a:rPr>
+            <a:t> og PWM</a:t>
           </a:r>
         </a:p>
       </dsp:txBody>
@@ -3348,7 +3810,7 @@
         </a:bodyPr>
         <a:lstStyle/>
         <a:p>
-          <a:pPr marL="0" lvl="0" indent="0" algn="l" defTabSz="1022350">
+          <a:pPr marL="0" lvl="0" indent="0" algn="l" defTabSz="1022350" rtl="0">
             <a:lnSpc>
               <a:spcPct val="90000"/>
             </a:lnSpc>
@@ -3361,9 +3823,12 @@
             <a:buNone/>
           </a:pPr>
           <a:r>
-            <a:rPr lang="nb-NO" sz="2300" kern="1200"/>
-            <a:t>SPI</a:t>
+            <a:rPr lang="nb-NO" sz="2300" kern="1200">
+              <a:latin typeface="Univers Condensed Light"/>
+            </a:rPr>
+            <a:t>Seriell kommunikasjon</a:t>
           </a:r>
+          <a:endParaRPr lang="nb-NO" sz="2300" kern="1200"/>
         </a:p>
       </dsp:txBody>
       <dsp:txXfrm>
@@ -3618,10 +4083,14 @@
             <a:buNone/>
           </a:pPr>
           <a:r>
-            <a:rPr lang="nb-NO" sz="1300" kern="1200" dirty="0"/>
+            <a:rPr lang="nb-NO" sz="1300" kern="1200">
+              <a:latin typeface="Univers Condensed Light"/>
+            </a:rPr>
             <a:t>To sensorer: Potensiometer og temperatursensor, en motorvifte.</a:t>
           </a:r>
-          <a:endParaRPr lang="en-US" sz="1300" kern="1200" dirty="0"/>
+          <a:endParaRPr lang="en-US" sz="1300" kern="1200">
+            <a:latin typeface="Univers Condensed Light"/>
+          </a:endParaRPr>
         </a:p>
       </dsp:txBody>
       <dsp:txXfrm>
@@ -3737,10 +4206,14 @@
             <a:buNone/>
           </a:pPr>
           <a:r>
-            <a:rPr lang="nb-NO" sz="1300" kern="1200"/>
+            <a:rPr lang="nb-NO" sz="1300" kern="1200">
+              <a:latin typeface="Univers Condensed Light"/>
+            </a:rPr>
             <a:t>ADC for måling av sensorverdier.</a:t>
           </a:r>
-          <a:endParaRPr lang="en-US" sz="1300" kern="1200"/>
+          <a:endParaRPr lang="en-US" sz="1300" kern="1200">
+            <a:latin typeface="Univers Condensed Light"/>
+          </a:endParaRPr>
         </a:p>
       </dsp:txBody>
       <dsp:txXfrm>
@@ -3856,26 +4329,14 @@
             <a:buNone/>
           </a:pPr>
           <a:r>
-            <a:rPr lang="nb-NO" sz="1300" kern="1200" dirty="0"/>
-            <a:t>Temperatur </a:t>
+            <a:rPr lang="nb-NO" sz="1300" kern="1200">
+              <a:latin typeface="Univers Condensed Light"/>
+            </a:rPr>
+            <a:t>Temperatur printes til serial monitor via USART.</a:t>
           </a:r>
-          <a:r>
-            <a:rPr lang="nb-NO" sz="1300" kern="1200" dirty="0" err="1"/>
-            <a:t>printes</a:t>
-          </a:r>
-          <a:r>
-            <a:rPr lang="nb-NO" sz="1300" kern="1200" dirty="0"/>
-            <a:t> til </a:t>
-          </a:r>
-          <a:r>
-            <a:rPr lang="nb-NO" sz="1300" kern="1200" dirty="0" err="1"/>
-            <a:t>serial</a:t>
-          </a:r>
-          <a:r>
-            <a:rPr lang="nb-NO" sz="1300" kern="1200" dirty="0"/>
-            <a:t> monitor via USART.</a:t>
-          </a:r>
-          <a:endParaRPr lang="en-US" sz="1300" kern="1200" dirty="0"/>
+          <a:endParaRPr lang="en-US" sz="1300" kern="1200">
+            <a:latin typeface="Univers Condensed Light"/>
+          </a:endParaRPr>
         </a:p>
       </dsp:txBody>
       <dsp:txXfrm>
@@ -3991,10 +4452,14 @@
             <a:buNone/>
           </a:pPr>
           <a:r>
-            <a:rPr lang="nb-NO" sz="1300" kern="1200" dirty="0"/>
+            <a:rPr lang="nb-NO" sz="1300" kern="1200">
+              <a:latin typeface="Univers Condensed Light"/>
+            </a:rPr>
             <a:t>Dersom potensiometeret går over 30% av maksverdi skrus viftemotoren seg på.</a:t>
           </a:r>
-          <a:endParaRPr lang="en-US" sz="1300" kern="1200" dirty="0"/>
+          <a:endParaRPr lang="en-US" sz="1300" kern="1200">
+            <a:latin typeface="Univers Condensed Light"/>
+          </a:endParaRPr>
         </a:p>
       </dsp:txBody>
       <dsp:txXfrm>
@@ -4110,10 +4575,14 @@
             <a:buNone/>
           </a:pPr>
           <a:r>
-            <a:rPr lang="nb-NO" sz="1300" kern="1200" dirty="0"/>
+            <a:rPr lang="nb-NO" sz="1300" kern="1200">
+              <a:latin typeface="Univers Condensed Light"/>
+            </a:rPr>
             <a:t>Timer som styrer PWM for å drive viftemotoren.</a:t>
           </a:r>
-          <a:endParaRPr lang="en-US" sz="1300" kern="1200" dirty="0"/>
+          <a:endParaRPr lang="en-US" sz="1300" kern="1200">
+            <a:latin typeface="Univers Condensed Light"/>
+          </a:endParaRPr>
         </a:p>
       </dsp:txBody>
       <dsp:txXfrm>
@@ -4229,7 +4698,9 @@
             <a:buNone/>
           </a:pPr>
           <a:r>
-            <a:rPr lang="nb-NO" sz="1300" kern="1200" dirty="0"/>
+            <a:rPr lang="nb-NO" sz="1300" kern="1200">
+              <a:latin typeface="Univers Condensed Light"/>
+            </a:rPr>
             <a:t>Verdien på temperatursensoren styrer hastigheten på viften.</a:t>
           </a:r>
         </a:p>
@@ -6880,7 +7351,7 @@
           <a:p>
             <a:fld id="{11EAACC7-3B3F-47D1-959A-EF58926E955E}" type="datetimeFigureOut">
               <a:rPr lang="en-US" smtClean="0"/>
-              <a:t>5/3/2021</a:t>
+              <a:t>5/4/2021</a:t>
             </a:fld>
             <a:endParaRPr lang="en-US"/>
           </a:p>
@@ -7078,7 +7549,7 @@
           <a:p>
             <a:fld id="{11EAACC7-3B3F-47D1-959A-EF58926E955E}" type="datetimeFigureOut">
               <a:rPr lang="en-US" smtClean="0"/>
-              <a:t>5/3/2021</a:t>
+              <a:t>5/4/2021</a:t>
             </a:fld>
             <a:endParaRPr lang="en-US"/>
           </a:p>
@@ -7286,7 +7757,7 @@
           <a:p>
             <a:fld id="{11EAACC7-3B3F-47D1-959A-EF58926E955E}" type="datetimeFigureOut">
               <a:rPr lang="en-US" smtClean="0"/>
-              <a:t>5/3/2021</a:t>
+              <a:t>5/4/2021</a:t>
             </a:fld>
             <a:endParaRPr lang="en-US"/>
           </a:p>
@@ -7515,7 +7986,7 @@
           <a:p>
             <a:fld id="{11EAACC7-3B3F-47D1-959A-EF58926E955E}" type="datetimeFigureOut">
               <a:rPr lang="en-US" smtClean="0"/>
-              <a:t>5/3/2021</a:t>
+              <a:t>5/4/2021</a:t>
             </a:fld>
             <a:endParaRPr lang="en-US" dirty="0"/>
           </a:p>
@@ -7790,7 +8261,7 @@
           <a:p>
             <a:fld id="{11EAACC7-3B3F-47D1-959A-EF58926E955E}" type="datetimeFigureOut">
               <a:rPr lang="en-US" smtClean="0"/>
-              <a:t>5/3/2021</a:t>
+              <a:t>5/4/2021</a:t>
             </a:fld>
             <a:endParaRPr lang="en-US"/>
           </a:p>
@@ -8056,7 +8527,7 @@
           <a:p>
             <a:fld id="{11EAACC7-3B3F-47D1-959A-EF58926E955E}" type="datetimeFigureOut">
               <a:rPr lang="en-US" smtClean="0"/>
-              <a:t>5/3/2021</a:t>
+              <a:t>5/4/2021</a:t>
             </a:fld>
             <a:endParaRPr lang="en-US"/>
           </a:p>
@@ -8473,7 +8944,7 @@
           <a:p>
             <a:fld id="{11EAACC7-3B3F-47D1-959A-EF58926E955E}" type="datetimeFigureOut">
               <a:rPr lang="en-US" smtClean="0"/>
-              <a:t>5/3/2021</a:t>
+              <a:t>5/4/2021</a:t>
             </a:fld>
             <a:endParaRPr lang="en-US"/>
           </a:p>
@@ -8614,7 +9085,7 @@
           <a:p>
             <a:fld id="{11EAACC7-3B3F-47D1-959A-EF58926E955E}" type="datetimeFigureOut">
               <a:rPr lang="en-US" smtClean="0"/>
-              <a:t>5/3/2021</a:t>
+              <a:t>5/4/2021</a:t>
             </a:fld>
             <a:endParaRPr lang="en-US"/>
           </a:p>
@@ -8727,7 +9198,7 @@
           <a:p>
             <a:fld id="{11EAACC7-3B3F-47D1-959A-EF58926E955E}" type="datetimeFigureOut">
               <a:rPr lang="en-US" smtClean="0"/>
-              <a:t>5/3/2021</a:t>
+              <a:t>5/4/2021</a:t>
             </a:fld>
             <a:endParaRPr lang="en-US"/>
           </a:p>
@@ -9038,7 +9509,7 @@
           <a:p>
             <a:fld id="{11EAACC7-3B3F-47D1-959A-EF58926E955E}" type="datetimeFigureOut">
               <a:rPr lang="en-US" smtClean="0"/>
-              <a:t>5/3/2021</a:t>
+              <a:t>5/4/2021</a:t>
             </a:fld>
             <a:endParaRPr lang="en-US"/>
           </a:p>
@@ -9329,7 +9800,7 @@
           <a:p>
             <a:fld id="{11EAACC7-3B3F-47D1-959A-EF58926E955E}" type="datetimeFigureOut">
               <a:rPr lang="en-US" smtClean="0"/>
-              <a:t>5/3/2021</a:t>
+              <a:t>5/4/2021</a:t>
             </a:fld>
             <a:endParaRPr lang="en-US"/>
           </a:p>
@@ -9886,7 +10357,7 @@
           <a:p>
             <a:fld id="{11EAACC7-3B3F-47D1-959A-EF58926E955E}" type="datetimeFigureOut">
               <a:rPr lang="en-US" smtClean="0"/>
-              <a:t>5/3/2021</a:t>
+              <a:t>5/4/2021</a:t>
             </a:fld>
             <a:endParaRPr lang="en-US"/>
           </a:p>
@@ -10571,7 +11042,7 @@
           </a:xfrm>
         </p:spPr>
         <p:txBody>
-          <a:bodyPr>
+          <a:bodyPr vert="horz" lIns="91440" tIns="45720" rIns="91440" bIns="45720" rtlCol="0" anchor="t">
             <a:normAutofit/>
           </a:bodyPr>
           <a:lstStyle/>
@@ -10839,6 +11310,14 @@
 <file path=ppt/slides/slide10.xml><?xml version="1.0" encoding="utf-8"?>
 <p:sld xmlns:a="http://schemas.openxmlformats.org/drawingml/2006/main" xmlns:r="http://schemas.openxmlformats.org/officeDocument/2006/relationships" xmlns:p="http://schemas.openxmlformats.org/presentationml/2006/main">
   <p:cSld>
+    <p:bg>
+      <p:bgPr>
+        <a:solidFill>
+          <a:schemeClr val="bg1"/>
+        </a:solidFill>
+        <a:effectLst/>
+      </p:bgPr>
+    </p:bg>
     <p:spTree>
       <p:nvGrpSpPr>
         <p:cNvPr id="1" name=""/>
@@ -10853,6 +11332,145 @@
           <a:chExt cx="0" cy="0"/>
         </a:xfrm>
       </p:grpSpPr>
+      <p:sp useBgFill="1">
+        <p:nvSpPr>
+          <p:cNvPr id="8" name="Rectangle 7">
+            <a:extLst>
+              <a:ext uri="{FF2B5EF4-FFF2-40B4-BE49-F238E27FC236}">
+                <a16:creationId xmlns:a16="http://schemas.microsoft.com/office/drawing/2014/main" id="{81775E6C-9FE7-4AE4-ABE7-2568D95DEAE0}"/>
+              </a:ext>
+              <a:ext uri="{C183D7F6-B498-43B3-948B-1728B52AA6E4}">
+                <adec:decorative xmlns:adec="http://schemas.microsoft.com/office/drawing/2017/decorative" val="1"/>
+              </a:ext>
+            </a:extLst>
+          </p:cNvPr>
+          <p:cNvSpPr>
+            <a:spLocks noGrp="1" noRot="1" noChangeAspect="1" noMove="1" noResize="1" noEditPoints="1" noAdjustHandles="1" noChangeArrowheads="1" noChangeShapeType="1" noTextEdit="1"/>
+          </p:cNvSpPr>
+          <p:nvPr>
+            <p:extLst>
+              <p:ext uri="{386F3935-93C4-4BCD-93E2-E3B085C9AB24}">
+                <p16:designElem xmlns:p16="http://schemas.microsoft.com/office/powerpoint/2015/main" val="1"/>
+              </p:ext>
+            </p:extLst>
+          </p:nvPr>
+        </p:nvSpPr>
+        <p:spPr>
+          <a:xfrm>
+            <a:off x="0" y="0"/>
+            <a:ext cx="12192000" cy="6858000"/>
+          </a:xfrm>
+          <a:prstGeom prst="rect">
+            <a:avLst/>
+          </a:prstGeom>
+          <a:ln w="12700" cap="flat" cmpd="sng" algn="ctr">
+            <a:noFill/>
+            <a:prstDash val="solid"/>
+            <a:miter lim="800000"/>
+          </a:ln>
+          <a:effectLst/>
+          <a:extLst>
+            <a:ext uri="{91240B29-F687-4F45-9708-019B960494DF}">
+              <a14:hiddenLine xmlns:a14="http://schemas.microsoft.com/office/drawing/2010/main" w="12700" cap="flat" cmpd="sng" algn="ctr">
+                <a:solidFill>
+                  <a:schemeClr val="accent1">
+                    <a:shade val="50000"/>
+                  </a:schemeClr>
+                </a:solidFill>
+                <a:prstDash val="solid"/>
+                <a:miter lim="800000"/>
+              </a14:hiddenLine>
+            </a:ext>
+          </a:extLst>
+        </p:spPr>
+        <p:style>
+          <a:lnRef idx="2">
+            <a:schemeClr val="accent1">
+              <a:shade val="50000"/>
+            </a:schemeClr>
+          </a:lnRef>
+          <a:fillRef idx="1">
+            <a:schemeClr val="accent1"/>
+          </a:fillRef>
+          <a:effectRef idx="0">
+            <a:schemeClr val="accent1"/>
+          </a:effectRef>
+          <a:fontRef idx="minor">
+            <a:schemeClr val="lt1"/>
+          </a:fontRef>
+        </p:style>
+        <p:txBody>
+          <a:bodyPr rtlCol="0" anchor="ctr"/>
+          <a:lstStyle/>
+          <a:p>
+            <a:pPr algn="ctr"/>
+            <a:endParaRPr lang="en-US"/>
+          </a:p>
+        </p:txBody>
+      </p:sp>
+      <p:sp>
+        <p:nvSpPr>
+          <p:cNvPr id="10" name="Rectangle 9">
+            <a:extLst>
+              <a:ext uri="{FF2B5EF4-FFF2-40B4-BE49-F238E27FC236}">
+                <a16:creationId xmlns:a16="http://schemas.microsoft.com/office/drawing/2014/main" id="{6F1D8699-067D-4768-9F87-3E302B3797BC}"/>
+              </a:ext>
+              <a:ext uri="{C183D7F6-B498-43B3-948B-1728B52AA6E4}">
+                <adec:decorative xmlns:adec="http://schemas.microsoft.com/office/drawing/2017/decorative" val="1"/>
+              </a:ext>
+            </a:extLst>
+          </p:cNvPr>
+          <p:cNvSpPr>
+            <a:spLocks noGrp="1" noRot="1" noChangeAspect="1" noMove="1" noResize="1" noEditPoints="1" noAdjustHandles="1" noChangeArrowheads="1" noChangeShapeType="1" noTextEdit="1"/>
+          </p:cNvSpPr>
+          <p:nvPr>
+            <p:extLst>
+              <p:ext uri="{386F3935-93C4-4BCD-93E2-E3B085C9AB24}">
+                <p16:designElem xmlns:p16="http://schemas.microsoft.com/office/powerpoint/2015/main" val="1"/>
+              </p:ext>
+            </p:extLst>
+          </p:nvPr>
+        </p:nvSpPr>
+        <p:spPr>
+          <a:xfrm>
+            <a:off x="0" y="0"/>
+            <a:ext cx="12192000" cy="6858000"/>
+          </a:xfrm>
+          <a:prstGeom prst="rect">
+            <a:avLst/>
+          </a:prstGeom>
+          <a:solidFill>
+            <a:schemeClr val="bg2"/>
+          </a:solidFill>
+          <a:ln>
+            <a:noFill/>
+          </a:ln>
+        </p:spPr>
+        <p:style>
+          <a:lnRef idx="2">
+            <a:schemeClr val="accent1">
+              <a:shade val="50000"/>
+            </a:schemeClr>
+          </a:lnRef>
+          <a:fillRef idx="1">
+            <a:schemeClr val="accent1"/>
+          </a:fillRef>
+          <a:effectRef idx="0">
+            <a:schemeClr val="accent1"/>
+          </a:effectRef>
+          <a:fontRef idx="minor">
+            <a:schemeClr val="lt1"/>
+          </a:fontRef>
+        </p:style>
+        <p:txBody>
+          <a:bodyPr rtlCol="0" anchor="ctr"/>
+          <a:lstStyle/>
+          <a:p>
+            <a:pPr algn="ctr"/>
+            <a:endParaRPr lang="en-US"/>
+          </a:p>
+        </p:txBody>
+      </p:sp>
       <p:sp>
         <p:nvSpPr>
           <p:cNvPr id="2" name="Tittel 1">
@@ -10869,9 +11487,16 @@
             <p:ph type="title"/>
           </p:nvPr>
         </p:nvSpPr>
-        <p:spPr/>
+        <p:spPr>
+          <a:xfrm>
+            <a:off x="1129553" y="533401"/>
+            <a:ext cx="8695167" cy="1677894"/>
+          </a:xfrm>
+        </p:spPr>
         <p:txBody>
-          <a:bodyPr/>
+          <a:bodyPr>
+            <a:normAutofit/>
+          </a:bodyPr>
           <a:lstStyle/>
           <a:p>
             <a:r>
@@ -10881,6 +11506,60 @@
           </a:p>
         </p:txBody>
       </p:sp>
+      <p:cxnSp>
+        <p:nvCxnSpPr>
+          <p:cNvPr id="12" name="Straight Connector 11">
+            <a:extLst>
+              <a:ext uri="{FF2B5EF4-FFF2-40B4-BE49-F238E27FC236}">
+                <a16:creationId xmlns:a16="http://schemas.microsoft.com/office/drawing/2014/main" id="{E8A66062-E0FE-4EE7-9840-EC05B87ACF47}"/>
+              </a:ext>
+              <a:ext uri="{C183D7F6-B498-43B3-948B-1728B52AA6E4}">
+                <adec:decorative xmlns:adec="http://schemas.microsoft.com/office/drawing/2017/decorative" val="1"/>
+              </a:ext>
+            </a:extLst>
+          </p:cNvPr>
+          <p:cNvCxnSpPr>
+            <a:cxnSpLocks noGrp="1" noRot="1" noChangeAspect="1" noMove="1" noResize="1" noEditPoints="1" noAdjustHandles="1" noChangeArrowheads="1" noChangeShapeType="1"/>
+          </p:cNvCxnSpPr>
+          <p:nvPr>
+            <p:extLst>
+              <p:ext uri="{386F3935-93C4-4BCD-93E2-E3B085C9AB24}">
+                <p16:designElem xmlns:p16="http://schemas.microsoft.com/office/powerpoint/2015/main" val="1"/>
+              </p:ext>
+            </p:extLst>
+          </p:nvPr>
+        </p:nvCxnSpPr>
+        <p:spPr>
+          <a:xfrm flipH="1">
+            <a:off x="0" y="0"/>
+            <a:ext cx="4358640" cy="533400"/>
+          </a:xfrm>
+          <a:prstGeom prst="line">
+            <a:avLst/>
+          </a:prstGeom>
+          <a:ln w="12700">
+            <a:solidFill>
+              <a:schemeClr val="accent2">
+                <a:alpha val="70000"/>
+              </a:schemeClr>
+            </a:solidFill>
+          </a:ln>
+        </p:spPr>
+        <p:style>
+          <a:lnRef idx="1">
+            <a:schemeClr val="accent1"/>
+          </a:lnRef>
+          <a:fillRef idx="0">
+            <a:schemeClr val="accent1"/>
+          </a:fillRef>
+          <a:effectRef idx="0">
+            <a:schemeClr val="accent1"/>
+          </a:effectRef>
+          <a:fontRef idx="minor">
+            <a:schemeClr val="tx1"/>
+          </a:fontRef>
+        </p:style>
+      </p:cxnSp>
       <p:sp>
         <p:nvSpPr>
           <p:cNvPr id="3" name="Plassholder for innhold 2">
@@ -10897,18 +11576,309 @@
             <p:ph idx="1"/>
           </p:nvPr>
         </p:nvSpPr>
-        <p:spPr/>
+        <p:spPr>
+          <a:xfrm>
+            <a:off x="1129554" y="2211294"/>
+            <a:ext cx="9299688" cy="3869766"/>
+          </a:xfrm>
+        </p:spPr>
         <p:txBody>
-          <a:bodyPr/>
+          <a:bodyPr vert="horz" lIns="91440" tIns="45720" rIns="91440" bIns="45720" rtlCol="0" anchor="ctr">
+            <a:normAutofit/>
+          </a:bodyPr>
           <a:lstStyle/>
           <a:p>
             <a:r>
               <a:rPr lang="nb-NO" dirty="0"/>
-              <a:t>Dette er et avkjølingsprogram. Programmet overvåker både temperatur, og mekanisk endring som resultat av økt temperatur. Dette fungerer som en ekstra sikkerhetsfunksjon dersom temperatursensoren er for dårlig eller blir ødelagt. </a:t>
+              <a:t>Dette er et avkjølingsprogram. Programmet overvåker både temperatur, og mekanisk endring som resultat av økt temperatur. </a:t>
+            </a:r>
+            <a:endParaRPr lang="en-US"/>
+          </a:p>
+          <a:p>
+            <a:r>
+              <a:rPr lang="nb-NO"/>
+              <a:t>Sammenhengen mellom temperaturmålingen og viftehastigheten fungerer i praksis likt som en CPU-vifte i en PC. En kan se for seg å videreutvikle/tilpasse programmet til å brukes i denne typen elektronikk.</a:t>
+            </a:r>
+            <a:endParaRPr lang="nb-NO" dirty="0"/>
+          </a:p>
+          <a:p>
+            <a:r>
+              <a:rPr lang="nb-NO"/>
+              <a:t>Programmet er laget for å lett kunne legge til flere inputkanaler i ADC-avlesningen. Det eneste som trengs er å legge til en ekstra case i Switch-case-strukturen i ISR-funksjonen. Man må i så fall også lage en annen metode for svitsjing av inputkanaler som for eksempel en for-løkke. </a:t>
             </a:r>
           </a:p>
         </p:txBody>
       </p:sp>
+      <p:cxnSp>
+        <p:nvCxnSpPr>
+          <p:cNvPr id="14" name="Straight Connector 13">
+            <a:extLst>
+              <a:ext uri="{FF2B5EF4-FFF2-40B4-BE49-F238E27FC236}">
+                <a16:creationId xmlns:a16="http://schemas.microsoft.com/office/drawing/2014/main" id="{7A364443-B44B-44C9-B8C4-AED23CB62151}"/>
+              </a:ext>
+              <a:ext uri="{C183D7F6-B498-43B3-948B-1728B52AA6E4}">
+                <adec:decorative xmlns:adec="http://schemas.microsoft.com/office/drawing/2017/decorative" val="1"/>
+              </a:ext>
+            </a:extLst>
+          </p:cNvPr>
+          <p:cNvCxnSpPr>
+            <a:cxnSpLocks noGrp="1" noRot="1" noChangeAspect="1" noMove="1" noResize="1" noEditPoints="1" noAdjustHandles="1" noChangeArrowheads="1" noChangeShapeType="1"/>
+          </p:cNvCxnSpPr>
+          <p:nvPr>
+            <p:extLst>
+              <p:ext uri="{386F3935-93C4-4BCD-93E2-E3B085C9AB24}">
+                <p16:designElem xmlns:p16="http://schemas.microsoft.com/office/powerpoint/2015/main" val="1"/>
+              </p:ext>
+            </p:extLst>
+          </p:nvPr>
+        </p:nvCxnSpPr>
+        <p:spPr>
+          <a:xfrm flipH="1">
+            <a:off x="0" y="-10633"/>
+            <a:ext cx="1398104" cy="4450553"/>
+          </a:xfrm>
+          <a:prstGeom prst="line">
+            <a:avLst/>
+          </a:prstGeom>
+          <a:ln w="12700">
+            <a:solidFill>
+              <a:schemeClr val="accent2">
+                <a:alpha val="70000"/>
+              </a:schemeClr>
+            </a:solidFill>
+          </a:ln>
+        </p:spPr>
+        <p:style>
+          <a:lnRef idx="1">
+            <a:schemeClr val="accent1"/>
+          </a:lnRef>
+          <a:fillRef idx="0">
+            <a:schemeClr val="accent1"/>
+          </a:fillRef>
+          <a:effectRef idx="0">
+            <a:schemeClr val="accent1"/>
+          </a:effectRef>
+          <a:fontRef idx="minor">
+            <a:schemeClr val="tx1"/>
+          </a:fontRef>
+        </p:style>
+      </p:cxnSp>
+      <p:cxnSp>
+        <p:nvCxnSpPr>
+          <p:cNvPr id="16" name="Straight Connector 15">
+            <a:extLst>
+              <a:ext uri="{FF2B5EF4-FFF2-40B4-BE49-F238E27FC236}">
+                <a16:creationId xmlns:a16="http://schemas.microsoft.com/office/drawing/2014/main" id="{B3087726-EFA7-48B6-8527-80902BB5587C}"/>
+              </a:ext>
+              <a:ext uri="{C183D7F6-B498-43B3-948B-1728B52AA6E4}">
+                <adec:decorative xmlns:adec="http://schemas.microsoft.com/office/drawing/2017/decorative" val="1"/>
+              </a:ext>
+            </a:extLst>
+          </p:cNvPr>
+          <p:cNvCxnSpPr>
+            <a:cxnSpLocks noGrp="1" noRot="1" noChangeAspect="1" noMove="1" noResize="1" noEditPoints="1" noAdjustHandles="1" noChangeArrowheads="1" noChangeShapeType="1"/>
+          </p:cNvCxnSpPr>
+          <p:nvPr>
+            <p:extLst>
+              <p:ext uri="{386F3935-93C4-4BCD-93E2-E3B085C9AB24}">
+                <p16:designElem xmlns:p16="http://schemas.microsoft.com/office/powerpoint/2015/main" val="1"/>
+              </p:ext>
+            </p:extLst>
+          </p:nvPr>
+        </p:nvCxnSpPr>
+        <p:spPr>
+          <a:xfrm flipH="1" flipV="1">
+            <a:off x="10282519" y="-10633"/>
+            <a:ext cx="1909481" cy="5054774"/>
+          </a:xfrm>
+          <a:prstGeom prst="line">
+            <a:avLst/>
+          </a:prstGeom>
+          <a:ln w="12700">
+            <a:solidFill>
+              <a:schemeClr val="accent2">
+                <a:alpha val="70000"/>
+              </a:schemeClr>
+            </a:solidFill>
+          </a:ln>
+        </p:spPr>
+        <p:style>
+          <a:lnRef idx="1">
+            <a:schemeClr val="accent1"/>
+          </a:lnRef>
+          <a:fillRef idx="0">
+            <a:schemeClr val="accent1"/>
+          </a:fillRef>
+          <a:effectRef idx="0">
+            <a:schemeClr val="accent1"/>
+          </a:effectRef>
+          <a:fontRef idx="minor">
+            <a:schemeClr val="tx1"/>
+          </a:fontRef>
+        </p:style>
+      </p:cxnSp>
+      <p:cxnSp>
+        <p:nvCxnSpPr>
+          <p:cNvPr id="18" name="Straight Connector 17">
+            <a:extLst>
+              <a:ext uri="{FF2B5EF4-FFF2-40B4-BE49-F238E27FC236}">
+                <a16:creationId xmlns:a16="http://schemas.microsoft.com/office/drawing/2014/main" id="{384CA14D-52DC-4F3C-A1CE-235B99A179A8}"/>
+              </a:ext>
+              <a:ext uri="{C183D7F6-B498-43B3-948B-1728B52AA6E4}">
+                <adec:decorative xmlns:adec="http://schemas.microsoft.com/office/drawing/2017/decorative" val="1"/>
+              </a:ext>
+            </a:extLst>
+          </p:cNvPr>
+          <p:cNvCxnSpPr>
+            <a:cxnSpLocks noGrp="1" noRot="1" noChangeAspect="1" noMove="1" noResize="1" noEditPoints="1" noAdjustHandles="1" noChangeArrowheads="1" noChangeShapeType="1"/>
+          </p:cNvCxnSpPr>
+          <p:nvPr>
+            <p:extLst>
+              <p:ext uri="{386F3935-93C4-4BCD-93E2-E3B085C9AB24}">
+                <p16:designElem xmlns:p16="http://schemas.microsoft.com/office/powerpoint/2015/main" val="1"/>
+              </p:ext>
+            </p:extLst>
+          </p:nvPr>
+        </p:nvCxnSpPr>
+        <p:spPr>
+          <a:xfrm flipH="1" flipV="1">
+            <a:off x="6502400" y="0"/>
+            <a:ext cx="5689600" cy="1633425"/>
+          </a:xfrm>
+          <a:prstGeom prst="line">
+            <a:avLst/>
+          </a:prstGeom>
+          <a:ln w="12700">
+            <a:solidFill>
+              <a:schemeClr val="accent2">
+                <a:alpha val="70000"/>
+              </a:schemeClr>
+            </a:solidFill>
+          </a:ln>
+        </p:spPr>
+        <p:style>
+          <a:lnRef idx="1">
+            <a:schemeClr val="accent1"/>
+          </a:lnRef>
+          <a:fillRef idx="0">
+            <a:schemeClr val="accent1"/>
+          </a:fillRef>
+          <a:effectRef idx="0">
+            <a:schemeClr val="accent1"/>
+          </a:effectRef>
+          <a:fontRef idx="minor">
+            <a:schemeClr val="tx1"/>
+          </a:fontRef>
+        </p:style>
+      </p:cxnSp>
+      <p:cxnSp>
+        <p:nvCxnSpPr>
+          <p:cNvPr id="20" name="Straight Connector 19">
+            <a:extLst>
+              <a:ext uri="{FF2B5EF4-FFF2-40B4-BE49-F238E27FC236}">
+                <a16:creationId xmlns:a16="http://schemas.microsoft.com/office/drawing/2014/main" id="{A3B4C179-2540-4304-9C9C-2AAAA53EFDC7}"/>
+              </a:ext>
+              <a:ext uri="{C183D7F6-B498-43B3-948B-1728B52AA6E4}">
+                <adec:decorative xmlns:adec="http://schemas.microsoft.com/office/drawing/2017/decorative" val="1"/>
+              </a:ext>
+            </a:extLst>
+          </p:cNvPr>
+          <p:cNvCxnSpPr>
+            <a:cxnSpLocks noGrp="1" noRot="1" noChangeAspect="1" noMove="1" noResize="1" noEditPoints="1" noAdjustHandles="1" noChangeArrowheads="1" noChangeShapeType="1"/>
+          </p:cNvCxnSpPr>
+          <p:nvPr>
+            <p:extLst>
+              <p:ext uri="{386F3935-93C4-4BCD-93E2-E3B085C9AB24}">
+                <p16:designElem xmlns:p16="http://schemas.microsoft.com/office/powerpoint/2015/main" val="1"/>
+              </p:ext>
+            </p:extLst>
+          </p:nvPr>
+        </p:nvCxnSpPr>
+        <p:spPr>
+          <a:xfrm flipH="1" flipV="1">
+            <a:off x="0" y="5718313"/>
+            <a:ext cx="5357757" cy="1150320"/>
+          </a:xfrm>
+          <a:prstGeom prst="line">
+            <a:avLst/>
+          </a:prstGeom>
+          <a:ln w="12700">
+            <a:solidFill>
+              <a:schemeClr val="accent2">
+                <a:alpha val="70000"/>
+              </a:schemeClr>
+            </a:solidFill>
+          </a:ln>
+        </p:spPr>
+        <p:style>
+          <a:lnRef idx="1">
+            <a:schemeClr val="accent1"/>
+          </a:lnRef>
+          <a:fillRef idx="0">
+            <a:schemeClr val="accent1"/>
+          </a:fillRef>
+          <a:effectRef idx="0">
+            <a:schemeClr val="accent1"/>
+          </a:effectRef>
+          <a:fontRef idx="minor">
+            <a:schemeClr val="tx1"/>
+          </a:fontRef>
+        </p:style>
+      </p:cxnSp>
+      <p:cxnSp>
+        <p:nvCxnSpPr>
+          <p:cNvPr id="22" name="Straight Connector 21">
+            <a:extLst>
+              <a:ext uri="{FF2B5EF4-FFF2-40B4-BE49-F238E27FC236}">
+                <a16:creationId xmlns:a16="http://schemas.microsoft.com/office/drawing/2014/main" id="{C5950BAB-F521-4A52-A263-D105789771E6}"/>
+              </a:ext>
+              <a:ext uri="{C183D7F6-B498-43B3-948B-1728B52AA6E4}">
+                <adec:decorative xmlns:adec="http://schemas.microsoft.com/office/drawing/2017/decorative" val="1"/>
+              </a:ext>
+            </a:extLst>
+          </p:cNvPr>
+          <p:cNvCxnSpPr>
+            <a:cxnSpLocks noGrp="1" noRot="1" noChangeAspect="1" noMove="1" noResize="1" noEditPoints="1" noAdjustHandles="1" noChangeArrowheads="1" noChangeShapeType="1"/>
+          </p:cNvCxnSpPr>
+          <p:nvPr>
+            <p:extLst>
+              <p:ext uri="{386F3935-93C4-4BCD-93E2-E3B085C9AB24}">
+                <p16:designElem xmlns:p16="http://schemas.microsoft.com/office/powerpoint/2015/main" val="1"/>
+              </p:ext>
+            </p:extLst>
+          </p:nvPr>
+        </p:nvCxnSpPr>
+        <p:spPr>
+          <a:xfrm flipH="1">
+            <a:off x="8779565" y="6033977"/>
+            <a:ext cx="3412435" cy="834656"/>
+          </a:xfrm>
+          <a:prstGeom prst="line">
+            <a:avLst/>
+          </a:prstGeom>
+          <a:ln w="12700">
+            <a:solidFill>
+              <a:schemeClr val="accent2">
+                <a:alpha val="70000"/>
+              </a:schemeClr>
+            </a:solidFill>
+          </a:ln>
+        </p:spPr>
+        <p:style>
+          <a:lnRef idx="1">
+            <a:schemeClr val="accent1"/>
+          </a:lnRef>
+          <a:fillRef idx="0">
+            <a:schemeClr val="accent1"/>
+          </a:fillRef>
+          <a:effectRef idx="0">
+            <a:schemeClr val="accent1"/>
+          </a:effectRef>
+          <a:fontRef idx="minor">
+            <a:schemeClr val="tx1"/>
+          </a:fontRef>
+        </p:style>
+      </p:cxnSp>
     </p:spTree>
     <p:extLst>
       <p:ext uri="{BB962C8B-B14F-4D97-AF65-F5344CB8AC3E}">
@@ -11223,7 +12193,7 @@
           <a:lstStyle/>
           <a:p>
             <a:pPr algn="ctr"/>
-            <a:endParaRPr lang="en-US" dirty="0"/>
+            <a:endParaRPr lang="en-US"/>
           </a:p>
         </p:txBody>
       </p:sp>
@@ -11256,7 +12226,7 @@
           <a:lstStyle/>
           <a:p>
             <a:r>
-              <a:rPr lang="nb-NO" dirty="0"/>
+              <a:rPr lang="nb-NO"/>
               <a:t>Innhold</a:t>
             </a:r>
           </a:p>
@@ -11837,8 +12807,8 @@
         </p:nvSpPr>
         <p:spPr/>
         <p:txBody>
-          <a:bodyPr>
-            <a:normAutofit/>
+          <a:bodyPr vert="horz" lIns="91440" tIns="45720" rIns="91440" bIns="45720" rtlCol="0" anchor="t">
+            <a:normAutofit lnSpcReduction="10000"/>
           </a:bodyPr>
           <a:lstStyle/>
           <a:p>
@@ -11866,22 +12836,21 @@
             </a:r>
             <a:r>
               <a:rPr lang="nb-NO" dirty="0"/>
-              <a:t> mellom de to sensorpinnene kontinuerlig. </a:t>
-            </a:r>
-          </a:p>
-          <a:p>
+              <a:t> mellom de to sensorpinnene </a:t>
+            </a:r>
+            <a:r>
+              <a:rPr lang="nb-NO"/>
+              <a:t>etter hver avlesning</a:t>
+            </a:r>
             <a:r>
               <a:rPr lang="nb-NO" dirty="0"/>
-              <a:t>Kort main-funksjon. </a:t>
-            </a:r>
-            <a:r>
-              <a:rPr lang="nb-NO" dirty="0" err="1"/>
-              <a:t>Initialiserer</a:t>
-            </a:r>
-            <a:r>
-              <a:rPr lang="nb-NO" dirty="0"/>
-              <a:t> og kjører første ADC-konvertering en gang.</a:t>
-            </a:r>
+              <a:t>.</a:t>
+            </a:r>
+            <a:r>
+              <a:rPr lang="nb-NO"/>
+              <a:t> </a:t>
+            </a:r>
+            <a:endParaRPr lang="nb-NO" dirty="0"/>
           </a:p>
           <a:p>
             <a:r>
@@ -11912,7 +12881,15 @@
             </a:r>
             <a:r>
               <a:rPr lang="nb-NO" dirty="0"/>
-              <a:t>-funksjonen. Sjekker hvilken pin som er blitt lest av. </a:t>
+              <a:t>-funksjonen. Sjekker hvilken pin som er blitt lest av</a:t>
+            </a:r>
+            <a:r>
+              <a:rPr lang="nb-NO"/>
+              <a:t> og lagrer avlesningsverdi</a:t>
+            </a:r>
+            <a:r>
+              <a:rPr lang="nb-NO" dirty="0"/>
+              <a:t>. </a:t>
             </a:r>
             <a:r>
               <a:rPr lang="nb-NO" dirty="0" err="1"/>
@@ -11920,7 +12897,47 @@
             </a:r>
             <a:r>
               <a:rPr lang="nb-NO" dirty="0"/>
-              <a:t> inngangspinne før neste avlesning. </a:t>
+              <a:t> inngangspinne før neste avlesning.</a:t>
+            </a:r>
+            <a:r>
+              <a:rPr lang="nb-NO"/>
+              <a:t> </a:t>
+            </a:r>
+          </a:p>
+          <a:p>
+            <a:r>
+              <a:rPr lang="nb-NO"/>
+              <a:t>Leser av sensorverdi med ADC-registeret. Bruker right </a:t>
+            </a:r>
+            <a:r>
+              <a:rPr lang="nb-NO" err="1"/>
+              <a:t>adjusting</a:t>
+            </a:r>
+            <a:r>
+              <a:rPr lang="nb-NO"/>
+              <a:t> resultatbits som </a:t>
+            </a:r>
+            <a:r>
+              <a:rPr lang="nb-NO" err="1"/>
+              <a:t>default</a:t>
+            </a:r>
+            <a:r>
+              <a:rPr lang="nb-NO"/>
+              <a:t>. </a:t>
+            </a:r>
+          </a:p>
+          <a:p>
+            <a:r>
+              <a:rPr lang="nb-NO"/>
+              <a:t>Bruker </a:t>
+            </a:r>
+            <a:r>
+              <a:rPr lang="nb-NO" err="1"/>
+              <a:t>prescaler</a:t>
+            </a:r>
+            <a:r>
+              <a:rPr lang="nb-NO"/>
+              <a:t> på 128, dette gir 125 kHz.</a:t>
             </a:r>
           </a:p>
         </p:txBody>
@@ -12342,7 +13359,7 @@
         </p:spPr>
         <p:txBody>
           <a:bodyPr anchor="ctr">
-            <a:normAutofit/>
+            <a:normAutofit lnSpcReduction="10000"/>
           </a:bodyPr>
           <a:lstStyle/>
           <a:p>
@@ -12411,15 +13428,27 @@
             </a:r>
             <a:r>
               <a:rPr lang="nb-NO" dirty="0"/>
-              <a:t>) trigges når konverteringen er ferdig. Kan ikke spesifisere noe nærmere enn det. Må derfor sortere hvilke verdier som er relevante </a:t>
+              <a:t>) trigges når konverteringen er ferdig.</a:t>
+            </a:r>
+            <a:r>
+              <a:rPr lang="nb-NO"/>
+              <a:t> </a:t>
+            </a:r>
+            <a:r>
+              <a:rPr lang="nb-NO" dirty="0"/>
+              <a:t>Må derfor sortere hvilke verdier som er relevante </a:t>
             </a:r>
             <a:r>
               <a:rPr lang="nb-NO" i="1" dirty="0"/>
               <a:t>etter</a:t>
             </a:r>
             <a:r>
+              <a:rPr lang="nb-NO"/>
+              <a:t> </a:t>
+            </a:r>
+            <a:r>
               <a:rPr lang="nb-NO" dirty="0"/>
-              <a:t>  </a:t>
+              <a:t> </a:t>
             </a:r>
             <a:r>
               <a:rPr lang="nb-NO" dirty="0" err="1"/>
@@ -12458,6 +13487,17 @@
             <a:r>
               <a:rPr lang="nb-NO" dirty="0"/>
               <a:t>Anbefalt å ha så korte ISR-funksjoner som mulig. Switch-case-strukturen er likevel relativt kort.</a:t>
+            </a:r>
+          </a:p>
+          <a:p>
+            <a:pPr>
+              <a:lnSpc>
+                <a:spcPct val="90000"/>
+              </a:lnSpc>
+            </a:pPr>
+            <a:r>
+              <a:rPr lang="nb-NO"/>
+              <a:t>Anbefalt å bruke frekvens på 50-200 kHz for full oppløsning. Lavere frekvens betyr mer nøyaktighet.</a:t>
             </a:r>
           </a:p>
         </p:txBody>
@@ -12586,6 +13626,14 @@
 <file path=ppt/slides/slide6.xml><?xml version="1.0" encoding="utf-8"?>
 <p:sld xmlns:a="http://schemas.openxmlformats.org/drawingml/2006/main" xmlns:r="http://schemas.openxmlformats.org/officeDocument/2006/relationships" xmlns:p="http://schemas.openxmlformats.org/presentationml/2006/main">
   <p:cSld>
+    <p:bg>
+      <p:bgPr>
+        <a:solidFill>
+          <a:schemeClr val="bg1"/>
+        </a:solidFill>
+        <a:effectLst/>
+      </p:bgPr>
+    </p:bg>
     <p:spTree>
       <p:nvGrpSpPr>
         <p:cNvPr id="1" name=""/>
@@ -12600,6 +13648,82 @@
           <a:chExt cx="0" cy="0"/>
         </a:xfrm>
       </p:grpSpPr>
+      <p:sp useBgFill="1">
+        <p:nvSpPr>
+          <p:cNvPr id="24" name="Rectangle 23">
+            <a:extLst>
+              <a:ext uri="{FF2B5EF4-FFF2-40B4-BE49-F238E27FC236}">
+                <a16:creationId xmlns:a16="http://schemas.microsoft.com/office/drawing/2014/main" id="{22171661-0838-4942-A149-8C1B789266A2}"/>
+              </a:ext>
+              <a:ext uri="{C183D7F6-B498-43B3-948B-1728B52AA6E4}">
+                <adec:decorative xmlns:adec="http://schemas.microsoft.com/office/drawing/2017/decorative" val="1"/>
+              </a:ext>
+            </a:extLst>
+          </p:cNvPr>
+          <p:cNvSpPr>
+            <a:spLocks noGrp="1" noRot="1" noChangeAspect="1" noMove="1" noResize="1" noEditPoints="1" noAdjustHandles="1" noChangeArrowheads="1" noChangeShapeType="1" noTextEdit="1"/>
+          </p:cNvSpPr>
+          <p:nvPr>
+            <p:extLst>
+              <p:ext uri="{386F3935-93C4-4BCD-93E2-E3B085C9AB24}">
+                <p16:designElem xmlns:p16="http://schemas.microsoft.com/office/powerpoint/2015/main" val="1"/>
+              </p:ext>
+            </p:extLst>
+          </p:nvPr>
+        </p:nvSpPr>
+        <p:spPr>
+          <a:xfrm>
+            <a:off x="0" y="0"/>
+            <a:ext cx="12192000" cy="6858000"/>
+          </a:xfrm>
+          <a:prstGeom prst="rect">
+            <a:avLst/>
+          </a:prstGeom>
+          <a:ln w="12700" cap="flat" cmpd="sng" algn="ctr">
+            <a:noFill/>
+            <a:prstDash val="solid"/>
+            <a:miter lim="800000"/>
+          </a:ln>
+          <a:effectLst/>
+          <a:extLst>
+            <a:ext uri="{91240B29-F687-4F45-9708-019B960494DF}">
+              <a14:hiddenLine xmlns:a14="http://schemas.microsoft.com/office/drawing/2010/main" w="12700" cap="flat" cmpd="sng" algn="ctr">
+                <a:solidFill>
+                  <a:schemeClr val="accent1">
+                    <a:shade val="50000"/>
+                  </a:schemeClr>
+                </a:solidFill>
+                <a:prstDash val="solid"/>
+                <a:miter lim="800000"/>
+              </a14:hiddenLine>
+            </a:ext>
+          </a:extLst>
+        </p:spPr>
+        <p:style>
+          <a:lnRef idx="2">
+            <a:schemeClr val="accent1">
+              <a:shade val="50000"/>
+            </a:schemeClr>
+          </a:lnRef>
+          <a:fillRef idx="1">
+            <a:schemeClr val="accent1"/>
+          </a:fillRef>
+          <a:effectRef idx="0">
+            <a:schemeClr val="accent1"/>
+          </a:effectRef>
+          <a:fontRef idx="minor">
+            <a:schemeClr val="lt1"/>
+          </a:fontRef>
+        </p:style>
+        <p:txBody>
+          <a:bodyPr rtlCol="0" anchor="ctr"/>
+          <a:lstStyle/>
+          <a:p>
+            <a:pPr algn="ctr"/>
+            <a:endParaRPr lang="en-US"/>
+          </a:p>
+        </p:txBody>
+      </p:sp>
       <p:sp>
         <p:nvSpPr>
           <p:cNvPr id="2" name="Tittel 1">
@@ -12616,16 +13740,26 @@
             <p:ph type="title"/>
           </p:nvPr>
         </p:nvSpPr>
-        <p:spPr/>
+        <p:spPr>
+          <a:xfrm>
+            <a:off x="1114426" y="533400"/>
+            <a:ext cx="4529138" cy="1671639"/>
+          </a:xfrm>
+        </p:spPr>
         <p:txBody>
-          <a:bodyPr/>
+          <a:bodyPr>
+            <a:normAutofit/>
+          </a:bodyPr>
           <a:lstStyle/>
           <a:p>
             <a:r>
               <a:rPr lang="nb-NO" dirty="0" err="1"/>
               <a:t>Timere</a:t>
             </a:r>
-            <a:endParaRPr lang="nb-NO" dirty="0"/>
+            <a:r>
+              <a:rPr lang="nb-NO" dirty="0"/>
+              <a:t> og PWM</a:t>
+            </a:r>
           </a:p>
         </p:txBody>
       </p:sp>
@@ -12645,15 +13779,200 @@
             <p:ph idx="1"/>
           </p:nvPr>
         </p:nvSpPr>
-        <p:spPr/>
+        <p:spPr>
+          <a:xfrm>
+            <a:off x="1104900" y="2205038"/>
+            <a:ext cx="4405314" cy="4119561"/>
+          </a:xfrm>
+        </p:spPr>
         <p:txBody>
-          <a:bodyPr/>
+          <a:bodyPr vert="horz" lIns="91440" tIns="45720" rIns="91440" bIns="45720" rtlCol="0">
+            <a:normAutofit/>
+          </a:bodyPr>
           <a:lstStyle/>
+          <a:p>
+            <a:r>
+              <a:rPr lang="nb-NO" err="1"/>
+              <a:t>Timere</a:t>
+            </a:r>
+            <a:r>
+              <a:rPr lang="nb-NO"/>
+              <a:t> og PWM brukes for å drive viftemotoren</a:t>
+            </a:r>
+          </a:p>
+          <a:p>
+            <a:r>
+              <a:rPr lang="nb-NO"/>
+              <a:t>En timer er nødvendig for å generere et PWM signal på OCR0A</a:t>
+            </a:r>
+          </a:p>
+          <a:p>
+            <a:r>
+              <a:rPr lang="nb-NO"/>
+              <a:t>En timer lar oss variere PWM signal fra 0V-5V</a:t>
+            </a:r>
+          </a:p>
+          <a:p>
+            <a:r>
+              <a:rPr lang="nb-NO"/>
+              <a:t>De fleste vifter drives på 12V, ikke 5V (--)</a:t>
+            </a:r>
+          </a:p>
+          <a:p>
+            <a:endParaRPr lang="nb-NO"/>
+          </a:p>
+          <a:p>
+            <a:endParaRPr lang="nb-NO"/>
+          </a:p>
+          <a:p>
+            <a:endParaRPr lang="nb-NO"/>
+          </a:p>
+          <a:p>
+            <a:endParaRPr lang="nb-NO"/>
+          </a:p>
           <a:p>
             <a:endParaRPr lang="nb-NO"/>
           </a:p>
         </p:txBody>
       </p:sp>
+      <p:cxnSp>
+        <p:nvCxnSpPr>
+          <p:cNvPr id="26" name="Straight Connector 25">
+            <a:extLst>
+              <a:ext uri="{FF2B5EF4-FFF2-40B4-BE49-F238E27FC236}">
+                <a16:creationId xmlns:a16="http://schemas.microsoft.com/office/drawing/2014/main" id="{BB04A404-AF1E-4EC9-AF7D-46C68BFCEBB6}"/>
+              </a:ext>
+              <a:ext uri="{C183D7F6-B498-43B3-948B-1728B52AA6E4}">
+                <adec:decorative xmlns:adec="http://schemas.microsoft.com/office/drawing/2017/decorative" val="1"/>
+              </a:ext>
+            </a:extLst>
+          </p:cNvPr>
+          <p:cNvCxnSpPr>
+            <a:cxnSpLocks noGrp="1" noRot="1" noChangeAspect="1" noMove="1" noResize="1" noEditPoints="1" noAdjustHandles="1" noChangeArrowheads="1" noChangeShapeType="1"/>
+          </p:cNvCxnSpPr>
+          <p:nvPr>
+            <p:extLst>
+              <p:ext uri="{386F3935-93C4-4BCD-93E2-E3B085C9AB24}">
+                <p16:designElem xmlns:p16="http://schemas.microsoft.com/office/powerpoint/2015/main" val="1"/>
+              </p:ext>
+            </p:extLst>
+          </p:nvPr>
+        </p:nvCxnSpPr>
+        <p:spPr>
+          <a:xfrm flipV="1">
+            <a:off x="8430398" y="-1"/>
+            <a:ext cx="2559923" cy="6857999"/>
+          </a:xfrm>
+          <a:prstGeom prst="line">
+            <a:avLst/>
+          </a:prstGeom>
+          <a:ln w="12700">
+            <a:solidFill>
+              <a:schemeClr val="accent2">
+                <a:alpha val="70000"/>
+              </a:schemeClr>
+            </a:solidFill>
+          </a:ln>
+        </p:spPr>
+        <p:style>
+          <a:lnRef idx="1">
+            <a:schemeClr val="accent1"/>
+          </a:lnRef>
+          <a:fillRef idx="0">
+            <a:schemeClr val="accent1"/>
+          </a:fillRef>
+          <a:effectRef idx="0">
+            <a:schemeClr val="accent1"/>
+          </a:effectRef>
+          <a:fontRef idx="minor">
+            <a:schemeClr val="tx1"/>
+          </a:fontRef>
+        </p:style>
+      </p:cxnSp>
+      <p:cxnSp>
+        <p:nvCxnSpPr>
+          <p:cNvPr id="28" name="Straight Connector 27">
+            <a:extLst>
+              <a:ext uri="{FF2B5EF4-FFF2-40B4-BE49-F238E27FC236}">
+                <a16:creationId xmlns:a16="http://schemas.microsoft.com/office/drawing/2014/main" id="{B1874503-FE8B-408C-ABAF-2B72BAC29666}"/>
+              </a:ext>
+              <a:ext uri="{C183D7F6-B498-43B3-948B-1728B52AA6E4}">
+                <adec:decorative xmlns:adec="http://schemas.microsoft.com/office/drawing/2017/decorative" val="1"/>
+              </a:ext>
+            </a:extLst>
+          </p:cNvPr>
+          <p:cNvCxnSpPr>
+            <a:cxnSpLocks noGrp="1" noRot="1" noChangeAspect="1" noMove="1" noResize="1" noEditPoints="1" noAdjustHandles="1" noChangeArrowheads="1" noChangeShapeType="1"/>
+          </p:cNvCxnSpPr>
+          <p:nvPr>
+            <p:extLst>
+              <p:ext uri="{386F3935-93C4-4BCD-93E2-E3B085C9AB24}">
+                <p16:designElem xmlns:p16="http://schemas.microsoft.com/office/powerpoint/2015/main" val="1"/>
+              </p:ext>
+            </p:extLst>
+          </p:nvPr>
+        </p:nvCxnSpPr>
+        <p:spPr>
+          <a:xfrm flipV="1">
+            <a:off x="9741182" y="0"/>
+            <a:ext cx="725518" cy="6857999"/>
+          </a:xfrm>
+          <a:prstGeom prst="line">
+            <a:avLst/>
+          </a:prstGeom>
+          <a:ln w="12700">
+            <a:solidFill>
+              <a:schemeClr val="accent2">
+                <a:alpha val="70000"/>
+              </a:schemeClr>
+            </a:solidFill>
+          </a:ln>
+        </p:spPr>
+        <p:style>
+          <a:lnRef idx="1">
+            <a:schemeClr val="accent1"/>
+          </a:lnRef>
+          <a:fillRef idx="0">
+            <a:schemeClr val="accent1"/>
+          </a:fillRef>
+          <a:effectRef idx="0">
+            <a:schemeClr val="accent1"/>
+          </a:effectRef>
+          <a:fontRef idx="minor">
+            <a:schemeClr val="tx1"/>
+          </a:fontRef>
+        </p:style>
+      </p:cxnSp>
+      <p:pic>
+        <p:nvPicPr>
+          <p:cNvPr id="4" name="Picture 4" descr="Diagram, schematic&#10;&#10;Description automatically generated">
+            <a:extLst>
+              <a:ext uri="{FF2B5EF4-FFF2-40B4-BE49-F238E27FC236}">
+                <a16:creationId xmlns:a16="http://schemas.microsoft.com/office/drawing/2014/main" id="{D51E0B00-5BDE-4BC0-845F-E7CCD11FE009}"/>
+              </a:ext>
+            </a:extLst>
+          </p:cNvPr>
+          <p:cNvPicPr>
+            <a:picLocks noChangeAspect="1"/>
+          </p:cNvPicPr>
+          <p:nvPr/>
+        </p:nvPicPr>
+        <p:blipFill>
+          <a:blip r:embed="rId2"/>
+          <a:stretch>
+            <a:fillRect/>
+          </a:stretch>
+        </p:blipFill>
+        <p:spPr>
+          <a:xfrm>
+            <a:off x="6096001" y="1600296"/>
+            <a:ext cx="5562600" cy="3657409"/>
+          </a:xfrm>
+          <a:prstGeom prst="rect">
+            <a:avLst/>
+          </a:prstGeom>
+        </p:spPr>
+      </p:pic>
     </p:spTree>
     <p:extLst>
       <p:ext uri="{BB962C8B-B14F-4D97-AF65-F5344CB8AC3E}">
@@ -12790,7 +14109,7 @@
           <a:p>
             <a:r>
               <a:rPr lang="nb-NO" dirty="0"/>
-              <a:t>SPI</a:t>
+              <a:t>Seriell kommunikasjon</a:t>
             </a:r>
           </a:p>
         </p:txBody>
@@ -12816,7 +14135,124 @@
           <a:bodyPr/>
           <a:lstStyle/>
           <a:p>
-            <a:endParaRPr lang="nb-NO"/>
+            <a:r>
+              <a:rPr lang="nb-NO" dirty="0"/>
+              <a:t>USART nødvendig for å kommunisere mellom  ATmega328P og PC</a:t>
+            </a:r>
+          </a:p>
+          <a:p>
+            <a:r>
+              <a:rPr lang="nb-NO" dirty="0"/>
+              <a:t>Det er lagd et bibliotek for å sende og motta tekst og tall mellom -32,768 to 32,767</a:t>
+            </a:r>
+          </a:p>
+          <a:p>
+            <a:r>
+              <a:rPr lang="nb-NO" dirty="0"/>
+              <a:t>Funksjonene for tekst bruker pekere for å iterere gjennom minneadressene</a:t>
+            </a:r>
+          </a:p>
+          <a:p>
+            <a:r>
+              <a:rPr lang="nb-NO" dirty="0"/>
+              <a:t>Alle funksjonene er avhengig av NULL-terminering på en eller annen måte </a:t>
+            </a:r>
+          </a:p>
+          <a:p>
+            <a:r>
+              <a:rPr lang="nb-NO" dirty="0"/>
+              <a:t>Valgt en BAUD-rate på 9600</a:t>
+            </a:r>
+          </a:p>
+          <a:p>
+            <a:r>
+              <a:rPr lang="nb-NO" dirty="0"/>
+              <a:t>Bruker </a:t>
+            </a:r>
+            <a:r>
+              <a:rPr lang="en-US" dirty="0"/>
+              <a:t> 8 data bits </a:t>
+            </a:r>
+            <a:r>
+              <a:rPr lang="en-US" dirty="0" err="1"/>
+              <a:t>og</a:t>
+            </a:r>
+            <a:r>
+              <a:rPr lang="en-US" dirty="0"/>
+              <a:t> 1 stop bit</a:t>
+            </a:r>
+          </a:p>
+          <a:p>
+            <a:r>
+              <a:rPr lang="en-US" dirty="0" err="1"/>
+              <a:t>ATmega</a:t>
+            </a:r>
+            <a:r>
+              <a:rPr lang="en-US" dirty="0"/>
+              <a:t> sender </a:t>
+            </a:r>
+            <a:r>
+              <a:rPr lang="en-US" dirty="0" err="1"/>
+              <a:t>temperatur</a:t>
+            </a:r>
+            <a:r>
+              <a:rPr lang="en-US" dirty="0"/>
+              <a:t> </a:t>
+            </a:r>
+            <a:r>
+              <a:rPr lang="en-US" dirty="0" err="1"/>
+              <a:t>som</a:t>
+            </a:r>
+            <a:r>
+              <a:rPr lang="en-US" dirty="0"/>
+              <a:t> </a:t>
+            </a:r>
+            <a:r>
+              <a:rPr lang="en-US" dirty="0" err="1"/>
+              <a:t>kan</a:t>
+            </a:r>
+            <a:r>
+              <a:rPr lang="en-US" dirty="0"/>
+              <a:t> </a:t>
+            </a:r>
+            <a:r>
+              <a:rPr lang="nb-NO" dirty="0"/>
+              <a:t>avleses</a:t>
+            </a:r>
+            <a:r>
+              <a:rPr lang="en-US" dirty="0"/>
+              <a:t> </a:t>
+            </a:r>
+            <a:r>
+              <a:rPr lang="en-US" dirty="0" err="1"/>
+              <a:t>i</a:t>
+            </a:r>
+            <a:r>
+              <a:rPr lang="en-US" dirty="0"/>
+              <a:t> </a:t>
+            </a:r>
+            <a:r>
+              <a:rPr lang="en-US" dirty="0" err="1"/>
+              <a:t>seriellmonitor</a:t>
+            </a:r>
+            <a:r>
+              <a:rPr lang="en-US" dirty="0"/>
+              <a:t> </a:t>
+            </a:r>
+            <a:r>
+              <a:rPr lang="en-US" dirty="0" err="1"/>
+              <a:t>på</a:t>
+            </a:r>
+            <a:r>
+              <a:rPr lang="en-US" dirty="0"/>
+              <a:t> PC</a:t>
+            </a:r>
+          </a:p>
+          <a:p>
+            <a:r>
+              <a:rPr lang="nb-NO" dirty="0"/>
+              <a:t>Terskelverdi kan endres via seriellmonitor</a:t>
+            </a:r>
           </a:p>
         </p:txBody>
       </p:sp>
@@ -12899,7 +14335,22 @@
           <a:bodyPr/>
           <a:lstStyle/>
           <a:p>
-            <a:endParaRPr lang="nb-NO"/>
+            <a:r>
+              <a:rPr lang="nb-NO" dirty="0"/>
+              <a:t>USART er veldig enkelt å sette opp og bruke i forhold til å bruke I2C</a:t>
+            </a:r>
+          </a:p>
+          <a:p>
+            <a:r>
+              <a:rPr lang="nb-NO" dirty="0"/>
+              <a:t>BAUD-raten er mer enn rask nok for denne applikasjonen</a:t>
+            </a:r>
+          </a:p>
+          <a:p>
+            <a:r>
+              <a:rPr lang="nb-NO" dirty="0"/>
+              <a:t>Ved å lage et bibliotek er det enkelt å utvide prosjektet, for eksempel med flere sensornoder snakker sammen med seriellkommunikasjon</a:t>
+            </a:r>
           </a:p>
         </p:txBody>
       </p:sp>

--- a/Presentasjon mikrokontrollere.pptx
+++ b/Presentasjon mikrokontrollere.pptx
@@ -136,7 +136,7 @@
 <file path=ppt/revisionInfo.xml><?xml version="1.0" encoding="utf-8"?>
 <p1510:revInfo xmlns:a="http://schemas.openxmlformats.org/drawingml/2006/main" xmlns:r="http://schemas.openxmlformats.org/officeDocument/2006/relationships" xmlns:p1510="http://schemas.microsoft.com/office/powerpoint/2015/10/main">
   <p1510:revLst>
-    <p1510:client id="{A6A3D343-4156-ED3F-9EDF-836CEC9D97A5}" v="413" dt="2021-05-04T11:21:55.700"/>
+    <p1510:client id="{A6A3D343-4156-ED3F-9EDF-836CEC9D97A5}" v="813" dt="2021-05-04T13:00:37.884"/>
     <p1510:client id="{EFB90E76-E090-F73D-349F-DA9053CD6857}" v="1757" dt="2021-05-04T11:25:26.312"/>
     <p1510:client id="{F60C6535-0B72-434D-BD9E-3A1125392E13}" v="864" dt="2021-05-04T11:36:56.118"/>
   </p1510:revLst>
@@ -145,6 +145,109 @@
 
 <file path=ppt/changesInfos/changesInfo1.xml><?xml version="1.0" encoding="utf-8"?>
 <pc:chgInfo xmlns:a="http://schemas.openxmlformats.org/drawingml/2006/main" xmlns:r="http://schemas.openxmlformats.org/officeDocument/2006/relationships" xmlns:ac="http://schemas.microsoft.com/office/drawing/2013/main/command" xmlns:pc="http://schemas.microsoft.com/office/powerpoint/2013/main/command">
+  <pc:docChgLst>
+    <pc:chgData name="Guest User" userId="S::urn:spo:anon#7c8e4cf8e93fe43d3307c0dc61dfe8ac4d617c24fabc9891901cc96888555fa6::" providerId="AD" clId="Web-{A6A3D343-4156-ED3F-9EDF-836CEC9D97A5}"/>
+    <pc:docChg chg="modSld">
+      <pc:chgData name="Guest User" userId="S::urn:spo:anon#7c8e4cf8e93fe43d3307c0dc61dfe8ac4d617c24fabc9891901cc96888555fa6::" providerId="AD" clId="Web-{A6A3D343-4156-ED3F-9EDF-836CEC9D97A5}" dt="2021-05-04T12:59:35.649" v="377" actId="20577"/>
+      <pc:docMkLst>
+        <pc:docMk/>
+      </pc:docMkLst>
+      <pc:sldChg chg="addSp modSp mod setBg">
+        <pc:chgData name="Guest User" userId="S::urn:spo:anon#7c8e4cf8e93fe43d3307c0dc61dfe8ac4d617c24fabc9891901cc96888555fa6::" providerId="AD" clId="Web-{A6A3D343-4156-ED3F-9EDF-836CEC9D97A5}" dt="2021-05-04T11:21:55.700" v="193" actId="20577"/>
+        <pc:sldMkLst>
+          <pc:docMk/>
+          <pc:sldMk cId="280590761" sldId="260"/>
+        </pc:sldMkLst>
+        <pc:spChg chg="mod">
+          <ac:chgData name="Guest User" userId="S::urn:spo:anon#7c8e4cf8e93fe43d3307c0dc61dfe8ac4d617c24fabc9891901cc96888555fa6::" providerId="AD" clId="Web-{A6A3D343-4156-ED3F-9EDF-836CEC9D97A5}" dt="2021-05-04T11:21:18.324" v="184"/>
+          <ac:spMkLst>
+            <pc:docMk/>
+            <pc:sldMk cId="280590761" sldId="260"/>
+            <ac:spMk id="2" creationId="{B9805D4F-0FDB-430E-8B79-BB20F59F636A}"/>
+          </ac:spMkLst>
+        </pc:spChg>
+        <pc:spChg chg="mod">
+          <ac:chgData name="Guest User" userId="S::urn:spo:anon#7c8e4cf8e93fe43d3307c0dc61dfe8ac4d617c24fabc9891901cc96888555fa6::" providerId="AD" clId="Web-{A6A3D343-4156-ED3F-9EDF-836CEC9D97A5}" dt="2021-05-04T11:21:55.700" v="193" actId="20577"/>
+          <ac:spMkLst>
+            <pc:docMk/>
+            <pc:sldMk cId="280590761" sldId="260"/>
+            <ac:spMk id="3" creationId="{7D5758FC-06D9-4F02-8836-94C424FF4911}"/>
+          </ac:spMkLst>
+        </pc:spChg>
+        <pc:spChg chg="add">
+          <ac:chgData name="Guest User" userId="S::urn:spo:anon#7c8e4cf8e93fe43d3307c0dc61dfe8ac4d617c24fabc9891901cc96888555fa6::" providerId="AD" clId="Web-{A6A3D343-4156-ED3F-9EDF-836CEC9D97A5}" dt="2021-05-04T11:21:18.324" v="184"/>
+          <ac:spMkLst>
+            <pc:docMk/>
+            <pc:sldMk cId="280590761" sldId="260"/>
+            <ac:spMk id="9" creationId="{15F0A9D0-BB35-4CAB-B92D-E061B9D8E3BD}"/>
+          </ac:spMkLst>
+        </pc:spChg>
+        <pc:picChg chg="add mod">
+          <ac:chgData name="Guest User" userId="S::urn:spo:anon#7c8e4cf8e93fe43d3307c0dc61dfe8ac4d617c24fabc9891901cc96888555fa6::" providerId="AD" clId="Web-{A6A3D343-4156-ED3F-9EDF-836CEC9D97A5}" dt="2021-05-04T11:21:18.324" v="184"/>
+          <ac:picMkLst>
+            <pc:docMk/>
+            <pc:sldMk cId="280590761" sldId="260"/>
+            <ac:picMk id="4" creationId="{D51E0B00-5BDE-4BC0-845F-E7CCD11FE009}"/>
+          </ac:picMkLst>
+        </pc:picChg>
+        <pc:cxnChg chg="add">
+          <ac:chgData name="Guest User" userId="S::urn:spo:anon#7c8e4cf8e93fe43d3307c0dc61dfe8ac4d617c24fabc9891901cc96888555fa6::" providerId="AD" clId="Web-{A6A3D343-4156-ED3F-9EDF-836CEC9D97A5}" dt="2021-05-04T11:21:18.324" v="184"/>
+          <ac:cxnSpMkLst>
+            <pc:docMk/>
+            <pc:sldMk cId="280590761" sldId="260"/>
+            <ac:cxnSpMk id="11" creationId="{52F5DE35-776B-4C7D-AF2E-514E68BDD2F6}"/>
+          </ac:cxnSpMkLst>
+        </pc:cxnChg>
+        <pc:cxnChg chg="add">
+          <ac:chgData name="Guest User" userId="S::urn:spo:anon#7c8e4cf8e93fe43d3307c0dc61dfe8ac4d617c24fabc9891901cc96888555fa6::" providerId="AD" clId="Web-{A6A3D343-4156-ED3F-9EDF-836CEC9D97A5}" dt="2021-05-04T11:21:18.324" v="184"/>
+          <ac:cxnSpMkLst>
+            <pc:docMk/>
+            <pc:sldMk cId="280590761" sldId="260"/>
+            <ac:cxnSpMk id="13" creationId="{4A65E4E8-1272-4386-BDFE-0129D7A7E2D4}"/>
+          </ac:cxnSpMkLst>
+        </pc:cxnChg>
+        <pc:cxnChg chg="add">
+          <ac:chgData name="Guest User" userId="S::urn:spo:anon#7c8e4cf8e93fe43d3307c0dc61dfe8ac4d617c24fabc9891901cc96888555fa6::" providerId="AD" clId="Web-{A6A3D343-4156-ED3F-9EDF-836CEC9D97A5}" dt="2021-05-04T11:21:18.324" v="184"/>
+          <ac:cxnSpMkLst>
+            <pc:docMk/>
+            <pc:sldMk cId="280590761" sldId="260"/>
+            <ac:cxnSpMk id="15" creationId="{A6515F51-DBC6-42B8-9C34-749F69BB6561}"/>
+          </ac:cxnSpMkLst>
+        </pc:cxnChg>
+        <pc:cxnChg chg="add">
+          <ac:chgData name="Guest User" userId="S::urn:spo:anon#7c8e4cf8e93fe43d3307c0dc61dfe8ac4d617c24fabc9891901cc96888555fa6::" providerId="AD" clId="Web-{A6A3D343-4156-ED3F-9EDF-836CEC9D97A5}" dt="2021-05-04T11:21:18.324" v="184"/>
+          <ac:cxnSpMkLst>
+            <pc:docMk/>
+            <pc:sldMk cId="280590761" sldId="260"/>
+            <ac:cxnSpMk id="17" creationId="{873F5967-4993-405D-A3E6-84DCEFF44C2A}"/>
+          </ac:cxnSpMkLst>
+        </pc:cxnChg>
+        <pc:cxnChg chg="add">
+          <ac:chgData name="Guest User" userId="S::urn:spo:anon#7c8e4cf8e93fe43d3307c0dc61dfe8ac4d617c24fabc9891901cc96888555fa6::" providerId="AD" clId="Web-{A6A3D343-4156-ED3F-9EDF-836CEC9D97A5}" dt="2021-05-04T11:21:18.324" v="184"/>
+          <ac:cxnSpMkLst>
+            <pc:docMk/>
+            <pc:sldMk cId="280590761" sldId="260"/>
+            <ac:cxnSpMk id="19" creationId="{A3A523CC-BD6C-4A0D-B9DB-1DC2CE1E22F0}"/>
+          </ac:cxnSpMkLst>
+        </pc:cxnChg>
+      </pc:sldChg>
+      <pc:sldChg chg="modSp">
+        <pc:chgData name="Guest User" userId="S::urn:spo:anon#7c8e4cf8e93fe43d3307c0dc61dfe8ac4d617c24fabc9891901cc96888555fa6::" providerId="AD" clId="Web-{A6A3D343-4156-ED3F-9EDF-836CEC9D97A5}" dt="2021-05-04T12:59:35.649" v="377" actId="20577"/>
+        <pc:sldMkLst>
+          <pc:docMk/>
+          <pc:sldMk cId="871627153" sldId="265"/>
+        </pc:sldMkLst>
+        <pc:spChg chg="mod">
+          <ac:chgData name="Guest User" userId="S::urn:spo:anon#7c8e4cf8e93fe43d3307c0dc61dfe8ac4d617c24fabc9891901cc96888555fa6::" providerId="AD" clId="Web-{A6A3D343-4156-ED3F-9EDF-836CEC9D97A5}" dt="2021-05-04T12:59:35.649" v="377" actId="20577"/>
+          <ac:spMkLst>
+            <pc:docMk/>
+            <pc:sldMk cId="871627153" sldId="265"/>
+            <ac:spMk id="3" creationId="{60497A2E-8B1D-41F6-BCD5-96B072965EF2}"/>
+          </ac:spMkLst>
+        </pc:spChg>
+      </pc:sldChg>
+    </pc:docChg>
+  </pc:docChgLst>
   <pc:docChgLst>
     <pc:chgData name="Guest User" userId="S::urn:spo:anon#7c8e4cf8e93fe43d3307c0dc61dfe8ac4d617c24fabc9891901cc96888555fa6::" providerId="AD" clId="Web-{EFB90E76-E090-F73D-349F-DA9053CD6857}"/>
     <pc:docChg chg="modSld">
@@ -481,94 +584,6 @@
       </pc:sldChg>
     </pc:docChg>
   </pc:docChgLst>
-  <pc:docChgLst>
-    <pc:chgData name="Guest User" userId="S::urn:spo:anon#7c8e4cf8e93fe43d3307c0dc61dfe8ac4d617c24fabc9891901cc96888555fa6::" providerId="AD" clId="Web-{A6A3D343-4156-ED3F-9EDF-836CEC9D97A5}"/>
-    <pc:docChg chg="modSld">
-      <pc:chgData name="Guest User" userId="S::urn:spo:anon#7c8e4cf8e93fe43d3307c0dc61dfe8ac4d617c24fabc9891901cc96888555fa6::" providerId="AD" clId="Web-{A6A3D343-4156-ED3F-9EDF-836CEC9D97A5}" dt="2021-05-04T11:21:55.700" v="193" actId="20577"/>
-      <pc:docMkLst>
-        <pc:docMk/>
-      </pc:docMkLst>
-      <pc:sldChg chg="addSp modSp mod setBg">
-        <pc:chgData name="Guest User" userId="S::urn:spo:anon#7c8e4cf8e93fe43d3307c0dc61dfe8ac4d617c24fabc9891901cc96888555fa6::" providerId="AD" clId="Web-{A6A3D343-4156-ED3F-9EDF-836CEC9D97A5}" dt="2021-05-04T11:21:55.700" v="193" actId="20577"/>
-        <pc:sldMkLst>
-          <pc:docMk/>
-          <pc:sldMk cId="280590761" sldId="260"/>
-        </pc:sldMkLst>
-        <pc:spChg chg="mod">
-          <ac:chgData name="Guest User" userId="S::urn:spo:anon#7c8e4cf8e93fe43d3307c0dc61dfe8ac4d617c24fabc9891901cc96888555fa6::" providerId="AD" clId="Web-{A6A3D343-4156-ED3F-9EDF-836CEC9D97A5}" dt="2021-05-04T11:21:18.324" v="184"/>
-          <ac:spMkLst>
-            <pc:docMk/>
-            <pc:sldMk cId="280590761" sldId="260"/>
-            <ac:spMk id="2" creationId="{B9805D4F-0FDB-430E-8B79-BB20F59F636A}"/>
-          </ac:spMkLst>
-        </pc:spChg>
-        <pc:spChg chg="mod">
-          <ac:chgData name="Guest User" userId="S::urn:spo:anon#7c8e4cf8e93fe43d3307c0dc61dfe8ac4d617c24fabc9891901cc96888555fa6::" providerId="AD" clId="Web-{A6A3D343-4156-ED3F-9EDF-836CEC9D97A5}" dt="2021-05-04T11:21:55.700" v="193" actId="20577"/>
-          <ac:spMkLst>
-            <pc:docMk/>
-            <pc:sldMk cId="280590761" sldId="260"/>
-            <ac:spMk id="3" creationId="{7D5758FC-06D9-4F02-8836-94C424FF4911}"/>
-          </ac:spMkLst>
-        </pc:spChg>
-        <pc:spChg chg="add">
-          <ac:chgData name="Guest User" userId="S::urn:spo:anon#7c8e4cf8e93fe43d3307c0dc61dfe8ac4d617c24fabc9891901cc96888555fa6::" providerId="AD" clId="Web-{A6A3D343-4156-ED3F-9EDF-836CEC9D97A5}" dt="2021-05-04T11:21:18.324" v="184"/>
-          <ac:spMkLst>
-            <pc:docMk/>
-            <pc:sldMk cId="280590761" sldId="260"/>
-            <ac:spMk id="9" creationId="{15F0A9D0-BB35-4CAB-B92D-E061B9D8E3BD}"/>
-          </ac:spMkLst>
-        </pc:spChg>
-        <pc:picChg chg="add mod">
-          <ac:chgData name="Guest User" userId="S::urn:spo:anon#7c8e4cf8e93fe43d3307c0dc61dfe8ac4d617c24fabc9891901cc96888555fa6::" providerId="AD" clId="Web-{A6A3D343-4156-ED3F-9EDF-836CEC9D97A5}" dt="2021-05-04T11:21:18.324" v="184"/>
-          <ac:picMkLst>
-            <pc:docMk/>
-            <pc:sldMk cId="280590761" sldId="260"/>
-            <ac:picMk id="4" creationId="{D51E0B00-5BDE-4BC0-845F-E7CCD11FE009}"/>
-          </ac:picMkLst>
-        </pc:picChg>
-        <pc:cxnChg chg="add">
-          <ac:chgData name="Guest User" userId="S::urn:spo:anon#7c8e4cf8e93fe43d3307c0dc61dfe8ac4d617c24fabc9891901cc96888555fa6::" providerId="AD" clId="Web-{A6A3D343-4156-ED3F-9EDF-836CEC9D97A5}" dt="2021-05-04T11:21:18.324" v="184"/>
-          <ac:cxnSpMkLst>
-            <pc:docMk/>
-            <pc:sldMk cId="280590761" sldId="260"/>
-            <ac:cxnSpMk id="11" creationId="{52F5DE35-776B-4C7D-AF2E-514E68BDD2F6}"/>
-          </ac:cxnSpMkLst>
-        </pc:cxnChg>
-        <pc:cxnChg chg="add">
-          <ac:chgData name="Guest User" userId="S::urn:spo:anon#7c8e4cf8e93fe43d3307c0dc61dfe8ac4d617c24fabc9891901cc96888555fa6::" providerId="AD" clId="Web-{A6A3D343-4156-ED3F-9EDF-836CEC9D97A5}" dt="2021-05-04T11:21:18.324" v="184"/>
-          <ac:cxnSpMkLst>
-            <pc:docMk/>
-            <pc:sldMk cId="280590761" sldId="260"/>
-            <ac:cxnSpMk id="13" creationId="{4A65E4E8-1272-4386-BDFE-0129D7A7E2D4}"/>
-          </ac:cxnSpMkLst>
-        </pc:cxnChg>
-        <pc:cxnChg chg="add">
-          <ac:chgData name="Guest User" userId="S::urn:spo:anon#7c8e4cf8e93fe43d3307c0dc61dfe8ac4d617c24fabc9891901cc96888555fa6::" providerId="AD" clId="Web-{A6A3D343-4156-ED3F-9EDF-836CEC9D97A5}" dt="2021-05-04T11:21:18.324" v="184"/>
-          <ac:cxnSpMkLst>
-            <pc:docMk/>
-            <pc:sldMk cId="280590761" sldId="260"/>
-            <ac:cxnSpMk id="15" creationId="{A6515F51-DBC6-42B8-9C34-749F69BB6561}"/>
-          </ac:cxnSpMkLst>
-        </pc:cxnChg>
-        <pc:cxnChg chg="add">
-          <ac:chgData name="Guest User" userId="S::urn:spo:anon#7c8e4cf8e93fe43d3307c0dc61dfe8ac4d617c24fabc9891901cc96888555fa6::" providerId="AD" clId="Web-{A6A3D343-4156-ED3F-9EDF-836CEC9D97A5}" dt="2021-05-04T11:21:18.324" v="184"/>
-          <ac:cxnSpMkLst>
-            <pc:docMk/>
-            <pc:sldMk cId="280590761" sldId="260"/>
-            <ac:cxnSpMk id="17" creationId="{873F5967-4993-405D-A3E6-84DCEFF44C2A}"/>
-          </ac:cxnSpMkLst>
-        </pc:cxnChg>
-        <pc:cxnChg chg="add">
-          <ac:chgData name="Guest User" userId="S::urn:spo:anon#7c8e4cf8e93fe43d3307c0dc61dfe8ac4d617c24fabc9891901cc96888555fa6::" providerId="AD" clId="Web-{A6A3D343-4156-ED3F-9EDF-836CEC9D97A5}" dt="2021-05-04T11:21:18.324" v="184"/>
-          <ac:cxnSpMkLst>
-            <pc:docMk/>
-            <pc:sldMk cId="280590761" sldId="260"/>
-            <ac:cxnSpMk id="19" creationId="{A3A523CC-BD6C-4A0D-B9DB-1DC2CE1E22F0}"/>
-          </ac:cxnSpMkLst>
-        </pc:cxnChg>
-      </pc:sldChg>
-    </pc:docChg>
-  </pc:docChgLst>
 </pc:chgInfo>
 </file>
 
@@ -2338,7 +2353,7 @@
         <a:p>
           <a:pPr rtl="0"/>
           <a:r>
-            <a:rPr lang="nb-NO"/>
+            <a:rPr lang="nb-NO" err="1"/>
             <a:t>Timere</a:t>
           </a:r>
           <a:r>
@@ -2799,7 +2814,31 @@
             <a:rPr lang="nb-NO">
               <a:latin typeface="Univers Condensed Light"/>
             </a:rPr>
-            <a:t>Temperatur printes til serial monitor via USART.</a:t>
+            <a:t>Temperatur </a:t>
+          </a:r>
+          <a:r>
+            <a:rPr lang="nb-NO" err="1">
+              <a:latin typeface="Univers Condensed Light"/>
+            </a:rPr>
+            <a:t>printes</a:t>
+          </a:r>
+          <a:r>
+            <a:rPr lang="nb-NO">
+              <a:latin typeface="Univers Condensed Light"/>
+            </a:rPr>
+            <a:t> til </a:t>
+          </a:r>
+          <a:r>
+            <a:rPr lang="nb-NO" err="1">
+              <a:latin typeface="Univers Condensed Light"/>
+            </a:rPr>
+            <a:t>serial</a:t>
+          </a:r>
+          <a:r>
+            <a:rPr lang="nb-NO">
+              <a:latin typeface="Univers Condensed Light"/>
+            </a:rPr>
+            <a:t> monitor via USART.</a:t>
           </a:r>
           <a:endParaRPr lang="en-US">
             <a:latin typeface="Univers Condensed Light"/>
@@ -3253,48 +3292,48 @@
     </dgm:pt>
   </dgm:ptLst>
   <dgm:cxnLst>
+    <dgm:cxn modelId="{AA142B12-B9A7-4F32-BA56-78CDF8501836}" type="presOf" srcId="{908E52F1-287B-4FCE-9317-CA95DDC41FFC}" destId="{9F3280A7-FBF0-4AC2-BBE1-2200A34538E1}" srcOrd="0" destOrd="0" presId="urn:microsoft.com/office/officeart/2018/2/layout/IconLabelList"/>
     <dgm:cxn modelId="{D5260822-795A-468F-801A-7767EBAACD1F}" srcId="{6FBCB7C7-9D7A-4B91-9A47-08A16B31FA49}" destId="{116C2F98-BD9B-47FA-9BD4-9DB5809BCE51}" srcOrd="0" destOrd="0" parTransId="{FA735122-22A8-43F3-9EF9-6E04412FD32E}" sibTransId="{B3BEABB0-3433-4CEB-8DC5-759AB5553F06}"/>
-    <dgm:cxn modelId="{FFEA0D2E-8431-4453-8794-9B7597EF5019}" type="presOf" srcId="{A5C0CD43-C3BB-4A83-8F96-ED64C3473ED9}" destId="{E9C14CC2-B08C-444F-8F71-E10662452CDB}" srcOrd="0" destOrd="0" presId="urn:microsoft.com/office/officeart/2018/2/layout/IconLabelList"/>
     <dgm:cxn modelId="{6A11A860-39A2-4C5F-8DD5-60F54BCE62B2}" srcId="{6FBCB7C7-9D7A-4B91-9A47-08A16B31FA49}" destId="{E49452C4-6CA5-472F-9564-D7953627AB41}" srcOrd="1" destOrd="0" parTransId="{AC003CD8-BBE8-4D28-A509-EAB9B10C90E5}" sibTransId="{06908E27-B403-49A2-A014-3A312E724D30}"/>
+    <dgm:cxn modelId="{96912145-AEDA-4FE5-BA5A-C4E51BC0514D}" type="presOf" srcId="{E49452C4-6CA5-472F-9564-D7953627AB41}" destId="{63683878-75BD-4171-B1EB-C8FBA85BABD5}" srcOrd="0" destOrd="0" presId="urn:microsoft.com/office/officeart/2018/2/layout/IconLabelList"/>
     <dgm:cxn modelId="{0D287B46-8453-47DA-91F2-C7253B90FC22}" srcId="{6FBCB7C7-9D7A-4B91-9A47-08A16B31FA49}" destId="{F690E143-9675-42F2-B6FA-8C587885BA24}" srcOrd="2" destOrd="0" parTransId="{A47C42FA-DC3B-493F-A07F-05D78EDC50D2}" sibTransId="{4B2C8E94-5A89-4F88-A5F8-4B553001432F}"/>
     <dgm:cxn modelId="{A2698349-E36F-4F45-A60C-ED60A322E7B1}" srcId="{6FBCB7C7-9D7A-4B91-9A47-08A16B31FA49}" destId="{A5C0CD43-C3BB-4A83-8F96-ED64C3473ED9}" srcOrd="3" destOrd="0" parTransId="{236A9BAE-5E0F-41E0-86CD-950B496B4F92}" sibTransId="{5181878A-5C23-4BF3-8236-489733362826}"/>
     <dgm:cxn modelId="{ECC3DB95-BBFA-4449-98F1-9F20D077C3D3}" type="presOf" srcId="{6FBCB7C7-9D7A-4B91-9A47-08A16B31FA49}" destId="{1E4F4770-0214-4367-8076-1C8ECA3B779A}" srcOrd="0" destOrd="0" presId="urn:microsoft.com/office/officeart/2018/2/layout/IconLabelList"/>
-    <dgm:cxn modelId="{9A0B24A8-7068-4E0A-AAFE-AADF39BD3260}" type="presOf" srcId="{E49452C4-6CA5-472F-9564-D7953627AB41}" destId="{63683878-75BD-4171-B1EB-C8FBA85BABD5}" srcOrd="0" destOrd="0" presId="urn:microsoft.com/office/officeart/2018/2/layout/IconLabelList"/>
+    <dgm:cxn modelId="{8A3D9A9A-B8DA-442A-B7D9-F77F5D9FCB51}" type="presOf" srcId="{116C2F98-BD9B-47FA-9BD4-9DB5809BCE51}" destId="{F87ED836-AEC9-4765-829A-BC03827A84A9}" srcOrd="0" destOrd="0" presId="urn:microsoft.com/office/officeart/2018/2/layout/IconLabelList"/>
     <dgm:cxn modelId="{F91A74AB-93A3-4838-A130-7C5D7B2003FE}" srcId="{6FBCB7C7-9D7A-4B91-9A47-08A16B31FA49}" destId="{C8DDD2D6-5587-4F98-954B-5EC34EA049FD}" srcOrd="5" destOrd="0" parTransId="{6416B632-1395-4BFA-8DB3-60A60158E5FF}" sibTransId="{F954E754-E8C6-424C-98E1-595BA3315317}"/>
-    <dgm:cxn modelId="{4683ECB3-F5C0-4EA5-AC33-159DDB799903}" type="presOf" srcId="{116C2F98-BD9B-47FA-9BD4-9DB5809BCE51}" destId="{F87ED836-AEC9-4765-829A-BC03827A84A9}" srcOrd="0" destOrd="0" presId="urn:microsoft.com/office/officeart/2018/2/layout/IconLabelList"/>
-    <dgm:cxn modelId="{66A7B6B7-EC2F-4413-B4DE-D20F433C5719}" type="presOf" srcId="{C8DDD2D6-5587-4F98-954B-5EC34EA049FD}" destId="{C3EF24FE-59D1-42CA-B0BC-B80C601BB47D}" srcOrd="0" destOrd="0" presId="urn:microsoft.com/office/officeart/2018/2/layout/IconLabelList"/>
-    <dgm:cxn modelId="{D2DF30D7-259C-4633-AB54-51A74F37DEC3}" type="presOf" srcId="{F690E143-9675-42F2-B6FA-8C587885BA24}" destId="{79A743F9-18DE-4882-8E4B-94B2C09036F6}" srcOrd="0" destOrd="0" presId="urn:microsoft.com/office/officeart/2018/2/layout/IconLabelList"/>
+    <dgm:cxn modelId="{A91D9BB5-CF67-460A-B6ED-F639DDCDFEA1}" type="presOf" srcId="{A5C0CD43-C3BB-4A83-8F96-ED64C3473ED9}" destId="{E9C14CC2-B08C-444F-8F71-E10662452CDB}" srcOrd="0" destOrd="0" presId="urn:microsoft.com/office/officeart/2018/2/layout/IconLabelList"/>
     <dgm:cxn modelId="{376806E0-FD41-4743-A8EE-5669046EE9EF}" srcId="{6FBCB7C7-9D7A-4B91-9A47-08A16B31FA49}" destId="{908E52F1-287B-4FCE-9317-CA95DDC41FFC}" srcOrd="4" destOrd="0" parTransId="{1D645EFD-50AD-408F-AADB-B38ECA82A646}" sibTransId="{7BBF2BA6-EF92-4FC8-84D0-91FE84F1995B}"/>
-    <dgm:cxn modelId="{E62FB2FB-82C9-4440-9FB8-392B21423B05}" type="presOf" srcId="{908E52F1-287B-4FCE-9317-CA95DDC41FFC}" destId="{9F3280A7-FBF0-4AC2-BBE1-2200A34538E1}" srcOrd="0" destOrd="0" presId="urn:microsoft.com/office/officeart/2018/2/layout/IconLabelList"/>
-    <dgm:cxn modelId="{009C22AF-226E-4703-A6EA-0562E60B2EC4}" type="presParOf" srcId="{1E4F4770-0214-4367-8076-1C8ECA3B779A}" destId="{F97DF8E7-B974-4E56-AB63-50A30B4270A5}" srcOrd="0" destOrd="0" presId="urn:microsoft.com/office/officeart/2018/2/layout/IconLabelList"/>
-    <dgm:cxn modelId="{C3BDEF19-F99F-42F5-9138-83C1AD37D5D9}" type="presParOf" srcId="{F97DF8E7-B974-4E56-AB63-50A30B4270A5}" destId="{63952E9F-6368-4E2F-8BF9-60484A08FCEB}" srcOrd="0" destOrd="0" presId="urn:microsoft.com/office/officeart/2018/2/layout/IconLabelList"/>
-    <dgm:cxn modelId="{4265976F-5C65-410E-9D98-514B1CBCC4A9}" type="presParOf" srcId="{F97DF8E7-B974-4E56-AB63-50A30B4270A5}" destId="{55B3C4ED-690F-49DE-8460-BF7816DCB5E6}" srcOrd="1" destOrd="0" presId="urn:microsoft.com/office/officeart/2018/2/layout/IconLabelList"/>
-    <dgm:cxn modelId="{46583B82-4BA5-40C3-A42E-22A396CFDC48}" type="presParOf" srcId="{F97DF8E7-B974-4E56-AB63-50A30B4270A5}" destId="{F87ED836-AEC9-4765-829A-BC03827A84A9}" srcOrd="2" destOrd="0" presId="urn:microsoft.com/office/officeart/2018/2/layout/IconLabelList"/>
-    <dgm:cxn modelId="{5CB26740-10F3-4A30-845B-D6CE1DD37EC3}" type="presParOf" srcId="{1E4F4770-0214-4367-8076-1C8ECA3B779A}" destId="{B939AF64-7202-4297-AA0B-A001918B4D74}" srcOrd="1" destOrd="0" presId="urn:microsoft.com/office/officeart/2018/2/layout/IconLabelList"/>
-    <dgm:cxn modelId="{DA8319E3-27F6-4CBD-9C98-A16F319376D4}" type="presParOf" srcId="{1E4F4770-0214-4367-8076-1C8ECA3B779A}" destId="{CCC28B40-791F-406C-9A66-E19A689AD44E}" srcOrd="2" destOrd="0" presId="urn:microsoft.com/office/officeart/2018/2/layout/IconLabelList"/>
-    <dgm:cxn modelId="{435CC236-A231-4957-AC69-86B092716D9C}" type="presParOf" srcId="{CCC28B40-791F-406C-9A66-E19A689AD44E}" destId="{C69F332D-1B2D-4E9B-9B9B-BFCC8AD593BC}" srcOrd="0" destOrd="0" presId="urn:microsoft.com/office/officeart/2018/2/layout/IconLabelList"/>
-    <dgm:cxn modelId="{05F8A03D-481B-4D77-8E9F-EBB6689A4E2C}" type="presParOf" srcId="{CCC28B40-791F-406C-9A66-E19A689AD44E}" destId="{7E7DFA6D-40E8-4FC0-BF2B-A7F3A0F1611F}" srcOrd="1" destOrd="0" presId="urn:microsoft.com/office/officeart/2018/2/layout/IconLabelList"/>
-    <dgm:cxn modelId="{054DB74E-6903-439A-A0B4-8FE90E3C6D08}" type="presParOf" srcId="{CCC28B40-791F-406C-9A66-E19A689AD44E}" destId="{63683878-75BD-4171-B1EB-C8FBA85BABD5}" srcOrd="2" destOrd="0" presId="urn:microsoft.com/office/officeart/2018/2/layout/IconLabelList"/>
-    <dgm:cxn modelId="{E1A08D9A-150E-46F6-87C7-0D78F3620E6A}" type="presParOf" srcId="{1E4F4770-0214-4367-8076-1C8ECA3B779A}" destId="{C672893A-52AD-48AD-B3D9-FF88B5AEE488}" srcOrd="3" destOrd="0" presId="urn:microsoft.com/office/officeart/2018/2/layout/IconLabelList"/>
-    <dgm:cxn modelId="{944BAF62-188E-45AB-86BF-A2F378EC5C89}" type="presParOf" srcId="{1E4F4770-0214-4367-8076-1C8ECA3B779A}" destId="{C39AC7D0-0FB7-4FE1-947F-BF9F0A122584}" srcOrd="4" destOrd="0" presId="urn:microsoft.com/office/officeart/2018/2/layout/IconLabelList"/>
-    <dgm:cxn modelId="{71B01B59-8190-4A34-93E1-671F02B7242B}" type="presParOf" srcId="{C39AC7D0-0FB7-4FE1-947F-BF9F0A122584}" destId="{7E49A597-7207-4BE4-8C91-F258E308EB07}" srcOrd="0" destOrd="0" presId="urn:microsoft.com/office/officeart/2018/2/layout/IconLabelList"/>
-    <dgm:cxn modelId="{DA0237E4-3E72-4AA4-9B54-8651343B54E5}" type="presParOf" srcId="{C39AC7D0-0FB7-4FE1-947F-BF9F0A122584}" destId="{4E09384E-5BC6-4316-92AF-4A7318C99E47}" srcOrd="1" destOrd="0" presId="urn:microsoft.com/office/officeart/2018/2/layout/IconLabelList"/>
-    <dgm:cxn modelId="{45F8B6C3-356D-4A71-8460-62CD86738AAD}" type="presParOf" srcId="{C39AC7D0-0FB7-4FE1-947F-BF9F0A122584}" destId="{79A743F9-18DE-4882-8E4B-94B2C09036F6}" srcOrd="2" destOrd="0" presId="urn:microsoft.com/office/officeart/2018/2/layout/IconLabelList"/>
-    <dgm:cxn modelId="{D3ED0460-CD0D-4F9B-8721-DBF47AFE5016}" type="presParOf" srcId="{1E4F4770-0214-4367-8076-1C8ECA3B779A}" destId="{8FF62388-5888-40D2-9AD5-EE6B8D289136}" srcOrd="5" destOrd="0" presId="urn:microsoft.com/office/officeart/2018/2/layout/IconLabelList"/>
-    <dgm:cxn modelId="{72CF413E-53FE-4701-A47D-A0CC5842F66D}" type="presParOf" srcId="{1E4F4770-0214-4367-8076-1C8ECA3B779A}" destId="{A37203F5-C0D4-44F0-9EE8-BD388B9177F4}" srcOrd="6" destOrd="0" presId="urn:microsoft.com/office/officeart/2018/2/layout/IconLabelList"/>
-    <dgm:cxn modelId="{18093926-7C79-413A-A9E4-9003E1BD6508}" type="presParOf" srcId="{A37203F5-C0D4-44F0-9EE8-BD388B9177F4}" destId="{3117BE02-2BD2-4042-BEAE-061E518B5839}" srcOrd="0" destOrd="0" presId="urn:microsoft.com/office/officeart/2018/2/layout/IconLabelList"/>
-    <dgm:cxn modelId="{DD42F718-E4F8-454C-8C0B-E986B65D7676}" type="presParOf" srcId="{A37203F5-C0D4-44F0-9EE8-BD388B9177F4}" destId="{B4F17F9E-1E61-4E6E-8BD4-0DAB8C1138A5}" srcOrd="1" destOrd="0" presId="urn:microsoft.com/office/officeart/2018/2/layout/IconLabelList"/>
-    <dgm:cxn modelId="{8701DF3D-8131-46FE-9D2C-3828C7EB4485}" type="presParOf" srcId="{A37203F5-C0D4-44F0-9EE8-BD388B9177F4}" destId="{E9C14CC2-B08C-444F-8F71-E10662452CDB}" srcOrd="2" destOrd="0" presId="urn:microsoft.com/office/officeart/2018/2/layout/IconLabelList"/>
-    <dgm:cxn modelId="{A03B55C7-7134-4464-BD37-4EB7B47B5CEE}" type="presParOf" srcId="{1E4F4770-0214-4367-8076-1C8ECA3B779A}" destId="{70672191-E264-4993-B4F0-43DD0BB4F407}" srcOrd="7" destOrd="0" presId="urn:microsoft.com/office/officeart/2018/2/layout/IconLabelList"/>
-    <dgm:cxn modelId="{841919BA-1117-43E6-9BD4-C502C3438DC6}" type="presParOf" srcId="{1E4F4770-0214-4367-8076-1C8ECA3B779A}" destId="{5C37F6F0-F9A5-4590-BDFB-A167A314929E}" srcOrd="8" destOrd="0" presId="urn:microsoft.com/office/officeart/2018/2/layout/IconLabelList"/>
-    <dgm:cxn modelId="{D0C6FB94-12BB-4B94-8236-2F2507A4FAF9}" type="presParOf" srcId="{5C37F6F0-F9A5-4590-BDFB-A167A314929E}" destId="{272445EA-711A-4D70-9B65-2C07B6CF9747}" srcOrd="0" destOrd="0" presId="urn:microsoft.com/office/officeart/2018/2/layout/IconLabelList"/>
-    <dgm:cxn modelId="{698FB393-A922-4D12-8147-1C118BFB0417}" type="presParOf" srcId="{5C37F6F0-F9A5-4590-BDFB-A167A314929E}" destId="{113B861E-3511-4375-BB30-47F6B5E93132}" srcOrd="1" destOrd="0" presId="urn:microsoft.com/office/officeart/2018/2/layout/IconLabelList"/>
-    <dgm:cxn modelId="{3B43AF93-5CA2-4E08-B945-31025CC5E8DE}" type="presParOf" srcId="{5C37F6F0-F9A5-4590-BDFB-A167A314929E}" destId="{9F3280A7-FBF0-4AC2-BBE1-2200A34538E1}" srcOrd="2" destOrd="0" presId="urn:microsoft.com/office/officeart/2018/2/layout/IconLabelList"/>
-    <dgm:cxn modelId="{AED9F8F3-7E2A-4B50-BBAD-02800607D72B}" type="presParOf" srcId="{1E4F4770-0214-4367-8076-1C8ECA3B779A}" destId="{D293C3B1-79DC-480B-B914-83CAC9926649}" srcOrd="9" destOrd="0" presId="urn:microsoft.com/office/officeart/2018/2/layout/IconLabelList"/>
-    <dgm:cxn modelId="{90FA25BB-1ED2-471F-B32D-1B2D5EAA3A78}" type="presParOf" srcId="{1E4F4770-0214-4367-8076-1C8ECA3B779A}" destId="{20783943-55C5-48B0-A91D-46660B5A663E}" srcOrd="10" destOrd="0" presId="urn:microsoft.com/office/officeart/2018/2/layout/IconLabelList"/>
-    <dgm:cxn modelId="{CCC5783C-DF71-4B03-913F-5267DC954BF4}" type="presParOf" srcId="{20783943-55C5-48B0-A91D-46660B5A663E}" destId="{4CBA5E0C-E557-43E5-B4E0-6FB6C437D624}" srcOrd="0" destOrd="0" presId="urn:microsoft.com/office/officeart/2018/2/layout/IconLabelList"/>
-    <dgm:cxn modelId="{774C8880-CF71-49C6-8143-1974A0D82CBF}" type="presParOf" srcId="{20783943-55C5-48B0-A91D-46660B5A663E}" destId="{51749618-3ADA-4B2B-9D0B-724FE8282097}" srcOrd="1" destOrd="0" presId="urn:microsoft.com/office/officeart/2018/2/layout/IconLabelList"/>
-    <dgm:cxn modelId="{6D5B404A-5227-45E4-8033-D833A31E339F}" type="presParOf" srcId="{20783943-55C5-48B0-A91D-46660B5A663E}" destId="{C3EF24FE-59D1-42CA-B0BC-B80C601BB47D}" srcOrd="2" destOrd="0" presId="urn:microsoft.com/office/officeart/2018/2/layout/IconLabelList"/>
+    <dgm:cxn modelId="{4DE9BCE2-2E07-4F7A-A00B-20E102742A1A}" type="presOf" srcId="{C8DDD2D6-5587-4F98-954B-5EC34EA049FD}" destId="{C3EF24FE-59D1-42CA-B0BC-B80C601BB47D}" srcOrd="0" destOrd="0" presId="urn:microsoft.com/office/officeart/2018/2/layout/IconLabelList"/>
+    <dgm:cxn modelId="{1138A0FE-1D7D-46D8-9CC9-236C0F641692}" type="presOf" srcId="{F690E143-9675-42F2-B6FA-8C587885BA24}" destId="{79A743F9-18DE-4882-8E4B-94B2C09036F6}" srcOrd="0" destOrd="0" presId="urn:microsoft.com/office/officeart/2018/2/layout/IconLabelList"/>
+    <dgm:cxn modelId="{9098B298-52FA-4D5F-AC5D-D494950EC5BD}" type="presParOf" srcId="{1E4F4770-0214-4367-8076-1C8ECA3B779A}" destId="{F97DF8E7-B974-4E56-AB63-50A30B4270A5}" srcOrd="0" destOrd="0" presId="urn:microsoft.com/office/officeart/2018/2/layout/IconLabelList"/>
+    <dgm:cxn modelId="{B9324051-6607-405C-B665-D9A1DA068E85}" type="presParOf" srcId="{F97DF8E7-B974-4E56-AB63-50A30B4270A5}" destId="{63952E9F-6368-4E2F-8BF9-60484A08FCEB}" srcOrd="0" destOrd="0" presId="urn:microsoft.com/office/officeart/2018/2/layout/IconLabelList"/>
+    <dgm:cxn modelId="{7E84EAF5-C496-4AD4-9FF7-464A09E028D1}" type="presParOf" srcId="{F97DF8E7-B974-4E56-AB63-50A30B4270A5}" destId="{55B3C4ED-690F-49DE-8460-BF7816DCB5E6}" srcOrd="1" destOrd="0" presId="urn:microsoft.com/office/officeart/2018/2/layout/IconLabelList"/>
+    <dgm:cxn modelId="{4A478231-02E8-434D-A97E-788544440D80}" type="presParOf" srcId="{F97DF8E7-B974-4E56-AB63-50A30B4270A5}" destId="{F87ED836-AEC9-4765-829A-BC03827A84A9}" srcOrd="2" destOrd="0" presId="urn:microsoft.com/office/officeart/2018/2/layout/IconLabelList"/>
+    <dgm:cxn modelId="{0EC5F3BE-9E45-4595-A182-7196D5676319}" type="presParOf" srcId="{1E4F4770-0214-4367-8076-1C8ECA3B779A}" destId="{B939AF64-7202-4297-AA0B-A001918B4D74}" srcOrd="1" destOrd="0" presId="urn:microsoft.com/office/officeart/2018/2/layout/IconLabelList"/>
+    <dgm:cxn modelId="{E35F1F82-D9C2-44C6-AC5D-FEEDDF766F27}" type="presParOf" srcId="{1E4F4770-0214-4367-8076-1C8ECA3B779A}" destId="{CCC28B40-791F-406C-9A66-E19A689AD44E}" srcOrd="2" destOrd="0" presId="urn:microsoft.com/office/officeart/2018/2/layout/IconLabelList"/>
+    <dgm:cxn modelId="{CAF34ACF-6804-4CEA-B450-1D3653E439D7}" type="presParOf" srcId="{CCC28B40-791F-406C-9A66-E19A689AD44E}" destId="{C69F332D-1B2D-4E9B-9B9B-BFCC8AD593BC}" srcOrd="0" destOrd="0" presId="urn:microsoft.com/office/officeart/2018/2/layout/IconLabelList"/>
+    <dgm:cxn modelId="{AF1CF665-68E5-4BD6-B5B6-FEC2ED176CC0}" type="presParOf" srcId="{CCC28B40-791F-406C-9A66-E19A689AD44E}" destId="{7E7DFA6D-40E8-4FC0-BF2B-A7F3A0F1611F}" srcOrd="1" destOrd="0" presId="urn:microsoft.com/office/officeart/2018/2/layout/IconLabelList"/>
+    <dgm:cxn modelId="{B198E98B-4D15-4B9B-B476-35DBE9F2981F}" type="presParOf" srcId="{CCC28B40-791F-406C-9A66-E19A689AD44E}" destId="{63683878-75BD-4171-B1EB-C8FBA85BABD5}" srcOrd="2" destOrd="0" presId="urn:microsoft.com/office/officeart/2018/2/layout/IconLabelList"/>
+    <dgm:cxn modelId="{D7578AB0-14BF-4A04-B957-428CFD629C91}" type="presParOf" srcId="{1E4F4770-0214-4367-8076-1C8ECA3B779A}" destId="{C672893A-52AD-48AD-B3D9-FF88B5AEE488}" srcOrd="3" destOrd="0" presId="urn:microsoft.com/office/officeart/2018/2/layout/IconLabelList"/>
+    <dgm:cxn modelId="{0DCA92DB-6D58-46C7-BE87-898E3038263E}" type="presParOf" srcId="{1E4F4770-0214-4367-8076-1C8ECA3B779A}" destId="{C39AC7D0-0FB7-4FE1-947F-BF9F0A122584}" srcOrd="4" destOrd="0" presId="urn:microsoft.com/office/officeart/2018/2/layout/IconLabelList"/>
+    <dgm:cxn modelId="{A0F51EB2-8A42-4483-BA89-8AFA8758C23E}" type="presParOf" srcId="{C39AC7D0-0FB7-4FE1-947F-BF9F0A122584}" destId="{7E49A597-7207-4BE4-8C91-F258E308EB07}" srcOrd="0" destOrd="0" presId="urn:microsoft.com/office/officeart/2018/2/layout/IconLabelList"/>
+    <dgm:cxn modelId="{733B7472-8A77-4B72-A0DC-BF72C82A4103}" type="presParOf" srcId="{C39AC7D0-0FB7-4FE1-947F-BF9F0A122584}" destId="{4E09384E-5BC6-4316-92AF-4A7318C99E47}" srcOrd="1" destOrd="0" presId="urn:microsoft.com/office/officeart/2018/2/layout/IconLabelList"/>
+    <dgm:cxn modelId="{87118CE1-28C1-4070-9BF6-C9FFE048CB0F}" type="presParOf" srcId="{C39AC7D0-0FB7-4FE1-947F-BF9F0A122584}" destId="{79A743F9-18DE-4882-8E4B-94B2C09036F6}" srcOrd="2" destOrd="0" presId="urn:microsoft.com/office/officeart/2018/2/layout/IconLabelList"/>
+    <dgm:cxn modelId="{1DED6A8F-C3CC-428B-ACF3-DF85D45E6D23}" type="presParOf" srcId="{1E4F4770-0214-4367-8076-1C8ECA3B779A}" destId="{8FF62388-5888-40D2-9AD5-EE6B8D289136}" srcOrd="5" destOrd="0" presId="urn:microsoft.com/office/officeart/2018/2/layout/IconLabelList"/>
+    <dgm:cxn modelId="{09B264F6-3393-445D-8C9C-F493B3BB5961}" type="presParOf" srcId="{1E4F4770-0214-4367-8076-1C8ECA3B779A}" destId="{A37203F5-C0D4-44F0-9EE8-BD388B9177F4}" srcOrd="6" destOrd="0" presId="urn:microsoft.com/office/officeart/2018/2/layout/IconLabelList"/>
+    <dgm:cxn modelId="{581B2734-6D35-4C20-A664-00E2BD62AE9C}" type="presParOf" srcId="{A37203F5-C0D4-44F0-9EE8-BD388B9177F4}" destId="{3117BE02-2BD2-4042-BEAE-061E518B5839}" srcOrd="0" destOrd="0" presId="urn:microsoft.com/office/officeart/2018/2/layout/IconLabelList"/>
+    <dgm:cxn modelId="{505FE22E-7A1D-456E-A5DF-9FAEF23E4CA6}" type="presParOf" srcId="{A37203F5-C0D4-44F0-9EE8-BD388B9177F4}" destId="{B4F17F9E-1E61-4E6E-8BD4-0DAB8C1138A5}" srcOrd="1" destOrd="0" presId="urn:microsoft.com/office/officeart/2018/2/layout/IconLabelList"/>
+    <dgm:cxn modelId="{72630DDE-23D3-43C3-999A-EF5DCE646F46}" type="presParOf" srcId="{A37203F5-C0D4-44F0-9EE8-BD388B9177F4}" destId="{E9C14CC2-B08C-444F-8F71-E10662452CDB}" srcOrd="2" destOrd="0" presId="urn:microsoft.com/office/officeart/2018/2/layout/IconLabelList"/>
+    <dgm:cxn modelId="{A2C70411-2869-41FA-AD88-CB0435935A0B}" type="presParOf" srcId="{1E4F4770-0214-4367-8076-1C8ECA3B779A}" destId="{70672191-E264-4993-B4F0-43DD0BB4F407}" srcOrd="7" destOrd="0" presId="urn:microsoft.com/office/officeart/2018/2/layout/IconLabelList"/>
+    <dgm:cxn modelId="{A9F14E37-F2BD-4618-90C8-6C5B0C99FBED}" type="presParOf" srcId="{1E4F4770-0214-4367-8076-1C8ECA3B779A}" destId="{5C37F6F0-F9A5-4590-BDFB-A167A314929E}" srcOrd="8" destOrd="0" presId="urn:microsoft.com/office/officeart/2018/2/layout/IconLabelList"/>
+    <dgm:cxn modelId="{1EE55B2B-8261-480C-B5E8-1E8878552433}" type="presParOf" srcId="{5C37F6F0-F9A5-4590-BDFB-A167A314929E}" destId="{272445EA-711A-4D70-9B65-2C07B6CF9747}" srcOrd="0" destOrd="0" presId="urn:microsoft.com/office/officeart/2018/2/layout/IconLabelList"/>
+    <dgm:cxn modelId="{804C7FC6-76D1-4D38-922A-CA76C838A9EB}" type="presParOf" srcId="{5C37F6F0-F9A5-4590-BDFB-A167A314929E}" destId="{113B861E-3511-4375-BB30-47F6B5E93132}" srcOrd="1" destOrd="0" presId="urn:microsoft.com/office/officeart/2018/2/layout/IconLabelList"/>
+    <dgm:cxn modelId="{E71A6A97-8660-44C9-9897-32161AF33F8B}" type="presParOf" srcId="{5C37F6F0-F9A5-4590-BDFB-A167A314929E}" destId="{9F3280A7-FBF0-4AC2-BBE1-2200A34538E1}" srcOrd="2" destOrd="0" presId="urn:microsoft.com/office/officeart/2018/2/layout/IconLabelList"/>
+    <dgm:cxn modelId="{972B6E63-7926-427D-958B-875198FACCDB}" type="presParOf" srcId="{1E4F4770-0214-4367-8076-1C8ECA3B779A}" destId="{D293C3B1-79DC-480B-B914-83CAC9926649}" srcOrd="9" destOrd="0" presId="urn:microsoft.com/office/officeart/2018/2/layout/IconLabelList"/>
+    <dgm:cxn modelId="{E8C65DD2-82EA-4EFE-9414-E7DB4120ED07}" type="presParOf" srcId="{1E4F4770-0214-4367-8076-1C8ECA3B779A}" destId="{20783943-55C5-48B0-A91D-46660B5A663E}" srcOrd="10" destOrd="0" presId="urn:microsoft.com/office/officeart/2018/2/layout/IconLabelList"/>
+    <dgm:cxn modelId="{980FC8AD-D025-4610-9CE0-93894AC3DA0B}" type="presParOf" srcId="{20783943-55C5-48B0-A91D-46660B5A663E}" destId="{4CBA5E0C-E557-43E5-B4E0-6FB6C437D624}" srcOrd="0" destOrd="0" presId="urn:microsoft.com/office/officeart/2018/2/layout/IconLabelList"/>
+    <dgm:cxn modelId="{22535884-3503-46FF-8EB4-5316AA358909}" type="presParOf" srcId="{20783943-55C5-48B0-A91D-46660B5A663E}" destId="{51749618-3ADA-4B2B-9D0B-724FE8282097}" srcOrd="1" destOrd="0" presId="urn:microsoft.com/office/officeart/2018/2/layout/IconLabelList"/>
+    <dgm:cxn modelId="{D8E55539-2112-488C-9A6D-FD3D2D3749E8}" type="presParOf" srcId="{20783943-55C5-48B0-A91D-46660B5A663E}" destId="{C3EF24FE-59D1-42CA-B0BC-B80C601BB47D}" srcOrd="2" destOrd="0" presId="urn:microsoft.com/office/officeart/2018/2/layout/IconLabelList"/>
   </dgm:cxnLst>
   <dgm:bg/>
   <dgm:whole/>
@@ -3690,7 +3729,7 @@
             <a:buNone/>
           </a:pPr>
           <a:r>
-            <a:rPr lang="nb-NO" sz="2300" kern="1200"/>
+            <a:rPr lang="nb-NO" sz="2300" kern="1200" err="1"/>
             <a:t>Timere</a:t>
           </a:r>
           <a:r>
@@ -4332,7 +4371,31 @@
             <a:rPr lang="nb-NO" sz="1300" kern="1200">
               <a:latin typeface="Univers Condensed Light"/>
             </a:rPr>
-            <a:t>Temperatur printes til serial monitor via USART.</a:t>
+            <a:t>Temperatur </a:t>
+          </a:r>
+          <a:r>
+            <a:rPr lang="nb-NO" sz="1300" kern="1200" err="1">
+              <a:latin typeface="Univers Condensed Light"/>
+            </a:rPr>
+            <a:t>printes</a:t>
+          </a:r>
+          <a:r>
+            <a:rPr lang="nb-NO" sz="1300" kern="1200">
+              <a:latin typeface="Univers Condensed Light"/>
+            </a:rPr>
+            <a:t> til </a:t>
+          </a:r>
+          <a:r>
+            <a:rPr lang="nb-NO" sz="1300" kern="1200" err="1">
+              <a:latin typeface="Univers Condensed Light"/>
+            </a:rPr>
+            <a:t>serial</a:t>
+          </a:r>
+          <a:r>
+            <a:rPr lang="nb-NO" sz="1300" kern="1200">
+              <a:latin typeface="Univers Condensed Light"/>
+            </a:rPr>
+            <a:t> monitor via USART.</a:t>
           </a:r>
           <a:endParaRPr lang="en-US" sz="1300" kern="1200">
             <a:latin typeface="Univers Condensed Light"/>
@@ -7247,7 +7310,7 @@
           </a:lstStyle>
           <a:p>
             <a:r>
-              <a:rPr lang="en-US" dirty="0"/>
+              <a:rPr lang="en-US"/>
               <a:t>Click to edit Master title style</a:t>
             </a:r>
           </a:p>
@@ -7322,7 +7385,7 @@
           </a:lstStyle>
           <a:p>
             <a:r>
-              <a:rPr lang="en-US" dirty="0"/>
+              <a:rPr lang="en-US"/>
               <a:t>Click to edit Master subtitle style</a:t>
             </a:r>
           </a:p>
@@ -7869,7 +7932,7 @@
           <a:lstStyle/>
           <a:p>
             <a:r>
-              <a:rPr lang="en-US" dirty="0"/>
+              <a:rPr lang="en-US"/>
               <a:t>Click to edit Master title style</a:t>
             </a:r>
           </a:p>
@@ -7929,35 +7992,35 @@
           <a:p>
             <a:pPr lvl="0"/>
             <a:r>
-              <a:rPr lang="en-US" dirty="0"/>
+              <a:rPr lang="en-US"/>
               <a:t>Click to edit Master text styles</a:t>
             </a:r>
           </a:p>
           <a:p>
             <a:pPr lvl="1"/>
             <a:r>
-              <a:rPr lang="en-US" dirty="0"/>
+              <a:rPr lang="en-US"/>
               <a:t>Second level</a:t>
             </a:r>
           </a:p>
           <a:p>
             <a:pPr lvl="2"/>
             <a:r>
-              <a:rPr lang="en-US" dirty="0"/>
+              <a:rPr lang="en-US"/>
               <a:t>Third level</a:t>
             </a:r>
           </a:p>
           <a:p>
             <a:pPr lvl="3"/>
             <a:r>
-              <a:rPr lang="en-US" dirty="0"/>
+              <a:rPr lang="en-US"/>
               <a:t>Fourth level</a:t>
             </a:r>
           </a:p>
           <a:p>
             <a:pPr lvl="4"/>
             <a:r>
-              <a:rPr lang="en-US" dirty="0"/>
+              <a:rPr lang="en-US"/>
               <a:t>Fifth level</a:t>
             </a:r>
           </a:p>
@@ -7988,7 +8051,7 @@
               <a:rPr lang="en-US" smtClean="0"/>
               <a:t>5/4/2021</a:t>
             </a:fld>
-            <a:endParaRPr lang="en-US" dirty="0"/>
+            <a:endParaRPr lang="en-US"/>
           </a:p>
         </p:txBody>
       </p:sp>
@@ -8438,7 +8501,6 @@
               <a:rPr lang="en-US"/>
               <a:t>Fifth level</a:t>
             </a:r>
-            <a:endParaRPr lang="en-US" dirty="0"/>
           </a:p>
         </p:txBody>
       </p:sp>
@@ -8782,7 +8844,6 @@
               <a:rPr lang="en-US"/>
               <a:t>Fifth level</a:t>
             </a:r>
-            <a:endParaRPr lang="en-US" dirty="0"/>
           </a:p>
         </p:txBody>
       </p:sp>
@@ -10242,7 +10303,7 @@
           <a:lstStyle/>
           <a:p>
             <a:r>
-              <a:rPr lang="en-US" dirty="0"/>
+              <a:rPr lang="en-US"/>
               <a:t>Click to edit Master title style</a:t>
             </a:r>
           </a:p>
@@ -10281,35 +10342,35 @@
           <a:p>
             <a:pPr lvl="0"/>
             <a:r>
-              <a:rPr lang="en-US" dirty="0"/>
+              <a:rPr lang="en-US"/>
               <a:t>Click to edit Master text styles</a:t>
             </a:r>
           </a:p>
           <a:p>
             <a:pPr lvl="1"/>
             <a:r>
-              <a:rPr lang="en-US" dirty="0"/>
+              <a:rPr lang="en-US"/>
               <a:t>Second level</a:t>
             </a:r>
           </a:p>
           <a:p>
             <a:pPr lvl="2"/>
             <a:r>
-              <a:rPr lang="en-US" dirty="0"/>
+              <a:rPr lang="en-US"/>
               <a:t>Third level</a:t>
             </a:r>
           </a:p>
           <a:p>
             <a:pPr lvl="3"/>
             <a:r>
-              <a:rPr lang="en-US" dirty="0"/>
+              <a:rPr lang="en-US"/>
               <a:t>Fourth level</a:t>
             </a:r>
           </a:p>
           <a:p>
             <a:pPr lvl="4"/>
             <a:r>
-              <a:rPr lang="en-US" dirty="0"/>
+              <a:rPr lang="en-US"/>
               <a:t>Fifth level</a:t>
             </a:r>
           </a:p>
@@ -10403,7 +10464,7 @@
             </a:lvl1pPr>
           </a:lstStyle>
           <a:p>
-            <a:endParaRPr lang="en-US" dirty="0"/>
+            <a:endParaRPr lang="en-US"/>
           </a:p>
         </p:txBody>
       </p:sp>
@@ -10975,7 +11036,7 @@
           <a:lstStyle/>
           <a:p>
             <a:pPr algn="ctr"/>
-            <a:endParaRPr lang="en-US" dirty="0"/>
+            <a:endParaRPr lang="en-US"/>
           </a:p>
         </p:txBody>
       </p:sp>
@@ -11048,7 +11109,7 @@
           <a:lstStyle/>
           <a:p>
             <a:pPr algn="l"/>
-            <a:endParaRPr lang="nb-NO" dirty="0">
+            <a:endParaRPr lang="nb-NO">
               <a:solidFill>
                 <a:srgbClr val="FFFFFF"/>
               </a:solidFill>
@@ -11500,7 +11561,7 @@
           <a:lstStyle/>
           <a:p>
             <a:r>
-              <a:rPr lang="nb-NO" dirty="0"/>
+              <a:rPr lang="nb-NO"/>
               <a:t>Ideer til bruk og videre utvikling</a:t>
             </a:r>
           </a:p>
@@ -11589,7 +11650,7 @@
           <a:lstStyle/>
           <a:p>
             <a:r>
-              <a:rPr lang="nb-NO" dirty="0"/>
+              <a:rPr lang="nb-NO"/>
               <a:t>Dette er et avkjølingsprogram. Programmet overvåker både temperatur, og mekanisk endring som resultat av økt temperatur. </a:t>
             </a:r>
             <a:endParaRPr lang="en-US"/>
@@ -11599,7 +11660,6 @@
               <a:rPr lang="nb-NO"/>
               <a:t>Sammenhengen mellom temperaturmålingen og viftehastigheten fungerer i praksis likt som en CPU-vifte i en PC. En kan se for seg å videreutvikle/tilpasse programmet til å brukes i denne typen elektronikk.</a:t>
             </a:r>
-            <a:endParaRPr lang="nb-NO" dirty="0"/>
           </a:p>
           <a:p>
             <a:r>
@@ -12631,11 +12691,11 @@
           <a:lstStyle/>
           <a:p>
             <a:r>
-              <a:rPr lang="nb-NO" dirty="0"/>
+              <a:rPr lang="nb-NO"/>
               <a:t>Generelt oppsett: </a:t>
             </a:r>
             <a:r>
-              <a:rPr lang="nb-NO" sz="2800" dirty="0"/>
+              <a:rPr lang="nb-NO" sz="2800"/>
               <a:t>kjøleprogram</a:t>
             </a:r>
           </a:p>
@@ -12778,14 +12838,14 @@
           <a:lstStyle/>
           <a:p>
             <a:r>
-              <a:rPr lang="nb-NO" dirty="0"/>
+              <a:rPr lang="nb-NO"/>
               <a:t>ADC og </a:t>
             </a:r>
             <a:r>
-              <a:rPr lang="nb-NO" dirty="0" err="1"/>
+              <a:rPr lang="nb-NO" err="1"/>
               <a:t>interrupt</a:t>
             </a:r>
-            <a:endParaRPr lang="nb-NO" dirty="0"/>
+            <a:endParaRPr lang="nb-NO"/>
           </a:p>
         </p:txBody>
       </p:sp>
@@ -12813,95 +12873,70 @@
           <a:lstStyle/>
           <a:p>
             <a:r>
-              <a:rPr lang="nb-NO" dirty="0"/>
+              <a:rPr lang="nb-NO"/>
               <a:t>Analog to digital </a:t>
             </a:r>
             <a:r>
-              <a:rPr lang="nb-NO" dirty="0" err="1"/>
+              <a:rPr lang="nb-NO" err="1"/>
               <a:t>converter</a:t>
             </a:r>
             <a:r>
-              <a:rPr lang="nb-NO" dirty="0"/>
+              <a:rPr lang="nb-NO"/>
               <a:t> nødvendig for å lese sensorene.</a:t>
             </a:r>
           </a:p>
           <a:p>
             <a:r>
-              <a:rPr lang="nb-NO" dirty="0"/>
+              <a:rPr lang="nb-NO"/>
               <a:t>ADC kan kun lese en sensor av gangen. </a:t>
             </a:r>
             <a:r>
-              <a:rPr lang="nb-NO" dirty="0" err="1"/>
+              <a:rPr lang="nb-NO" err="1"/>
               <a:t>Toggler</a:t>
             </a:r>
             <a:r>
-              <a:rPr lang="nb-NO" dirty="0"/>
-              <a:t> mellom de to sensorpinnene </a:t>
-            </a:r>
-            <a:r>
               <a:rPr lang="nb-NO"/>
-              <a:t>etter hver avlesning</a:t>
-            </a:r>
-            <a:r>
-              <a:rPr lang="nb-NO" dirty="0"/>
-              <a:t>.</a:t>
+              <a:t> mellom de to sensorpinnene etter hver avlesning. </a:t>
+            </a:r>
+          </a:p>
+          <a:p>
+            <a:r>
+              <a:rPr lang="nb-NO" err="1"/>
+              <a:t>Interruptfunksjon</a:t>
             </a:r>
             <a:r>
               <a:rPr lang="nb-NO"/>
-              <a:t> </a:t>
-            </a:r>
-            <a:endParaRPr lang="nb-NO" dirty="0"/>
-          </a:p>
-          <a:p>
-            <a:r>
-              <a:rPr lang="nb-NO" dirty="0" err="1"/>
-              <a:t>Interruptfunksjon</a:t>
-            </a:r>
-            <a:r>
-              <a:rPr lang="nb-NO" dirty="0"/>
               <a:t> trigges med </a:t>
             </a:r>
             <a:r>
-              <a:rPr lang="nb-NO" dirty="0" err="1"/>
+              <a:rPr lang="nb-NO" err="1"/>
               <a:t>ADC_vect</a:t>
             </a:r>
             <a:r>
-              <a:rPr lang="nb-NO" dirty="0"/>
+              <a:rPr lang="nb-NO"/>
               <a:t>. Dette betyr den trigges når ADC-konverteringen er ferdig, altså ved hver konvertering. </a:t>
             </a:r>
           </a:p>
           <a:p>
             <a:r>
-              <a:rPr lang="nb-NO" dirty="0"/>
+              <a:rPr lang="nb-NO"/>
               <a:t>Switch-case inne i </a:t>
             </a:r>
             <a:r>
-              <a:rPr lang="nb-NO" dirty="0" err="1"/>
+              <a:rPr lang="nb-NO" err="1"/>
               <a:t>interrupt</a:t>
             </a:r>
             <a:r>
-              <a:rPr lang="nb-NO" dirty="0"/>
-              <a:t>-funksjonen. Sjekker hvilken pin som er blitt lest av</a:t>
-            </a:r>
-            <a:r>
               <a:rPr lang="nb-NO"/>
-              <a:t> og lagrer avlesningsverdi</a:t>
-            </a:r>
-            <a:r>
-              <a:rPr lang="nb-NO" dirty="0"/>
-              <a:t>. </a:t>
-            </a:r>
-            <a:r>
-              <a:rPr lang="nb-NO" dirty="0" err="1"/>
+              <a:t>-funksjonen. Sjekker hvilken pin som er blitt lest av og lagrer avlesningsverdi. </a:t>
+            </a:r>
+            <a:r>
+              <a:rPr lang="nb-NO" err="1"/>
               <a:t>Toggler</a:t>
             </a:r>
             <a:r>
-              <a:rPr lang="nb-NO" dirty="0"/>
-              <a:t> inngangspinne før neste avlesning.</a:t>
-            </a:r>
-            <a:r>
               <a:rPr lang="nb-NO"/>
-              <a:t> </a:t>
+              <a:t> inngangspinne før neste avlesning. </a:t>
             </a:r>
           </a:p>
           <a:p>
@@ -13296,7 +13331,7 @@
           <a:lstStyle/>
           <a:p>
             <a:pPr algn="ctr"/>
-            <a:endParaRPr lang="en-US" dirty="0"/>
+            <a:endParaRPr lang="en-US"/>
           </a:p>
         </p:txBody>
       </p:sp>
@@ -13329,7 +13364,7 @@
           <a:lstStyle/>
           <a:p>
             <a:r>
-              <a:rPr lang="nb-NO" dirty="0"/>
+              <a:rPr lang="nb-NO"/>
               <a:t>Hvorfor denne løsningen?</a:t>
             </a:r>
           </a:p>
@@ -13369,7 +13404,7 @@
               </a:lnSpc>
             </a:pPr>
             <a:r>
-              <a:rPr lang="nb-NO" dirty="0"/>
+              <a:rPr lang="nb-NO"/>
               <a:t>Finner ingen løsning der ADC kan kjøre parallelt med to sensorer. Derfor må hver sensor leses etter hverandre. </a:t>
             </a:r>
           </a:p>
@@ -13380,35 +13415,35 @@
               </a:lnSpc>
             </a:pPr>
             <a:r>
-              <a:rPr lang="nb-NO" dirty="0" err="1"/>
+              <a:rPr lang="nb-NO" err="1"/>
               <a:t>Interrupt</a:t>
             </a:r>
             <a:r>
-              <a:rPr lang="nb-NO" dirty="0"/>
+              <a:rPr lang="nb-NO"/>
               <a:t> er hardware-basert. Kan derfor ikke bruke spesifiserte tilfeller for å trigge </a:t>
             </a:r>
             <a:r>
-              <a:rPr lang="nb-NO" dirty="0" err="1"/>
+              <a:rPr lang="nb-NO" err="1"/>
               <a:t>interrupten</a:t>
             </a:r>
             <a:r>
-              <a:rPr lang="nb-NO" dirty="0"/>
+              <a:rPr lang="nb-NO"/>
               <a:t> som en if-</a:t>
             </a:r>
             <a:r>
-              <a:rPr lang="nb-NO" dirty="0" err="1"/>
+              <a:rPr lang="nb-NO" err="1"/>
               <a:t>else</a:t>
             </a:r>
             <a:r>
-              <a:rPr lang="nb-NO" dirty="0"/>
+              <a:rPr lang="nb-NO"/>
               <a:t>-løsning. Kan kun bruke </a:t>
             </a:r>
             <a:r>
-              <a:rPr lang="nb-NO" dirty="0" err="1"/>
+              <a:rPr lang="nb-NO" err="1"/>
               <a:t>interrupt</a:t>
             </a:r>
             <a:r>
-              <a:rPr lang="nb-NO" dirty="0"/>
+              <a:rPr lang="nb-NO"/>
               <a:t>-vektorene som eksisterer fra før av. </a:t>
             </a:r>
           </a:p>
@@ -13419,43 +13454,31 @@
               </a:lnSpc>
             </a:pPr>
             <a:r>
-              <a:rPr lang="nb-NO" dirty="0"/>
+              <a:rPr lang="nb-NO"/>
               <a:t>ISR(</a:t>
             </a:r>
             <a:r>
-              <a:rPr lang="nb-NO" dirty="0" err="1"/>
+              <a:rPr lang="nb-NO" err="1"/>
               <a:t>ADC_vect</a:t>
             </a:r>
             <a:r>
-              <a:rPr lang="nb-NO" dirty="0"/>
-              <a:t>) trigges når konverteringen er ferdig.</a:t>
-            </a:r>
-            <a:r>
               <a:rPr lang="nb-NO"/>
-              <a:t> </a:t>
-            </a:r>
-            <a:r>
-              <a:rPr lang="nb-NO" dirty="0"/>
-              <a:t>Må derfor sortere hvilke verdier som er relevante </a:t>
-            </a:r>
-            <a:r>
-              <a:rPr lang="nb-NO" i="1" dirty="0"/>
+              <a:t>) trigges når konverteringen er ferdig. Må derfor sortere hvilke verdier som er relevante </a:t>
+            </a:r>
+            <a:r>
+              <a:rPr lang="nb-NO" i="1"/>
               <a:t>etter</a:t>
             </a:r>
             <a:r>
               <a:rPr lang="nb-NO"/>
-              <a:t> </a:t>
-            </a:r>
-            <a:r>
-              <a:rPr lang="nb-NO" dirty="0"/>
-              <a:t> </a:t>
-            </a:r>
-            <a:r>
-              <a:rPr lang="nb-NO" dirty="0" err="1"/>
+              <a:t>  </a:t>
+            </a:r>
+            <a:r>
+              <a:rPr lang="nb-NO" err="1"/>
               <a:t>interrupten</a:t>
             </a:r>
             <a:r>
-              <a:rPr lang="nb-NO" dirty="0"/>
+              <a:rPr lang="nb-NO"/>
               <a:t>.</a:t>
             </a:r>
           </a:p>
@@ -13466,15 +13489,15 @@
               </a:lnSpc>
             </a:pPr>
             <a:r>
-              <a:rPr lang="nb-NO" dirty="0"/>
+              <a:rPr lang="nb-NO"/>
               <a:t>Mest praktisk å da lese hvilken pinne som trigget </a:t>
             </a:r>
             <a:r>
-              <a:rPr lang="nb-NO" dirty="0" err="1"/>
+              <a:rPr lang="nb-NO" err="1"/>
               <a:t>interrupten</a:t>
             </a:r>
             <a:r>
-              <a:rPr lang="nb-NO" dirty="0"/>
+              <a:rPr lang="nb-NO"/>
               <a:t> og sortere basert på dette.</a:t>
             </a:r>
           </a:p>
@@ -13485,7 +13508,7 @@
               </a:lnSpc>
             </a:pPr>
             <a:r>
-              <a:rPr lang="nb-NO" dirty="0"/>
+              <a:rPr lang="nb-NO"/>
               <a:t>Anbefalt å ha så korte ISR-funksjoner som mulig. Switch-case-strukturen er likevel relativt kort.</a:t>
             </a:r>
           </a:p>
@@ -13753,11 +13776,11 @@
           <a:lstStyle/>
           <a:p>
             <a:r>
-              <a:rPr lang="nb-NO" dirty="0" err="1"/>
+              <a:rPr lang="nb-NO" err="1"/>
               <a:t>Timere</a:t>
             </a:r>
             <a:r>
-              <a:rPr lang="nb-NO" dirty="0"/>
+              <a:rPr lang="nb-NO"/>
               <a:t> og PWM</a:t>
             </a:r>
           </a:p>
@@ -14025,7 +14048,7 @@
           <a:lstStyle/>
           <a:p>
             <a:r>
-              <a:rPr lang="nb-NO" dirty="0"/>
+              <a:rPr lang="nb-NO"/>
               <a:t>Hvorfor denne løsningen?</a:t>
             </a:r>
           </a:p>
@@ -14049,10 +14072,48 @@
         </p:nvSpPr>
         <p:spPr/>
         <p:txBody>
-          <a:bodyPr/>
+          <a:bodyPr vert="horz" lIns="91440" tIns="45720" rIns="91440" bIns="45720" rtlCol="0" anchor="t">
+            <a:normAutofit/>
+          </a:bodyPr>
           <a:lstStyle/>
           <a:p>
-            <a:endParaRPr lang="nb-NO"/>
+            <a:r>
+              <a:rPr lang="nb-NO"/>
+              <a:t>Man vil kunne variere utgangsspenning basert på temperatur</a:t>
+            </a:r>
+            <a:endParaRPr lang="nb-NO" dirty="0"/>
+          </a:p>
+          <a:p>
+            <a:r>
+              <a:rPr lang="nb-NO"/>
+              <a:t>Lite elektronikk/kode er nødvendig</a:t>
+            </a:r>
+          </a:p>
+          <a:p>
+            <a:r>
+              <a:rPr lang="nb-NO"/>
+              <a:t>Kan drive så mange vifter som nødvendig (realistisk sett) i et system</a:t>
+            </a:r>
+          </a:p>
+          <a:p>
+            <a:r>
+              <a:rPr lang="nb-NO"/>
+              <a:t>Samme utgangssignal kan brukes ved flere spenningsnivåer på grunn av forsterkerkrets</a:t>
+            </a:r>
+            <a:endParaRPr lang="nb-NO" dirty="0"/>
+          </a:p>
+          <a:p>
+            <a:r>
+              <a:rPr lang="nb-NO"/>
+              <a:t>Lett å bruke, håndtere og modifisere</a:t>
+            </a:r>
+            <a:endParaRPr lang="nb-NO" dirty="0"/>
+          </a:p>
+          <a:p>
+            <a:endParaRPr lang="nb-NO" dirty="0"/>
+          </a:p>
+          <a:p>
+            <a:endParaRPr lang="nb-NO" dirty="0"/>
           </a:p>
         </p:txBody>
       </p:sp>
@@ -14108,7 +14169,7 @@
           <a:lstStyle/>
           <a:p>
             <a:r>
-              <a:rPr lang="nb-NO" dirty="0"/>
+              <a:rPr lang="nb-NO"/>
               <a:t>Seriell kommunikasjon</a:t>
             </a:r>
           </a:p>
@@ -14136,121 +14197,121 @@
           <a:lstStyle/>
           <a:p>
             <a:r>
-              <a:rPr lang="nb-NO" dirty="0"/>
+              <a:rPr lang="nb-NO"/>
               <a:t>USART nødvendig for å kommunisere mellom  ATmega328P og PC</a:t>
             </a:r>
           </a:p>
           <a:p>
             <a:r>
-              <a:rPr lang="nb-NO" dirty="0"/>
+              <a:rPr lang="nb-NO"/>
               <a:t>Det er lagd et bibliotek for å sende og motta tekst og tall mellom -32,768 to 32,767</a:t>
             </a:r>
           </a:p>
           <a:p>
             <a:r>
-              <a:rPr lang="nb-NO" dirty="0"/>
+              <a:rPr lang="nb-NO"/>
               <a:t>Funksjonene for tekst bruker pekere for å iterere gjennom minneadressene</a:t>
             </a:r>
           </a:p>
           <a:p>
             <a:r>
-              <a:rPr lang="nb-NO" dirty="0"/>
+              <a:rPr lang="nb-NO"/>
               <a:t>Alle funksjonene er avhengig av NULL-terminering på en eller annen måte </a:t>
             </a:r>
           </a:p>
           <a:p>
             <a:r>
-              <a:rPr lang="nb-NO" dirty="0"/>
+              <a:rPr lang="nb-NO"/>
               <a:t>Valgt en BAUD-rate på 9600</a:t>
             </a:r>
           </a:p>
           <a:p>
             <a:r>
-              <a:rPr lang="nb-NO" dirty="0"/>
+              <a:rPr lang="nb-NO"/>
               <a:t>Bruker </a:t>
             </a:r>
             <a:r>
-              <a:rPr lang="en-US" dirty="0"/>
+              <a:rPr lang="en-US"/>
               <a:t> 8 data bits </a:t>
             </a:r>
             <a:r>
-              <a:rPr lang="en-US" dirty="0" err="1"/>
+              <a:rPr lang="en-US" err="1"/>
               <a:t>og</a:t>
             </a:r>
             <a:r>
-              <a:rPr lang="en-US" dirty="0"/>
+              <a:rPr lang="en-US"/>
               <a:t> 1 stop bit</a:t>
             </a:r>
           </a:p>
           <a:p>
             <a:r>
-              <a:rPr lang="en-US" dirty="0" err="1"/>
+              <a:rPr lang="en-US" err="1"/>
               <a:t>ATmega</a:t>
             </a:r>
             <a:r>
-              <a:rPr lang="en-US" dirty="0"/>
+              <a:rPr lang="en-US"/>
               <a:t> sender </a:t>
             </a:r>
             <a:r>
-              <a:rPr lang="en-US" dirty="0" err="1"/>
+              <a:rPr lang="en-US" err="1"/>
               <a:t>temperatur</a:t>
             </a:r>
             <a:r>
-              <a:rPr lang="en-US" dirty="0"/>
+              <a:rPr lang="en-US"/>
               <a:t> </a:t>
             </a:r>
             <a:r>
-              <a:rPr lang="en-US" dirty="0" err="1"/>
+              <a:rPr lang="en-US" err="1"/>
               <a:t>som</a:t>
             </a:r>
             <a:r>
-              <a:rPr lang="en-US" dirty="0"/>
+              <a:rPr lang="en-US"/>
               <a:t> </a:t>
             </a:r>
             <a:r>
-              <a:rPr lang="en-US" dirty="0" err="1"/>
+              <a:rPr lang="en-US" err="1"/>
               <a:t>kan</a:t>
             </a:r>
             <a:r>
-              <a:rPr lang="en-US" dirty="0"/>
+              <a:rPr lang="en-US"/>
               <a:t> </a:t>
             </a:r>
             <a:r>
-              <a:rPr lang="nb-NO" dirty="0"/>
+              <a:rPr lang="nb-NO"/>
               <a:t>avleses</a:t>
             </a:r>
             <a:r>
-              <a:rPr lang="en-US" dirty="0"/>
+              <a:rPr lang="en-US"/>
               <a:t> </a:t>
             </a:r>
             <a:r>
-              <a:rPr lang="en-US" dirty="0" err="1"/>
+              <a:rPr lang="en-US" err="1"/>
               <a:t>i</a:t>
             </a:r>
             <a:r>
-              <a:rPr lang="en-US" dirty="0"/>
+              <a:rPr lang="en-US"/>
               <a:t> </a:t>
             </a:r>
             <a:r>
-              <a:rPr lang="en-US" dirty="0" err="1"/>
+              <a:rPr lang="en-US" err="1"/>
               <a:t>seriellmonitor</a:t>
             </a:r>
             <a:r>
-              <a:rPr lang="en-US" dirty="0"/>
+              <a:rPr lang="en-US"/>
               <a:t> </a:t>
             </a:r>
             <a:r>
-              <a:rPr lang="en-US" dirty="0" err="1"/>
+              <a:rPr lang="en-US" err="1"/>
               <a:t>på</a:t>
             </a:r>
             <a:r>
-              <a:rPr lang="en-US" dirty="0"/>
+              <a:rPr lang="en-US"/>
               <a:t> PC</a:t>
             </a:r>
           </a:p>
           <a:p>
             <a:r>
-              <a:rPr lang="nb-NO" dirty="0"/>
+              <a:rPr lang="nb-NO"/>
               <a:t>Terskelverdi kan endres via seriellmonitor</a:t>
             </a:r>
           </a:p>
@@ -14308,7 +14369,7 @@
           <a:lstStyle/>
           <a:p>
             <a:r>
-              <a:rPr lang="nb-NO" dirty="0"/>
+              <a:rPr lang="nb-NO"/>
               <a:t>Hvorfor denne løsningen?</a:t>
             </a:r>
           </a:p>
@@ -14336,19 +14397,19 @@
           <a:lstStyle/>
           <a:p>
             <a:r>
-              <a:rPr lang="nb-NO" dirty="0"/>
+              <a:rPr lang="nb-NO"/>
               <a:t>USART er veldig enkelt å sette opp og bruke i forhold til å bruke I2C</a:t>
             </a:r>
           </a:p>
           <a:p>
             <a:r>
-              <a:rPr lang="nb-NO" dirty="0"/>
+              <a:rPr lang="nb-NO"/>
               <a:t>BAUD-raten er mer enn rask nok for denne applikasjonen</a:t>
             </a:r>
           </a:p>
           <a:p>
             <a:r>
-              <a:rPr lang="nb-NO" dirty="0"/>
+              <a:rPr lang="nb-NO"/>
               <a:t>Ved å lage et bibliotek er det enkelt å utvide prosjektet, for eksempel med flere sensornoder snakker sammen med seriellkommunikasjon</a:t>
             </a:r>
           </a:p>
